--- a/3 Entwicklungsphase/weekly_meeting_11.pptx
+++ b/3 Entwicklungsphase/weekly_meeting_11.pptx
@@ -15,10 +15,12 @@
     <p:sldId id="280" r:id="rId9"/>
     <p:sldId id="282" r:id="rId10"/>
     <p:sldId id="285" r:id="rId11"/>
-    <p:sldId id="283" r:id="rId12"/>
-    <p:sldId id="284" r:id="rId13"/>
-    <p:sldId id="281" r:id="rId14"/>
-    <p:sldId id="263" r:id="rId15"/>
+    <p:sldId id="286" r:id="rId12"/>
+    <p:sldId id="287" r:id="rId13"/>
+    <p:sldId id="283" r:id="rId14"/>
+    <p:sldId id="284" r:id="rId15"/>
+    <p:sldId id="281" r:id="rId16"/>
+    <p:sldId id="263" r:id="rId17"/>
   </p:sldIdLst>
   <p:sldSz cx="12192000" cy="6858000"/>
   <p:notesSz cx="6858000" cy="9144000"/>
@@ -326,7 +328,7 @@
           <a:p>
             <a:fld id="{99293C7F-59EB-4A3A-A30C-171723B2F31C}" type="slidenum">
               <a:rPr lang="en-US" smtClean="0"/>
-              <a:t>‹Nr.›</a:t>
+              <a:t>‹#›</a:t>
             </a:fld>
             <a:endParaRPr lang="en-US"/>
           </a:p>
@@ -524,7 +526,7 @@
           <a:p>
             <a:fld id="{99293C7F-59EB-4A3A-A30C-171723B2F31C}" type="slidenum">
               <a:rPr lang="en-US" smtClean="0"/>
-              <a:t>‹Nr.›</a:t>
+              <a:t>‹#›</a:t>
             </a:fld>
             <a:endParaRPr lang="en-US"/>
           </a:p>
@@ -732,7 +734,7 @@
           <a:p>
             <a:fld id="{99293C7F-59EB-4A3A-A30C-171723B2F31C}" type="slidenum">
               <a:rPr lang="en-US" smtClean="0"/>
-              <a:t>‹Nr.›</a:t>
+              <a:t>‹#›</a:t>
             </a:fld>
             <a:endParaRPr lang="en-US"/>
           </a:p>
@@ -930,7 +932,7 @@
           <a:p>
             <a:fld id="{99293C7F-59EB-4A3A-A30C-171723B2F31C}" type="slidenum">
               <a:rPr lang="en-US" smtClean="0"/>
-              <a:t>‹Nr.›</a:t>
+              <a:t>‹#›</a:t>
             </a:fld>
             <a:endParaRPr lang="en-US"/>
           </a:p>
@@ -1205,7 +1207,7 @@
           <a:p>
             <a:fld id="{99293C7F-59EB-4A3A-A30C-171723B2F31C}" type="slidenum">
               <a:rPr lang="en-US" smtClean="0"/>
-              <a:t>‹Nr.›</a:t>
+              <a:t>‹#›</a:t>
             </a:fld>
             <a:endParaRPr lang="en-US"/>
           </a:p>
@@ -1470,7 +1472,7 @@
           <a:p>
             <a:fld id="{99293C7F-59EB-4A3A-A30C-171723B2F31C}" type="slidenum">
               <a:rPr lang="en-US" smtClean="0"/>
-              <a:t>‹Nr.›</a:t>
+              <a:t>‹#›</a:t>
             </a:fld>
             <a:endParaRPr lang="en-US"/>
           </a:p>
@@ -1882,7 +1884,7 @@
           <a:p>
             <a:fld id="{99293C7F-59EB-4A3A-A30C-171723B2F31C}" type="slidenum">
               <a:rPr lang="en-US" smtClean="0"/>
-              <a:t>‹Nr.›</a:t>
+              <a:t>‹#›</a:t>
             </a:fld>
             <a:endParaRPr lang="en-US"/>
           </a:p>
@@ -2023,7 +2025,7 @@
           <a:p>
             <a:fld id="{99293C7F-59EB-4A3A-A30C-171723B2F31C}" type="slidenum">
               <a:rPr lang="en-US" smtClean="0"/>
-              <a:t>‹Nr.›</a:t>
+              <a:t>‹#›</a:t>
             </a:fld>
             <a:endParaRPr lang="en-US"/>
           </a:p>
@@ -2136,7 +2138,7 @@
           <a:p>
             <a:fld id="{99293C7F-59EB-4A3A-A30C-171723B2F31C}" type="slidenum">
               <a:rPr lang="en-US" smtClean="0"/>
-              <a:t>‹Nr.›</a:t>
+              <a:t>‹#›</a:t>
             </a:fld>
             <a:endParaRPr lang="en-US"/>
           </a:p>
@@ -2447,7 +2449,7 @@
           <a:p>
             <a:fld id="{99293C7F-59EB-4A3A-A30C-171723B2F31C}" type="slidenum">
               <a:rPr lang="en-US" smtClean="0"/>
-              <a:t>‹Nr.›</a:t>
+              <a:t>‹#›</a:t>
             </a:fld>
             <a:endParaRPr lang="en-US"/>
           </a:p>
@@ -2735,7 +2737,7 @@
           <a:p>
             <a:fld id="{99293C7F-59EB-4A3A-A30C-171723B2F31C}" type="slidenum">
               <a:rPr lang="en-US" smtClean="0"/>
-              <a:t>‹Nr.›</a:t>
+              <a:t>‹#›</a:t>
             </a:fld>
             <a:endParaRPr lang="en-US"/>
           </a:p>
@@ -3012,7 +3014,7 @@
           <a:p>
             <a:fld id="{99293C7F-59EB-4A3A-A30C-171723B2F31C}" type="slidenum">
               <a:rPr lang="en-US" smtClean="0"/>
-              <a:t>‹Nr.›</a:t>
+              <a:t>‹#›</a:t>
             </a:fld>
             <a:endParaRPr lang="en-US"/>
           </a:p>
@@ -3409,25 +3411,8 @@
                   </a:schemeClr>
                 </a:solidFill>
               </a:rPr>
-              <a:t>Weekly Meeting </a:t>
-            </a:r>
-            <a:r>
-              <a:rPr lang="en-US" b="1" dirty="0" smtClean="0">
-                <a:solidFill>
-                  <a:schemeClr val="bg1">
-                    <a:lumMod val="50000"/>
-                  </a:schemeClr>
-                </a:solidFill>
-              </a:rPr>
-              <a:t>11</a:t>
-            </a:r>
-            <a:endParaRPr lang="en-US" b="1" dirty="0">
-              <a:solidFill>
-                <a:schemeClr val="bg1">
-                  <a:lumMod val="50000"/>
-                </a:schemeClr>
-              </a:solidFill>
-            </a:endParaRPr>
+              <a:t>Weekly Meeting 11</a:t>
+            </a:r>
           </a:p>
           <a:p>
             <a:endParaRPr lang="en-US" b="1" dirty="0">
@@ -3578,13 +3563,6 @@
   <p:clrMapOvr>
     <a:masterClrMapping/>
   </p:clrMapOvr>
-  <p:timing>
-    <p:tnLst>
-      <p:par>
-        <p:cTn id="1" dur="indefinite" restart="never" nodeType="tmRoot"/>
-      </p:par>
-    </p:tnLst>
-  </p:timing>
 </p:sld>
 </file>
 
@@ -3634,7 +3612,7 @@
           <a:lstStyle/>
           <a:p>
             <a:r>
-              <a:rPr lang="en-GB" sz="3200" b="1" dirty="0" err="1" smtClean="0">
+              <a:rPr lang="en-GB" sz="3200" b="1" dirty="0" err="1">
                 <a:solidFill>
                   <a:srgbClr val="339966"/>
                 </a:solidFill>
@@ -3642,7 +3620,7 @@
               <a:t>vertexPlacement</a:t>
             </a:r>
             <a:r>
-              <a:rPr lang="en-GB" sz="3200" b="1" dirty="0" smtClean="0">
+              <a:rPr lang="en-GB" sz="3200" b="1" dirty="0">
                 <a:solidFill>
                   <a:srgbClr val="339966"/>
                 </a:solidFill>
@@ -3650,7 +3628,7 @@
               <a:t>()</a:t>
             </a:r>
             <a:br>
-              <a:rPr lang="en-GB" sz="3200" b="1" dirty="0" smtClean="0">
+              <a:rPr lang="en-GB" sz="3200" b="1" dirty="0">
                 <a:solidFill>
                   <a:srgbClr val="339966"/>
                 </a:solidFill>
@@ -3664,17 +3642,27 @@
                   </a:schemeClr>
                 </a:solidFill>
               </a:rPr>
-              <a:t>Post-order </a:t>
-            </a:r>
-            <a:r>
-              <a:rPr lang="en-GB" sz="1600" b="1" dirty="0" smtClean="0">
+              <a:t>1 – </a:t>
+            </a:r>
+            <a:r>
+              <a:rPr lang="en-GB" sz="1600" b="1" dirty="0" err="1">
                 <a:solidFill>
                   <a:schemeClr val="bg1">
                     <a:lumMod val="50000"/>
                   </a:schemeClr>
                 </a:solidFill>
               </a:rPr>
-              <a:t>Depth-first Search Traversal</a:t>
+              <a:t>buildHierarchy</a:t>
+            </a:r>
+            <a:r>
+              <a:rPr lang="en-GB" sz="1600" b="1" dirty="0">
+                <a:solidFill>
+                  <a:schemeClr val="bg1">
+                    <a:lumMod val="50000"/>
+                  </a:schemeClr>
+                </a:solidFill>
+              </a:rPr>
+              <a:t>()</a:t>
             </a:r>
             <a:endParaRPr lang="en-GB" sz="3200" dirty="0">
               <a:solidFill>
@@ -3735,7 +3723,7 @@
       </p:pic>
       <p:pic>
         <p:nvPicPr>
-          <p:cNvPr id="328" name="Grafik 327"/>
+          <p:cNvPr id="329" name="Grafik 328"/>
           <p:cNvPicPr>
             <a:picLocks noChangeAspect="1"/>
           </p:cNvPicPr>
@@ -3755,37 +3743,7 @@
         </p:blipFill>
         <p:spPr>
           <a:xfrm>
-            <a:off x="6476982" y="2828410"/>
-            <a:ext cx="4873399" cy="2507361"/>
-          </a:xfrm>
-          <a:prstGeom prst="rect">
-            <a:avLst/>
-          </a:prstGeom>
-        </p:spPr>
-      </p:pic>
-      <p:pic>
-        <p:nvPicPr>
-          <p:cNvPr id="329" name="Grafik 328"/>
-          <p:cNvPicPr>
-            <a:picLocks noChangeAspect="1"/>
-          </p:cNvPicPr>
-          <p:nvPr/>
-        </p:nvPicPr>
-        <p:blipFill>
-          <a:blip r:embed="rId4">
-            <a:extLst>
-              <a:ext uri="{28A0092B-C50C-407E-A947-70E740481C1C}">
-                <a14:useLocalDpi xmlns:a14="http://schemas.microsoft.com/office/drawing/2010/main" val="0"/>
-              </a:ext>
-            </a:extLst>
-          </a:blip>
-          <a:stretch>
-            <a:fillRect/>
-          </a:stretch>
-        </p:blipFill>
-        <p:spPr>
-          <a:xfrm>
-            <a:off x="675916" y="2098996"/>
+            <a:off x="6486370" y="2098996"/>
             <a:ext cx="4873399" cy="3236775"/>
           </a:xfrm>
           <a:prstGeom prst="rect">
@@ -3939,7 +3897,7 @@
                     <a:p>
                       <a:pPr algn="ctr"/>
                       <a:r>
-                        <a:rPr lang="de-DE" sz="1200" dirty="0" smtClean="0">
+                        <a:rPr lang="de-DE" sz="1200" dirty="0">
                           <a:solidFill>
                             <a:schemeClr val="bg1">
                               <a:lumMod val="50000"/>
@@ -3948,13 +3906,6 @@
                         </a:rPr>
                         <a:t>1</a:t>
                       </a:r>
-                      <a:endParaRPr lang="de-DE" sz="1200" dirty="0">
-                        <a:solidFill>
-                          <a:schemeClr val="bg1">
-                            <a:lumMod val="50000"/>
-                          </a:schemeClr>
-                        </a:solidFill>
-                      </a:endParaRPr>
                     </a:p>
                   </a:txBody>
                   <a:tcPr marL="0" marR="0" marT="0" marB="0" anchor="ctr">
@@ -4012,18 +3963,13 @@
                     <a:p>
                       <a:pPr algn="ctr"/>
                       <a:r>
-                        <a:rPr lang="de-DE" sz="1200" dirty="0" smtClean="0">
+                        <a:rPr lang="de-DE" sz="1200" dirty="0">
                           <a:solidFill>
                             <a:schemeClr val="tx1"/>
                           </a:solidFill>
                         </a:rPr>
                         <a:t>2</a:t>
                       </a:r>
-                      <a:endParaRPr lang="de-DE" sz="1200" dirty="0">
-                        <a:solidFill>
-                          <a:schemeClr val="tx1"/>
-                        </a:solidFill>
-                      </a:endParaRPr>
                     </a:p>
                   </a:txBody>
                   <a:tcPr marL="0" marR="0" marT="0" marB="0" anchor="ctr">
@@ -4081,18 +4027,13 @@
                     <a:p>
                       <a:pPr algn="ctr"/>
                       <a:r>
-                        <a:rPr lang="de-DE" sz="1200" dirty="0" smtClean="0">
+                        <a:rPr lang="de-DE" sz="1200" dirty="0">
                           <a:solidFill>
                             <a:srgbClr val="00B050"/>
                           </a:solidFill>
                         </a:rPr>
                         <a:t>3</a:t>
                       </a:r>
-                      <a:endParaRPr lang="de-DE" sz="1200" dirty="0">
-                        <a:solidFill>
-                          <a:srgbClr val="00B050"/>
-                        </a:solidFill>
-                      </a:endParaRPr>
                     </a:p>
                   </a:txBody>
                   <a:tcPr marL="0" marR="0" marT="0" marB="0" anchor="ctr">
@@ -4150,18 +4091,13 @@
                     <a:p>
                       <a:pPr algn="ctr"/>
                       <a:r>
-                        <a:rPr lang="de-DE" sz="1200" dirty="0" smtClean="0">
+                        <a:rPr lang="de-DE" sz="1200" dirty="0">
                           <a:solidFill>
                             <a:srgbClr val="0000FF"/>
                           </a:solidFill>
                         </a:rPr>
                         <a:t>4</a:t>
                       </a:r>
-                      <a:endParaRPr lang="de-DE" sz="1200" dirty="0">
-                        <a:solidFill>
-                          <a:srgbClr val="0000FF"/>
-                        </a:solidFill>
-                      </a:endParaRPr>
                     </a:p>
                   </a:txBody>
                   <a:tcPr marL="0" marR="0" marT="0" marB="0" anchor="ctr">
@@ -4219,18 +4155,13 @@
                     <a:p>
                       <a:pPr algn="ctr"/>
                       <a:r>
-                        <a:rPr lang="de-DE" sz="1200" dirty="0" smtClean="0">
+                        <a:rPr lang="de-DE" sz="1200" dirty="0">
                           <a:solidFill>
                             <a:srgbClr val="00B0F0"/>
                           </a:solidFill>
                         </a:rPr>
                         <a:t>5</a:t>
                       </a:r>
-                      <a:endParaRPr lang="de-DE" sz="1200" dirty="0">
-                        <a:solidFill>
-                          <a:srgbClr val="00B0F0"/>
-                        </a:solidFill>
-                      </a:endParaRPr>
                     </a:p>
                   </a:txBody>
                   <a:tcPr marL="0" marR="0" marT="0" marB="0" anchor="ctr">
@@ -4288,18 +4219,13 @@
                     <a:p>
                       <a:pPr algn="ctr"/>
                       <a:r>
-                        <a:rPr lang="de-DE" sz="1200" dirty="0" smtClean="0">
+                        <a:rPr lang="de-DE" sz="1200" dirty="0">
                           <a:solidFill>
                             <a:srgbClr val="00B0F0"/>
                           </a:solidFill>
                         </a:rPr>
                         <a:t>6</a:t>
                       </a:r>
-                      <a:endParaRPr lang="de-DE" sz="1200" dirty="0">
-                        <a:solidFill>
-                          <a:srgbClr val="00B0F0"/>
-                        </a:solidFill>
-                      </a:endParaRPr>
                     </a:p>
                   </a:txBody>
                   <a:tcPr marL="0" marR="0" marT="0" marB="0" anchor="ctr">
@@ -4357,18 +4283,13 @@
                     <a:p>
                       <a:pPr algn="ctr"/>
                       <a:r>
-                        <a:rPr lang="de-DE" sz="1200" dirty="0" smtClean="0">
+                        <a:rPr lang="de-DE" sz="1200" dirty="0">
                           <a:solidFill>
                             <a:srgbClr val="00B0F0"/>
                           </a:solidFill>
                         </a:rPr>
                         <a:t>7</a:t>
                       </a:r>
-                      <a:endParaRPr lang="de-DE" sz="1200" dirty="0">
-                        <a:solidFill>
-                          <a:srgbClr val="00B0F0"/>
-                        </a:solidFill>
-                      </a:endParaRPr>
                     </a:p>
                   </a:txBody>
                   <a:tcPr marL="0" marR="0" marT="0" marB="0" anchor="ctr">
@@ -4426,18 +4347,13 @@
                     <a:p>
                       <a:pPr algn="ctr"/>
                       <a:r>
-                        <a:rPr lang="de-DE" sz="1200" dirty="0" smtClean="0">
+                        <a:rPr lang="de-DE" sz="1200" dirty="0">
                           <a:solidFill>
                             <a:srgbClr val="00B050"/>
                           </a:solidFill>
                         </a:rPr>
                         <a:t>8</a:t>
                       </a:r>
-                      <a:endParaRPr lang="de-DE" sz="1200" dirty="0">
-                        <a:solidFill>
-                          <a:srgbClr val="00B050"/>
-                        </a:solidFill>
-                      </a:endParaRPr>
                     </a:p>
                   </a:txBody>
                   <a:tcPr marL="0" marR="0" marT="0" marB="0" anchor="ctr">
@@ -4495,18 +4411,13 @@
                     <a:p>
                       <a:pPr algn="ctr"/>
                       <a:r>
-                        <a:rPr lang="de-DE" sz="1200" dirty="0" smtClean="0">
+                        <a:rPr lang="de-DE" sz="1200" dirty="0">
                           <a:solidFill>
                             <a:srgbClr val="0000FF"/>
                           </a:solidFill>
                         </a:rPr>
                         <a:t>9</a:t>
                       </a:r>
-                      <a:endParaRPr lang="de-DE" sz="1200" dirty="0">
-                        <a:solidFill>
-                          <a:srgbClr val="0000FF"/>
-                        </a:solidFill>
-                      </a:endParaRPr>
                     </a:p>
                   </a:txBody>
                   <a:tcPr marL="0" marR="0" marT="0" marB="0" anchor="ctr">
@@ -4564,18 +4475,13 @@
                     <a:p>
                       <a:pPr algn="ctr"/>
                       <a:r>
-                        <a:rPr lang="de-DE" sz="1200" dirty="0" smtClean="0">
+                        <a:rPr lang="de-DE" sz="1200" dirty="0">
                           <a:solidFill>
                             <a:srgbClr val="00B0F0"/>
                           </a:solidFill>
                         </a:rPr>
                         <a:t>10</a:t>
                       </a:r>
-                      <a:endParaRPr lang="de-DE" sz="1200" dirty="0">
-                        <a:solidFill>
-                          <a:srgbClr val="00B0F0"/>
-                        </a:solidFill>
-                      </a:endParaRPr>
                     </a:p>
                   </a:txBody>
                   <a:tcPr marL="0" marR="0" marT="0" marB="0" anchor="ctr">
@@ -4633,18 +4539,13 @@
                     <a:p>
                       <a:pPr algn="ctr"/>
                       <a:r>
-                        <a:rPr lang="de-DE" sz="1200" dirty="0" smtClean="0">
+                        <a:rPr lang="de-DE" sz="1200" dirty="0">
                           <a:solidFill>
                             <a:srgbClr val="00B0F0"/>
                           </a:solidFill>
                         </a:rPr>
                         <a:t>11</a:t>
                       </a:r>
-                      <a:endParaRPr lang="de-DE" sz="1200" dirty="0">
-                        <a:solidFill>
-                          <a:srgbClr val="00B0F0"/>
-                        </a:solidFill>
-                      </a:endParaRPr>
                     </a:p>
                   </a:txBody>
                   <a:tcPr marL="0" marR="0" marT="0" marB="0" anchor="ctr">
@@ -4702,18 +4603,13 @@
                     <a:p>
                       <a:pPr algn="ctr"/>
                       <a:r>
-                        <a:rPr lang="de-DE" sz="1200" dirty="0" smtClean="0">
+                        <a:rPr lang="de-DE" sz="1200" dirty="0">
                           <a:solidFill>
                             <a:srgbClr val="00B0F0"/>
                           </a:solidFill>
                         </a:rPr>
                         <a:t>12</a:t>
                       </a:r>
-                      <a:endParaRPr lang="de-DE" sz="1200" dirty="0">
-                        <a:solidFill>
-                          <a:srgbClr val="00B0F0"/>
-                        </a:solidFill>
-                      </a:endParaRPr>
                     </a:p>
                   </a:txBody>
                   <a:tcPr marL="0" marR="0" marT="0" marB="0" anchor="ctr">
@@ -4771,18 +4667,13 @@
                     <a:p>
                       <a:pPr algn="ctr"/>
                       <a:r>
-                        <a:rPr lang="de-DE" sz="1200" dirty="0" smtClean="0">
+                        <a:rPr lang="de-DE" sz="1200" dirty="0">
                           <a:solidFill>
                             <a:srgbClr val="00B050"/>
                           </a:solidFill>
                         </a:rPr>
                         <a:t>13</a:t>
                       </a:r>
-                      <a:endParaRPr lang="de-DE" sz="1200" dirty="0">
-                        <a:solidFill>
-                          <a:srgbClr val="00B050"/>
-                        </a:solidFill>
-                      </a:endParaRPr>
                     </a:p>
                   </a:txBody>
                   <a:tcPr marL="0" marR="0" marT="0" marB="0" anchor="ctr">
@@ -4840,18 +4731,13 @@
                     <a:p>
                       <a:pPr algn="ctr"/>
                       <a:r>
-                        <a:rPr lang="de-DE" sz="1200" dirty="0" smtClean="0">
+                        <a:rPr lang="de-DE" sz="1200" dirty="0">
                           <a:solidFill>
                             <a:srgbClr val="0000FF"/>
                           </a:solidFill>
                         </a:rPr>
                         <a:t>14</a:t>
                       </a:r>
-                      <a:endParaRPr lang="de-DE" sz="1200" dirty="0">
-                        <a:solidFill>
-                          <a:srgbClr val="0000FF"/>
-                        </a:solidFill>
-                      </a:endParaRPr>
                     </a:p>
                   </a:txBody>
                   <a:tcPr marL="0" marR="0" marT="0" marB="0" anchor="ctr">
@@ -4909,18 +4795,13 @@
                     <a:p>
                       <a:pPr algn="ctr"/>
                       <a:r>
-                        <a:rPr lang="de-DE" sz="1200" dirty="0" smtClean="0">
+                        <a:rPr lang="de-DE" sz="1200" dirty="0">
                           <a:solidFill>
                             <a:srgbClr val="00B0F0"/>
                           </a:solidFill>
                         </a:rPr>
                         <a:t>15</a:t>
                       </a:r>
-                      <a:endParaRPr lang="de-DE" sz="1200" dirty="0">
-                        <a:solidFill>
-                          <a:srgbClr val="00B0F0"/>
-                        </a:solidFill>
-                      </a:endParaRPr>
                     </a:p>
                   </a:txBody>
                   <a:tcPr marL="0" marR="0" marT="0" marB="0" anchor="ctr">
@@ -4978,18 +4859,13 @@
                     <a:p>
                       <a:pPr algn="ctr"/>
                       <a:r>
-                        <a:rPr lang="de-DE" sz="1200" dirty="0" smtClean="0">
+                        <a:rPr lang="de-DE" sz="1200" dirty="0">
                           <a:solidFill>
                             <a:srgbClr val="00B0F0"/>
                           </a:solidFill>
                         </a:rPr>
                         <a:t>16</a:t>
                       </a:r>
-                      <a:endParaRPr lang="de-DE" sz="1200" dirty="0">
-                        <a:solidFill>
-                          <a:srgbClr val="00B0F0"/>
-                        </a:solidFill>
-                      </a:endParaRPr>
                     </a:p>
                   </a:txBody>
                   <a:tcPr marL="0" marR="0" marT="0" marB="0" anchor="ctr">
@@ -5064,8 +4940,8 @@
         </p:nvSpPr>
         <p:spPr>
           <a:xfrm>
-            <a:off x="1007466" y="6097012"/>
-            <a:ext cx="1762288" cy="253916"/>
+            <a:off x="1007464" y="6097012"/>
+            <a:ext cx="3975071" cy="253916"/>
           </a:xfrm>
           <a:prstGeom prst="rect">
             <a:avLst/>
@@ -5079,12 +4955,8 @@
           <a:lstStyle/>
           <a:p>
             <a:r>
-              <a:rPr lang="en-GB" sz="1050" b="1" dirty="0" smtClean="0"/>
-              <a:t>Tree Array</a:t>
-            </a:r>
-            <a:r>
-              <a:rPr lang="en-GB" sz="1050" b="1" dirty="0" smtClean="0"/>
-              <a:t>:</a:t>
+              <a:rPr lang="en-GB" sz="1050" b="1" dirty="0"/>
+              <a:t>Flat Array (hierarchical relations via parent attribute):</a:t>
             </a:r>
             <a:endParaRPr lang="en-GB" sz="1050" dirty="0"/>
           </a:p>
@@ -5105,7 +4977,7 @@
         <p:spPr>
           <a:xfrm>
             <a:off x="6856158" y="6097679"/>
-            <a:ext cx="837910" cy="253916"/>
+            <a:ext cx="3434998" cy="253916"/>
           </a:xfrm>
           <a:prstGeom prst="rect">
             <a:avLst/>
@@ -5119,12 +4991,8 @@
           <a:lstStyle/>
           <a:p>
             <a:r>
-              <a:rPr lang="en-GB" sz="1050" b="1" dirty="0" smtClean="0"/>
-              <a:t>Path </a:t>
-            </a:r>
-            <a:r>
-              <a:rPr lang="en-GB" sz="1050" b="1" dirty="0" smtClean="0"/>
-              <a:t>Array:</a:t>
+              <a:rPr lang="en-GB" sz="1050" b="1" dirty="0"/>
+              <a:t>Tree Array (nested hierarchy via children attribute):</a:t>
             </a:r>
             <a:endParaRPr lang="en-GB" sz="1050" dirty="0"/>
           </a:p>
@@ -5160,8 +5028,8 @@
           <a:p>
             <a:pPr algn="ctr"/>
             <a:r>
-              <a:rPr lang="en-GB" i="1" dirty="0" err="1" smtClean="0"/>
-              <a:t>nodeTree</a:t>
+              <a:rPr lang="en-GB" i="1" dirty="0" err="1"/>
+              <a:t>flatArray</a:t>
             </a:r>
             <a:endParaRPr lang="en-GB" i="1" dirty="0"/>
           </a:p>
@@ -5182,7 +5050,7 @@
         <p:spPr>
           <a:xfrm>
             <a:off x="7531332" y="1570294"/>
-            <a:ext cx="2759824" cy="646331"/>
+            <a:ext cx="2759824" cy="369332"/>
           </a:xfrm>
           <a:prstGeom prst="rect">
             <a:avLst/>
@@ -5197,25 +5065,13 @@
           <a:p>
             <a:pPr algn="ctr"/>
             <a:r>
-              <a:rPr lang="en-GB" i="1" dirty="0"/>
-              <a:t>p</a:t>
-            </a:r>
-            <a:r>
-              <a:rPr lang="en-GB" i="1" dirty="0" smtClean="0"/>
-              <a:t>ath</a:t>
-            </a:r>
-            <a:r>
-              <a:rPr lang="en-GB" dirty="0" smtClean="0"/>
+              <a:rPr lang="en-GB" i="1" dirty="0" err="1"/>
+              <a:t>treeArray</a:t>
+            </a:r>
+            <a:r>
+              <a:rPr lang="en-GB" dirty="0"/>
               <a:t> </a:t>
             </a:r>
-          </a:p>
-          <a:p>
-            <a:pPr algn="ctr"/>
-            <a:r>
-              <a:rPr lang="en-GB" dirty="0" smtClean="0"/>
-              <a:t>(for vertex placement)</a:t>
-            </a:r>
-            <a:endParaRPr lang="en-GB" dirty="0"/>
           </a:p>
         </p:txBody>
       </p:sp>
@@ -5422,18 +5278,13 @@
                     <a:p>
                       <a:pPr algn="ctr"/>
                       <a:r>
-                        <a:rPr lang="de-DE" sz="1200" dirty="0" smtClean="0">
+                        <a:rPr lang="de-DE" sz="1200" dirty="0">
                           <a:solidFill>
                             <a:srgbClr val="00B0F0"/>
                           </a:solidFill>
                         </a:rPr>
                         <a:t>1</a:t>
                       </a:r>
-                      <a:endParaRPr lang="de-DE" sz="1200" dirty="0">
-                        <a:solidFill>
-                          <a:srgbClr val="00B0F0"/>
-                        </a:solidFill>
-                      </a:endParaRPr>
                     </a:p>
                   </a:txBody>
                   <a:tcPr marL="0" marR="0" marT="0" marB="0" anchor="ctr">
@@ -5491,18 +5342,13 @@
                     <a:p>
                       <a:pPr algn="ctr"/>
                       <a:r>
-                        <a:rPr lang="de-DE" sz="1200" dirty="0" smtClean="0">
+                        <a:rPr lang="de-DE" sz="1200" dirty="0">
                           <a:solidFill>
                             <a:srgbClr val="00B0F0"/>
                           </a:solidFill>
                         </a:rPr>
                         <a:t>2</a:t>
                       </a:r>
-                      <a:endParaRPr lang="de-DE" sz="1200" dirty="0">
-                        <a:solidFill>
-                          <a:srgbClr val="00B0F0"/>
-                        </a:solidFill>
-                      </a:endParaRPr>
                     </a:p>
                   </a:txBody>
                   <a:tcPr marL="0" marR="0" marT="0" marB="0" anchor="ctr">
@@ -5560,18 +5406,13 @@
                     <a:p>
                       <a:pPr algn="ctr"/>
                       <a:r>
-                        <a:rPr lang="de-DE" sz="1200" dirty="0" smtClean="0">
+                        <a:rPr lang="de-DE" sz="1200" dirty="0">
                           <a:solidFill>
                             <a:srgbClr val="0000FF"/>
                           </a:solidFill>
                         </a:rPr>
                         <a:t>3</a:t>
                       </a:r>
-                      <a:endParaRPr lang="de-DE" sz="1200" dirty="0">
-                        <a:solidFill>
-                          <a:srgbClr val="0000FF"/>
-                        </a:solidFill>
-                      </a:endParaRPr>
                     </a:p>
                   </a:txBody>
                   <a:tcPr marL="0" marR="0" marT="0" marB="0" anchor="ctr">
@@ -5629,18 +5470,13 @@
                     <a:p>
                       <a:pPr algn="ctr"/>
                       <a:r>
-                        <a:rPr lang="de-DE" sz="1200" dirty="0" smtClean="0">
+                        <a:rPr lang="de-DE" sz="1200" dirty="0">
                           <a:solidFill>
                             <a:srgbClr val="00B0F0"/>
                           </a:solidFill>
                         </a:rPr>
                         <a:t>4</a:t>
                       </a:r>
-                      <a:endParaRPr lang="de-DE" sz="1200" dirty="0">
-                        <a:solidFill>
-                          <a:srgbClr val="00B0F0"/>
-                        </a:solidFill>
-                      </a:endParaRPr>
                     </a:p>
                   </a:txBody>
                   <a:tcPr marL="0" marR="0" marT="0" marB="0" anchor="ctr">
@@ -5698,18 +5534,13 @@
                     <a:p>
                       <a:pPr algn="ctr"/>
                       <a:r>
-                        <a:rPr lang="de-DE" sz="1200" dirty="0" smtClean="0">
+                        <a:rPr lang="de-DE" sz="1200" dirty="0">
                           <a:solidFill>
                             <a:srgbClr val="00B050"/>
                           </a:solidFill>
                         </a:rPr>
                         <a:t>5</a:t>
                       </a:r>
-                      <a:endParaRPr lang="de-DE" sz="1200" dirty="0">
-                        <a:solidFill>
-                          <a:srgbClr val="00B050"/>
-                        </a:solidFill>
-                      </a:endParaRPr>
                     </a:p>
                   </a:txBody>
                   <a:tcPr marL="0" marR="0" marT="0" marB="0" anchor="ctr">
@@ -5767,18 +5598,13 @@
                     <a:p>
                       <a:pPr algn="ctr"/>
                       <a:r>
-                        <a:rPr lang="de-DE" sz="1200" dirty="0" smtClean="0">
+                        <a:rPr lang="de-DE" sz="1200" dirty="0">
                           <a:solidFill>
                             <a:srgbClr val="00B0F0"/>
                           </a:solidFill>
                         </a:rPr>
                         <a:t>6</a:t>
                       </a:r>
-                      <a:endParaRPr lang="de-DE" sz="1200" dirty="0">
-                        <a:solidFill>
-                          <a:srgbClr val="00B0F0"/>
-                        </a:solidFill>
-                      </a:endParaRPr>
                     </a:p>
                   </a:txBody>
                   <a:tcPr marL="0" marR="0" marT="0" marB="0" anchor="ctr">
@@ -5836,18 +5662,13 @@
                     <a:p>
                       <a:pPr algn="ctr"/>
                       <a:r>
-                        <a:rPr lang="de-DE" sz="1200" dirty="0" smtClean="0">
+                        <a:rPr lang="de-DE" sz="1200" dirty="0">
                           <a:solidFill>
                             <a:srgbClr val="00B0F0"/>
                           </a:solidFill>
                         </a:rPr>
                         <a:t>7</a:t>
                       </a:r>
-                      <a:endParaRPr lang="de-DE" sz="1200" dirty="0">
-                        <a:solidFill>
-                          <a:srgbClr val="00B0F0"/>
-                        </a:solidFill>
-                      </a:endParaRPr>
                     </a:p>
                   </a:txBody>
                   <a:tcPr marL="0" marR="0" marT="0" marB="0" anchor="ctr">
@@ -5905,18 +5726,13 @@
                     <a:p>
                       <a:pPr algn="ctr"/>
                       <a:r>
-                        <a:rPr lang="de-DE" sz="1200" dirty="0" smtClean="0">
+                        <a:rPr lang="de-DE" sz="1200" dirty="0">
                           <a:solidFill>
                             <a:srgbClr val="0000FF"/>
                           </a:solidFill>
                         </a:rPr>
                         <a:t>8</a:t>
                       </a:r>
-                      <a:endParaRPr lang="de-DE" sz="1200" dirty="0">
-                        <a:solidFill>
-                          <a:srgbClr val="0000FF"/>
-                        </a:solidFill>
-                      </a:endParaRPr>
                     </a:p>
                   </a:txBody>
                   <a:tcPr marL="0" marR="0" marT="0" marB="0" anchor="ctr">
@@ -5974,18 +5790,13 @@
                     <a:p>
                       <a:pPr algn="ctr"/>
                       <a:r>
-                        <a:rPr lang="de-DE" sz="1200" dirty="0" smtClean="0">
+                        <a:rPr lang="de-DE" sz="1200" dirty="0">
                           <a:solidFill>
                             <a:srgbClr val="00B0F0"/>
                           </a:solidFill>
                         </a:rPr>
                         <a:t>9</a:t>
                       </a:r>
-                      <a:endParaRPr lang="de-DE" sz="1200" dirty="0">
-                        <a:solidFill>
-                          <a:srgbClr val="00B0F0"/>
-                        </a:solidFill>
-                      </a:endParaRPr>
                     </a:p>
                   </a:txBody>
                   <a:tcPr marL="0" marR="0" marT="0" marB="0" anchor="ctr">
@@ -6043,18 +5854,13 @@
                     <a:p>
                       <a:pPr algn="ctr"/>
                       <a:r>
-                        <a:rPr lang="de-DE" sz="1200" dirty="0" smtClean="0">
+                        <a:rPr lang="de-DE" sz="1200" dirty="0">
                           <a:solidFill>
                             <a:srgbClr val="00B050"/>
                           </a:solidFill>
                         </a:rPr>
                         <a:t>10</a:t>
                       </a:r>
-                      <a:endParaRPr lang="de-DE" sz="1200" dirty="0">
-                        <a:solidFill>
-                          <a:srgbClr val="00B050"/>
-                        </a:solidFill>
-                      </a:endParaRPr>
                     </a:p>
                   </a:txBody>
                   <a:tcPr marL="0" marR="0" marT="0" marB="0" anchor="ctr">
@@ -6112,18 +5918,13 @@
                     <a:p>
                       <a:pPr algn="ctr"/>
                       <a:r>
-                        <a:rPr lang="de-DE" sz="1200" dirty="0" smtClean="0">
+                        <a:rPr lang="de-DE" sz="1200" dirty="0">
                           <a:solidFill>
                             <a:srgbClr val="00B0F0"/>
                           </a:solidFill>
                         </a:rPr>
                         <a:t>11</a:t>
                       </a:r>
-                      <a:endParaRPr lang="de-DE" sz="1200" dirty="0">
-                        <a:solidFill>
-                          <a:srgbClr val="00B0F0"/>
-                        </a:solidFill>
-                      </a:endParaRPr>
                     </a:p>
                   </a:txBody>
                   <a:tcPr marL="0" marR="0" marT="0" marB="0" anchor="ctr">
@@ -6181,18 +5982,13 @@
                     <a:p>
                       <a:pPr algn="ctr"/>
                       <a:r>
-                        <a:rPr lang="de-DE" sz="1200" dirty="0" smtClean="0">
+                        <a:rPr lang="de-DE" sz="1200" dirty="0">
                           <a:solidFill>
                             <a:srgbClr val="00B0F0"/>
                           </a:solidFill>
                         </a:rPr>
                         <a:t>12</a:t>
                       </a:r>
-                      <a:endParaRPr lang="de-DE" sz="1200" dirty="0">
-                        <a:solidFill>
-                          <a:srgbClr val="00B0F0"/>
-                        </a:solidFill>
-                      </a:endParaRPr>
                     </a:p>
                   </a:txBody>
                   <a:tcPr marL="0" marR="0" marT="0" marB="0" anchor="ctr">
@@ -6250,18 +6046,13 @@
                     <a:p>
                       <a:pPr algn="ctr"/>
                       <a:r>
-                        <a:rPr lang="de-DE" sz="1200" dirty="0" smtClean="0">
+                        <a:rPr lang="de-DE" sz="1200" dirty="0">
                           <a:solidFill>
                             <a:srgbClr val="0000FF"/>
                           </a:solidFill>
                         </a:rPr>
                         <a:t>13</a:t>
                       </a:r>
-                      <a:endParaRPr lang="de-DE" sz="1200" dirty="0">
-                        <a:solidFill>
-                          <a:srgbClr val="0000FF"/>
-                        </a:solidFill>
-                      </a:endParaRPr>
                     </a:p>
                   </a:txBody>
                   <a:tcPr marL="0" marR="0" marT="0" marB="0" anchor="ctr">
@@ -6319,18 +6110,13 @@
                     <a:p>
                       <a:pPr algn="ctr"/>
                       <a:r>
-                        <a:rPr lang="de-DE" sz="1200" dirty="0" smtClean="0">
+                        <a:rPr lang="de-DE" sz="1200" dirty="0">
                           <a:solidFill>
                             <a:srgbClr val="00B050"/>
                           </a:solidFill>
                         </a:rPr>
                         <a:t>14</a:t>
                       </a:r>
-                      <a:endParaRPr lang="de-DE" sz="1200" dirty="0">
-                        <a:solidFill>
-                          <a:srgbClr val="00B050"/>
-                        </a:solidFill>
-                      </a:endParaRPr>
                     </a:p>
                   </a:txBody>
                   <a:tcPr marL="0" marR="0" marT="0" marB="0" anchor="ctr">
@@ -6388,18 +6174,13 @@
                     <a:p>
                       <a:pPr algn="ctr"/>
                       <a:r>
-                        <a:rPr lang="de-DE" sz="1200" dirty="0" smtClean="0">
+                        <a:rPr lang="de-DE" sz="1200" dirty="0">
                           <a:solidFill>
                             <a:srgbClr val="00B0F0"/>
                           </a:solidFill>
                         </a:rPr>
                         <a:t>15</a:t>
                       </a:r>
-                      <a:endParaRPr lang="de-DE" sz="1200" dirty="0">
-                        <a:solidFill>
-                          <a:srgbClr val="00B0F0"/>
-                        </a:solidFill>
-                      </a:endParaRPr>
                     </a:p>
                   </a:txBody>
                   <a:tcPr marL="0" marR="0" marT="0" marB="0" anchor="ctr">
@@ -6457,18 +6238,13 @@
                     <a:p>
                       <a:pPr algn="ctr"/>
                       <a:r>
-                        <a:rPr lang="de-DE" sz="1200" dirty="0" smtClean="0">
+                        <a:rPr lang="de-DE" sz="1200" dirty="0">
                           <a:solidFill>
                             <a:srgbClr val="00B0F0"/>
                           </a:solidFill>
                         </a:rPr>
                         <a:t>16</a:t>
                       </a:r>
-                      <a:endParaRPr lang="de-DE" sz="1200" dirty="0">
-                        <a:solidFill>
-                          <a:srgbClr val="00B0F0"/>
-                        </a:solidFill>
-                      </a:endParaRPr>
                     </a:p>
                   </a:txBody>
                   <a:tcPr marL="0" marR="0" marT="0" marB="0" anchor="ctr">
@@ -6543,8 +6319,8 @@
         </p:nvSpPr>
         <p:spPr>
           <a:xfrm>
-            <a:off x="4712333" y="3238391"/>
-            <a:ext cx="2601631" cy="369332"/>
+            <a:off x="4366109" y="3238391"/>
+            <a:ext cx="2947855" cy="369332"/>
           </a:xfrm>
           <a:prstGeom prst="rect">
             <a:avLst/>
@@ -6559,22 +6335,21 @@
           <a:p>
             <a:pPr algn="ctr"/>
             <a:r>
-              <a:rPr lang="en-GB" b="1" i="1" dirty="0" err="1" smtClean="0"/>
-              <a:t>pathfinderDFS</a:t>
-            </a:r>
-            <a:r>
-              <a:rPr lang="en-GB" b="1" i="1" dirty="0" smtClean="0"/>
+              <a:rPr lang="en-GB" b="1" i="1" dirty="0" err="1"/>
+              <a:t>buildHierarchy</a:t>
+            </a:r>
+            <a:r>
+              <a:rPr lang="en-GB" b="1" i="1" dirty="0"/>
               <a:t>(</a:t>
             </a:r>
             <a:r>
-              <a:rPr lang="en-GB" i="1" dirty="0" err="1" smtClean="0"/>
-              <a:t>nodeTree</a:t>
-            </a:r>
-            <a:r>
-              <a:rPr lang="en-GB" b="1" i="1" dirty="0" smtClean="0"/>
+              <a:rPr lang="en-GB" i="1" dirty="0" err="1"/>
+              <a:t>flatArray</a:t>
+            </a:r>
+            <a:r>
+              <a:rPr lang="en-GB" b="1" i="1" dirty="0"/>
               <a:t>)</a:t>
             </a:r>
-            <a:endParaRPr lang="en-GB" b="1" i="1" dirty="0"/>
           </a:p>
         </p:txBody>
       </p:sp>
@@ -6608,7 +6383,7 @@
           <a:p>
             <a:pPr algn="ctr"/>
             <a:r>
-              <a:rPr lang="en-GB" b="1" dirty="0" smtClean="0">
+              <a:rPr lang="en-GB" b="1" dirty="0">
                 <a:solidFill>
                   <a:srgbClr val="FF0000"/>
                 </a:solidFill>
@@ -6653,7 +6428,7 @@
           <a:p>
             <a:pPr algn="ctr"/>
             <a:r>
-              <a:rPr lang="en-GB" b="1" dirty="0" smtClean="0">
+              <a:rPr lang="en-GB" b="1" dirty="0">
                 <a:solidFill>
                   <a:srgbClr val="FF0000"/>
                 </a:solidFill>
@@ -6735,7 +6510,7 @@
               <a:t>vertexPlacement</a:t>
             </a:r>
             <a:r>
-              <a:rPr lang="en-GB" sz="3200" b="1" dirty="0" smtClean="0">
+              <a:rPr lang="en-GB" sz="3200" b="1" dirty="0">
                 <a:solidFill>
                   <a:srgbClr val="339966"/>
                 </a:solidFill>
@@ -6743,7 +6518,5816 @@
               <a:t>()</a:t>
             </a:r>
             <a:br>
-              <a:rPr lang="en-GB" sz="3200" b="1" dirty="0" smtClean="0">
+              <a:rPr lang="en-GB" sz="3200" b="1" dirty="0">
+                <a:solidFill>
+                  <a:srgbClr val="339966"/>
+                </a:solidFill>
+              </a:rPr>
+            </a:br>
+            <a:r>
+              <a:rPr lang="en-GB" sz="1600" b="1" dirty="0">
+                <a:solidFill>
+                  <a:schemeClr val="bg1">
+                    <a:lumMod val="50000"/>
+                  </a:schemeClr>
+                </a:solidFill>
+              </a:rPr>
+              <a:t>2 – </a:t>
+            </a:r>
+            <a:r>
+              <a:rPr lang="en-GB" sz="1600" b="1" dirty="0" err="1">
+                <a:solidFill>
+                  <a:schemeClr val="bg1">
+                    <a:lumMod val="50000"/>
+                  </a:schemeClr>
+                </a:solidFill>
+              </a:rPr>
+              <a:t>traverseAndSort</a:t>
+            </a:r>
+            <a:r>
+              <a:rPr lang="en-GB" sz="1600" b="1" dirty="0">
+                <a:solidFill>
+                  <a:schemeClr val="bg1">
+                    <a:lumMod val="50000"/>
+                  </a:schemeClr>
+                </a:solidFill>
+              </a:rPr>
+              <a:t>()</a:t>
+            </a:r>
+            <a:endParaRPr lang="en-GB" sz="3200" dirty="0">
+              <a:solidFill>
+                <a:schemeClr val="bg1">
+                  <a:lumMod val="50000"/>
+                </a:schemeClr>
+              </a:solidFill>
+            </a:endParaRPr>
+          </a:p>
+        </p:txBody>
+      </p:sp>
+      <p:pic>
+        <p:nvPicPr>
+          <p:cNvPr id="9" name="Picture 2" descr="Image result for gefasoft logo svg">
+            <a:extLst>
+              <a:ext uri="{FF2B5EF4-FFF2-40B4-BE49-F238E27FC236}">
+                <a16:creationId xmlns:a16="http://schemas.microsoft.com/office/drawing/2014/main" id="{9E2A0D8B-D921-4381-A883-E701EB432AE7}"/>
+              </a:ext>
+            </a:extLst>
+          </p:cNvPr>
+          <p:cNvPicPr>
+            <a:picLocks noChangeAspect="1" noChangeArrowheads="1"/>
+          </p:cNvPicPr>
+          <p:nvPr/>
+        </p:nvPicPr>
+        <p:blipFill>
+          <a:blip r:embed="rId2" cstate="hqprint">
+            <a:extLst>
+              <a:ext uri="{28A0092B-C50C-407E-A947-70E740481C1C}">
+                <a14:useLocalDpi xmlns:a14="http://schemas.microsoft.com/office/drawing/2010/main" val="0"/>
+              </a:ext>
+            </a:extLst>
+          </a:blip>
+          <a:srcRect/>
+          <a:stretch>
+            <a:fillRect/>
+          </a:stretch>
+        </p:blipFill>
+        <p:spPr bwMode="auto">
+          <a:xfrm>
+            <a:off x="10413546" y="140804"/>
+            <a:ext cx="1641442" cy="358638"/>
+          </a:xfrm>
+          <a:prstGeom prst="rect">
+            <a:avLst/>
+          </a:prstGeom>
+          <a:noFill/>
+          <a:extLst>
+            <a:ext uri="{909E8E84-426E-40DD-AFC4-6F175D3DCCD1}">
+              <a14:hiddenFill xmlns:a14="http://schemas.microsoft.com/office/drawing/2010/main">
+                <a:solidFill>
+                  <a:srgbClr val="FFFFFF"/>
+                </a:solidFill>
+              </a14:hiddenFill>
+            </a:ext>
+          </a:extLst>
+        </p:spPr>
+      </p:pic>
+      <p:pic>
+        <p:nvPicPr>
+          <p:cNvPr id="328" name="Grafik 327"/>
+          <p:cNvPicPr>
+            <a:picLocks noChangeAspect="1"/>
+          </p:cNvPicPr>
+          <p:nvPr/>
+        </p:nvPicPr>
+        <p:blipFill>
+          <a:blip r:embed="rId3">
+            <a:extLst>
+              <a:ext uri="{28A0092B-C50C-407E-A947-70E740481C1C}">
+                <a14:useLocalDpi xmlns:a14="http://schemas.microsoft.com/office/drawing/2010/main" val="0"/>
+              </a:ext>
+            </a:extLst>
+          </a:blip>
+          <a:stretch>
+            <a:fillRect/>
+          </a:stretch>
+        </p:blipFill>
+        <p:spPr>
+          <a:xfrm>
+            <a:off x="6476982" y="2828410"/>
+            <a:ext cx="4873399" cy="2507361"/>
+          </a:xfrm>
+          <a:prstGeom prst="rect">
+            <a:avLst/>
+          </a:prstGeom>
+        </p:spPr>
+      </p:pic>
+      <p:pic>
+        <p:nvPicPr>
+          <p:cNvPr id="329" name="Grafik 328"/>
+          <p:cNvPicPr>
+            <a:picLocks noChangeAspect="1"/>
+          </p:cNvPicPr>
+          <p:nvPr/>
+        </p:nvPicPr>
+        <p:blipFill>
+          <a:blip r:embed="rId4">
+            <a:extLst>
+              <a:ext uri="{28A0092B-C50C-407E-A947-70E740481C1C}">
+                <a14:useLocalDpi xmlns:a14="http://schemas.microsoft.com/office/drawing/2010/main" val="0"/>
+              </a:ext>
+            </a:extLst>
+          </a:blip>
+          <a:stretch>
+            <a:fillRect/>
+          </a:stretch>
+        </p:blipFill>
+        <p:spPr>
+          <a:xfrm>
+            <a:off x="675916" y="2098996"/>
+            <a:ext cx="4873399" cy="3236775"/>
+          </a:xfrm>
+          <a:prstGeom prst="rect">
+            <a:avLst/>
+          </a:prstGeom>
+        </p:spPr>
+      </p:pic>
+      <p:graphicFrame>
+        <p:nvGraphicFramePr>
+          <p:cNvPr id="330" name="Tabelle 329"/>
+          <p:cNvGraphicFramePr>
+            <a:graphicFrameLocks noGrp="1"/>
+          </p:cNvGraphicFramePr>
+          <p:nvPr>
+            <p:extLst/>
+          </p:nvPr>
+        </p:nvGraphicFramePr>
+        <p:xfrm>
+          <a:off x="1114066" y="6328109"/>
+          <a:ext cx="3975072" cy="247812"/>
+        </p:xfrm>
+        <a:graphic>
+          <a:graphicData uri="http://schemas.openxmlformats.org/drawingml/2006/table">
+            <a:tbl>
+              <a:tblPr firstRow="1" bandRow="1">
+                <a:tableStyleId>{5C22544A-7EE6-4342-B048-85BDC9FD1C3A}</a:tableStyleId>
+              </a:tblPr>
+              <a:tblGrid>
+                <a:gridCol w="248442">
+                  <a:extLst>
+                    <a:ext uri="{9D8B030D-6E8A-4147-A177-3AD203B41FA5}">
+                      <a16:colId xmlns:a16="http://schemas.microsoft.com/office/drawing/2014/main" val="2590193884"/>
+                    </a:ext>
+                  </a:extLst>
+                </a:gridCol>
+                <a:gridCol w="248442">
+                  <a:extLst>
+                    <a:ext uri="{9D8B030D-6E8A-4147-A177-3AD203B41FA5}">
+                      <a16:colId xmlns:a16="http://schemas.microsoft.com/office/drawing/2014/main" val="4236785171"/>
+                    </a:ext>
+                  </a:extLst>
+                </a:gridCol>
+                <a:gridCol w="248442">
+                  <a:extLst>
+                    <a:ext uri="{9D8B030D-6E8A-4147-A177-3AD203B41FA5}">
+                      <a16:colId xmlns:a16="http://schemas.microsoft.com/office/drawing/2014/main" val="2393414214"/>
+                    </a:ext>
+                  </a:extLst>
+                </a:gridCol>
+                <a:gridCol w="248442">
+                  <a:extLst>
+                    <a:ext uri="{9D8B030D-6E8A-4147-A177-3AD203B41FA5}">
+                      <a16:colId xmlns:a16="http://schemas.microsoft.com/office/drawing/2014/main" val="4101219277"/>
+                    </a:ext>
+                  </a:extLst>
+                </a:gridCol>
+                <a:gridCol w="248442">
+                  <a:extLst>
+                    <a:ext uri="{9D8B030D-6E8A-4147-A177-3AD203B41FA5}">
+                      <a16:colId xmlns:a16="http://schemas.microsoft.com/office/drawing/2014/main" val="2547806980"/>
+                    </a:ext>
+                  </a:extLst>
+                </a:gridCol>
+                <a:gridCol w="248442">
+                  <a:extLst>
+                    <a:ext uri="{9D8B030D-6E8A-4147-A177-3AD203B41FA5}">
+                      <a16:colId xmlns:a16="http://schemas.microsoft.com/office/drawing/2014/main" val="3320730676"/>
+                    </a:ext>
+                  </a:extLst>
+                </a:gridCol>
+                <a:gridCol w="248442">
+                  <a:extLst>
+                    <a:ext uri="{9D8B030D-6E8A-4147-A177-3AD203B41FA5}">
+                      <a16:colId xmlns:a16="http://schemas.microsoft.com/office/drawing/2014/main" val="190447142"/>
+                    </a:ext>
+                  </a:extLst>
+                </a:gridCol>
+                <a:gridCol w="248442">
+                  <a:extLst>
+                    <a:ext uri="{9D8B030D-6E8A-4147-A177-3AD203B41FA5}">
+                      <a16:colId xmlns:a16="http://schemas.microsoft.com/office/drawing/2014/main" val="3885206293"/>
+                    </a:ext>
+                  </a:extLst>
+                </a:gridCol>
+                <a:gridCol w="248442">
+                  <a:extLst>
+                    <a:ext uri="{9D8B030D-6E8A-4147-A177-3AD203B41FA5}">
+                      <a16:colId xmlns:a16="http://schemas.microsoft.com/office/drawing/2014/main" val="1915350709"/>
+                    </a:ext>
+                  </a:extLst>
+                </a:gridCol>
+                <a:gridCol w="248442">
+                  <a:extLst>
+                    <a:ext uri="{9D8B030D-6E8A-4147-A177-3AD203B41FA5}">
+                      <a16:colId xmlns:a16="http://schemas.microsoft.com/office/drawing/2014/main" val="388499111"/>
+                    </a:ext>
+                  </a:extLst>
+                </a:gridCol>
+                <a:gridCol w="248442">
+                  <a:extLst>
+                    <a:ext uri="{9D8B030D-6E8A-4147-A177-3AD203B41FA5}">
+                      <a16:colId xmlns:a16="http://schemas.microsoft.com/office/drawing/2014/main" val="2256177202"/>
+                    </a:ext>
+                  </a:extLst>
+                </a:gridCol>
+                <a:gridCol w="248442">
+                  <a:extLst>
+                    <a:ext uri="{9D8B030D-6E8A-4147-A177-3AD203B41FA5}">
+                      <a16:colId xmlns:a16="http://schemas.microsoft.com/office/drawing/2014/main" val="1831062878"/>
+                    </a:ext>
+                  </a:extLst>
+                </a:gridCol>
+                <a:gridCol w="248442">
+                  <a:extLst>
+                    <a:ext uri="{9D8B030D-6E8A-4147-A177-3AD203B41FA5}">
+                      <a16:colId xmlns:a16="http://schemas.microsoft.com/office/drawing/2014/main" val="3598981215"/>
+                    </a:ext>
+                  </a:extLst>
+                </a:gridCol>
+                <a:gridCol w="248442">
+                  <a:extLst>
+                    <a:ext uri="{9D8B030D-6E8A-4147-A177-3AD203B41FA5}">
+                      <a16:colId xmlns:a16="http://schemas.microsoft.com/office/drawing/2014/main" val="278214951"/>
+                    </a:ext>
+                  </a:extLst>
+                </a:gridCol>
+                <a:gridCol w="248442">
+                  <a:extLst>
+                    <a:ext uri="{9D8B030D-6E8A-4147-A177-3AD203B41FA5}">
+                      <a16:colId xmlns:a16="http://schemas.microsoft.com/office/drawing/2014/main" val="1369092313"/>
+                    </a:ext>
+                  </a:extLst>
+                </a:gridCol>
+                <a:gridCol w="248442">
+                  <a:extLst>
+                    <a:ext uri="{9D8B030D-6E8A-4147-A177-3AD203B41FA5}">
+                      <a16:colId xmlns:a16="http://schemas.microsoft.com/office/drawing/2014/main" val="143899768"/>
+                    </a:ext>
+                  </a:extLst>
+                </a:gridCol>
+              </a:tblGrid>
+              <a:tr h="247812">
+                <a:tc>
+                  <a:txBody>
+                    <a:bodyPr/>
+                    <a:lstStyle/>
+                    <a:p>
+                      <a:pPr algn="ctr"/>
+                      <a:r>
+                        <a:rPr lang="de-DE" sz="1200" dirty="0">
+                          <a:solidFill>
+                            <a:schemeClr val="bg1">
+                              <a:lumMod val="50000"/>
+                            </a:schemeClr>
+                          </a:solidFill>
+                        </a:rPr>
+                        <a:t>1</a:t>
+                      </a:r>
+                    </a:p>
+                  </a:txBody>
+                  <a:tcPr marL="0" marR="0" marT="0" marB="0" anchor="ctr">
+                    <a:lnL w="12700" cap="flat" cmpd="sng" algn="ctr">
+                      <a:solidFill>
+                        <a:schemeClr val="tx1"/>
+                      </a:solidFill>
+                      <a:prstDash val="solid"/>
+                      <a:round/>
+                      <a:headEnd type="none" w="med" len="med"/>
+                      <a:tailEnd type="none" w="med" len="med"/>
+                    </a:lnL>
+                    <a:lnR w="12700" cap="flat" cmpd="sng" algn="ctr">
+                      <a:solidFill>
+                        <a:schemeClr val="tx1"/>
+                      </a:solidFill>
+                      <a:prstDash val="solid"/>
+                      <a:round/>
+                      <a:headEnd type="none" w="med" len="med"/>
+                      <a:tailEnd type="none" w="med" len="med"/>
+                    </a:lnR>
+                    <a:lnT w="12700" cap="flat" cmpd="sng" algn="ctr">
+                      <a:solidFill>
+                        <a:schemeClr val="tx1"/>
+                      </a:solidFill>
+                      <a:prstDash val="solid"/>
+                      <a:round/>
+                      <a:headEnd type="none" w="med" len="med"/>
+                      <a:tailEnd type="none" w="med" len="med"/>
+                    </a:lnT>
+                    <a:lnB w="12700" cap="flat" cmpd="sng" algn="ctr">
+                      <a:solidFill>
+                        <a:schemeClr val="tx1"/>
+                      </a:solidFill>
+                      <a:prstDash val="solid"/>
+                      <a:round/>
+                      <a:headEnd type="none" w="med" len="med"/>
+                      <a:tailEnd type="none" w="med" len="med"/>
+                    </a:lnB>
+                    <a:lnTlToBr w="12700" cmpd="sng">
+                      <a:noFill/>
+                      <a:prstDash val="solid"/>
+                    </a:lnTlToBr>
+                    <a:lnBlToTr w="12700" cmpd="sng">
+                      <a:noFill/>
+                      <a:prstDash val="solid"/>
+                    </a:lnBlToTr>
+                    <a:noFill/>
+                  </a:tcPr>
+                </a:tc>
+                <a:tc>
+                  <a:txBody>
+                    <a:bodyPr/>
+                    <a:lstStyle/>
+                    <a:p>
+                      <a:pPr algn="ctr"/>
+                      <a:r>
+                        <a:rPr lang="de-DE" sz="1200" dirty="0">
+                          <a:solidFill>
+                            <a:schemeClr val="tx1"/>
+                          </a:solidFill>
+                        </a:rPr>
+                        <a:t>2</a:t>
+                      </a:r>
+                    </a:p>
+                  </a:txBody>
+                  <a:tcPr marL="0" marR="0" marT="0" marB="0" anchor="ctr">
+                    <a:lnL w="12700" cap="flat" cmpd="sng" algn="ctr">
+                      <a:solidFill>
+                        <a:schemeClr val="tx1"/>
+                      </a:solidFill>
+                      <a:prstDash val="solid"/>
+                      <a:round/>
+                      <a:headEnd type="none" w="med" len="med"/>
+                      <a:tailEnd type="none" w="med" len="med"/>
+                    </a:lnL>
+                    <a:lnR w="12700" cap="flat" cmpd="sng" algn="ctr">
+                      <a:solidFill>
+                        <a:schemeClr val="tx1"/>
+                      </a:solidFill>
+                      <a:prstDash val="solid"/>
+                      <a:round/>
+                      <a:headEnd type="none" w="med" len="med"/>
+                      <a:tailEnd type="none" w="med" len="med"/>
+                    </a:lnR>
+                    <a:lnT w="12700" cap="flat" cmpd="sng" algn="ctr">
+                      <a:solidFill>
+                        <a:schemeClr val="tx1"/>
+                      </a:solidFill>
+                      <a:prstDash val="solid"/>
+                      <a:round/>
+                      <a:headEnd type="none" w="med" len="med"/>
+                      <a:tailEnd type="none" w="med" len="med"/>
+                    </a:lnT>
+                    <a:lnB w="12700" cap="flat" cmpd="sng" algn="ctr">
+                      <a:solidFill>
+                        <a:schemeClr val="tx1"/>
+                      </a:solidFill>
+                      <a:prstDash val="solid"/>
+                      <a:round/>
+                      <a:headEnd type="none" w="med" len="med"/>
+                      <a:tailEnd type="none" w="med" len="med"/>
+                    </a:lnB>
+                    <a:lnTlToBr w="12700" cmpd="sng">
+                      <a:noFill/>
+                      <a:prstDash val="solid"/>
+                    </a:lnTlToBr>
+                    <a:lnBlToTr w="12700" cmpd="sng">
+                      <a:noFill/>
+                      <a:prstDash val="solid"/>
+                    </a:lnBlToTr>
+                    <a:noFill/>
+                  </a:tcPr>
+                </a:tc>
+                <a:tc>
+                  <a:txBody>
+                    <a:bodyPr/>
+                    <a:lstStyle/>
+                    <a:p>
+                      <a:pPr algn="ctr"/>
+                      <a:r>
+                        <a:rPr lang="de-DE" sz="1200" dirty="0">
+                          <a:solidFill>
+                            <a:srgbClr val="00B050"/>
+                          </a:solidFill>
+                        </a:rPr>
+                        <a:t>3</a:t>
+                      </a:r>
+                    </a:p>
+                  </a:txBody>
+                  <a:tcPr marL="0" marR="0" marT="0" marB="0" anchor="ctr">
+                    <a:lnL w="12700" cap="flat" cmpd="sng" algn="ctr">
+                      <a:solidFill>
+                        <a:schemeClr val="tx1"/>
+                      </a:solidFill>
+                      <a:prstDash val="solid"/>
+                      <a:round/>
+                      <a:headEnd type="none" w="med" len="med"/>
+                      <a:tailEnd type="none" w="med" len="med"/>
+                    </a:lnL>
+                    <a:lnR w="12700" cap="flat" cmpd="sng" algn="ctr">
+                      <a:solidFill>
+                        <a:schemeClr val="tx1"/>
+                      </a:solidFill>
+                      <a:prstDash val="solid"/>
+                      <a:round/>
+                      <a:headEnd type="none" w="med" len="med"/>
+                      <a:tailEnd type="none" w="med" len="med"/>
+                    </a:lnR>
+                    <a:lnT w="12700" cap="flat" cmpd="sng" algn="ctr">
+                      <a:solidFill>
+                        <a:schemeClr val="tx1"/>
+                      </a:solidFill>
+                      <a:prstDash val="solid"/>
+                      <a:round/>
+                      <a:headEnd type="none" w="med" len="med"/>
+                      <a:tailEnd type="none" w="med" len="med"/>
+                    </a:lnT>
+                    <a:lnB w="12700" cap="flat" cmpd="sng" algn="ctr">
+                      <a:solidFill>
+                        <a:schemeClr val="tx1"/>
+                      </a:solidFill>
+                      <a:prstDash val="solid"/>
+                      <a:round/>
+                      <a:headEnd type="none" w="med" len="med"/>
+                      <a:tailEnd type="none" w="med" len="med"/>
+                    </a:lnB>
+                    <a:lnTlToBr w="12700" cmpd="sng">
+                      <a:noFill/>
+                      <a:prstDash val="solid"/>
+                    </a:lnTlToBr>
+                    <a:lnBlToTr w="12700" cmpd="sng">
+                      <a:noFill/>
+                      <a:prstDash val="solid"/>
+                    </a:lnBlToTr>
+                    <a:noFill/>
+                  </a:tcPr>
+                </a:tc>
+                <a:tc>
+                  <a:txBody>
+                    <a:bodyPr/>
+                    <a:lstStyle/>
+                    <a:p>
+                      <a:pPr algn="ctr"/>
+                      <a:r>
+                        <a:rPr lang="de-DE" sz="1200" dirty="0">
+                          <a:solidFill>
+                            <a:srgbClr val="0000FF"/>
+                          </a:solidFill>
+                        </a:rPr>
+                        <a:t>4</a:t>
+                      </a:r>
+                    </a:p>
+                  </a:txBody>
+                  <a:tcPr marL="0" marR="0" marT="0" marB="0" anchor="ctr">
+                    <a:lnL w="12700" cap="flat" cmpd="sng" algn="ctr">
+                      <a:solidFill>
+                        <a:schemeClr val="tx1"/>
+                      </a:solidFill>
+                      <a:prstDash val="solid"/>
+                      <a:round/>
+                      <a:headEnd type="none" w="med" len="med"/>
+                      <a:tailEnd type="none" w="med" len="med"/>
+                    </a:lnL>
+                    <a:lnR w="12700" cap="flat" cmpd="sng" algn="ctr">
+                      <a:solidFill>
+                        <a:schemeClr val="tx1"/>
+                      </a:solidFill>
+                      <a:prstDash val="solid"/>
+                      <a:round/>
+                      <a:headEnd type="none" w="med" len="med"/>
+                      <a:tailEnd type="none" w="med" len="med"/>
+                    </a:lnR>
+                    <a:lnT w="12700" cap="flat" cmpd="sng" algn="ctr">
+                      <a:solidFill>
+                        <a:schemeClr val="tx1"/>
+                      </a:solidFill>
+                      <a:prstDash val="solid"/>
+                      <a:round/>
+                      <a:headEnd type="none" w="med" len="med"/>
+                      <a:tailEnd type="none" w="med" len="med"/>
+                    </a:lnT>
+                    <a:lnB w="12700" cap="flat" cmpd="sng" algn="ctr">
+                      <a:solidFill>
+                        <a:schemeClr val="tx1"/>
+                      </a:solidFill>
+                      <a:prstDash val="solid"/>
+                      <a:round/>
+                      <a:headEnd type="none" w="med" len="med"/>
+                      <a:tailEnd type="none" w="med" len="med"/>
+                    </a:lnB>
+                    <a:lnTlToBr w="12700" cmpd="sng">
+                      <a:noFill/>
+                      <a:prstDash val="solid"/>
+                    </a:lnTlToBr>
+                    <a:lnBlToTr w="12700" cmpd="sng">
+                      <a:noFill/>
+                      <a:prstDash val="solid"/>
+                    </a:lnBlToTr>
+                    <a:noFill/>
+                  </a:tcPr>
+                </a:tc>
+                <a:tc>
+                  <a:txBody>
+                    <a:bodyPr/>
+                    <a:lstStyle/>
+                    <a:p>
+                      <a:pPr algn="ctr"/>
+                      <a:r>
+                        <a:rPr lang="de-DE" sz="1200" dirty="0">
+                          <a:solidFill>
+                            <a:srgbClr val="00B0F0"/>
+                          </a:solidFill>
+                        </a:rPr>
+                        <a:t>5</a:t>
+                      </a:r>
+                    </a:p>
+                  </a:txBody>
+                  <a:tcPr marL="0" marR="0" marT="0" marB="0" anchor="ctr">
+                    <a:lnL w="12700" cap="flat" cmpd="sng" algn="ctr">
+                      <a:solidFill>
+                        <a:schemeClr val="tx1"/>
+                      </a:solidFill>
+                      <a:prstDash val="solid"/>
+                      <a:round/>
+                      <a:headEnd type="none" w="med" len="med"/>
+                      <a:tailEnd type="none" w="med" len="med"/>
+                    </a:lnL>
+                    <a:lnR w="12700" cap="flat" cmpd="sng" algn="ctr">
+                      <a:solidFill>
+                        <a:schemeClr val="tx1"/>
+                      </a:solidFill>
+                      <a:prstDash val="solid"/>
+                      <a:round/>
+                      <a:headEnd type="none" w="med" len="med"/>
+                      <a:tailEnd type="none" w="med" len="med"/>
+                    </a:lnR>
+                    <a:lnT w="12700" cap="flat" cmpd="sng" algn="ctr">
+                      <a:solidFill>
+                        <a:schemeClr val="tx1"/>
+                      </a:solidFill>
+                      <a:prstDash val="solid"/>
+                      <a:round/>
+                      <a:headEnd type="none" w="med" len="med"/>
+                      <a:tailEnd type="none" w="med" len="med"/>
+                    </a:lnT>
+                    <a:lnB w="12700" cap="flat" cmpd="sng" algn="ctr">
+                      <a:solidFill>
+                        <a:schemeClr val="tx1"/>
+                      </a:solidFill>
+                      <a:prstDash val="solid"/>
+                      <a:round/>
+                      <a:headEnd type="none" w="med" len="med"/>
+                      <a:tailEnd type="none" w="med" len="med"/>
+                    </a:lnB>
+                    <a:lnTlToBr w="12700" cmpd="sng">
+                      <a:noFill/>
+                      <a:prstDash val="solid"/>
+                    </a:lnTlToBr>
+                    <a:lnBlToTr w="12700" cmpd="sng">
+                      <a:noFill/>
+                      <a:prstDash val="solid"/>
+                    </a:lnBlToTr>
+                    <a:noFill/>
+                  </a:tcPr>
+                </a:tc>
+                <a:tc>
+                  <a:txBody>
+                    <a:bodyPr/>
+                    <a:lstStyle/>
+                    <a:p>
+                      <a:pPr algn="ctr"/>
+                      <a:r>
+                        <a:rPr lang="de-DE" sz="1200" dirty="0">
+                          <a:solidFill>
+                            <a:srgbClr val="00B0F0"/>
+                          </a:solidFill>
+                        </a:rPr>
+                        <a:t>6</a:t>
+                      </a:r>
+                    </a:p>
+                  </a:txBody>
+                  <a:tcPr marL="0" marR="0" marT="0" marB="0" anchor="ctr">
+                    <a:lnL w="12700" cap="flat" cmpd="sng" algn="ctr">
+                      <a:solidFill>
+                        <a:schemeClr val="tx1"/>
+                      </a:solidFill>
+                      <a:prstDash val="solid"/>
+                      <a:round/>
+                      <a:headEnd type="none" w="med" len="med"/>
+                      <a:tailEnd type="none" w="med" len="med"/>
+                    </a:lnL>
+                    <a:lnR w="12700" cap="flat" cmpd="sng" algn="ctr">
+                      <a:solidFill>
+                        <a:schemeClr val="tx1"/>
+                      </a:solidFill>
+                      <a:prstDash val="solid"/>
+                      <a:round/>
+                      <a:headEnd type="none" w="med" len="med"/>
+                      <a:tailEnd type="none" w="med" len="med"/>
+                    </a:lnR>
+                    <a:lnT w="12700" cap="flat" cmpd="sng" algn="ctr">
+                      <a:solidFill>
+                        <a:schemeClr val="tx1"/>
+                      </a:solidFill>
+                      <a:prstDash val="solid"/>
+                      <a:round/>
+                      <a:headEnd type="none" w="med" len="med"/>
+                      <a:tailEnd type="none" w="med" len="med"/>
+                    </a:lnT>
+                    <a:lnB w="12700" cap="flat" cmpd="sng" algn="ctr">
+                      <a:solidFill>
+                        <a:schemeClr val="tx1"/>
+                      </a:solidFill>
+                      <a:prstDash val="solid"/>
+                      <a:round/>
+                      <a:headEnd type="none" w="med" len="med"/>
+                      <a:tailEnd type="none" w="med" len="med"/>
+                    </a:lnB>
+                    <a:lnTlToBr w="12700" cmpd="sng">
+                      <a:noFill/>
+                      <a:prstDash val="solid"/>
+                    </a:lnTlToBr>
+                    <a:lnBlToTr w="12700" cmpd="sng">
+                      <a:noFill/>
+                      <a:prstDash val="solid"/>
+                    </a:lnBlToTr>
+                    <a:noFill/>
+                  </a:tcPr>
+                </a:tc>
+                <a:tc>
+                  <a:txBody>
+                    <a:bodyPr/>
+                    <a:lstStyle/>
+                    <a:p>
+                      <a:pPr algn="ctr"/>
+                      <a:r>
+                        <a:rPr lang="de-DE" sz="1200" dirty="0">
+                          <a:solidFill>
+                            <a:srgbClr val="00B0F0"/>
+                          </a:solidFill>
+                        </a:rPr>
+                        <a:t>7</a:t>
+                      </a:r>
+                    </a:p>
+                  </a:txBody>
+                  <a:tcPr marL="0" marR="0" marT="0" marB="0" anchor="ctr">
+                    <a:lnL w="12700" cap="flat" cmpd="sng" algn="ctr">
+                      <a:solidFill>
+                        <a:schemeClr val="tx1"/>
+                      </a:solidFill>
+                      <a:prstDash val="solid"/>
+                      <a:round/>
+                      <a:headEnd type="none" w="med" len="med"/>
+                      <a:tailEnd type="none" w="med" len="med"/>
+                    </a:lnL>
+                    <a:lnR w="12700" cap="flat" cmpd="sng" algn="ctr">
+                      <a:solidFill>
+                        <a:schemeClr val="tx1"/>
+                      </a:solidFill>
+                      <a:prstDash val="solid"/>
+                      <a:round/>
+                      <a:headEnd type="none" w="med" len="med"/>
+                      <a:tailEnd type="none" w="med" len="med"/>
+                    </a:lnR>
+                    <a:lnT w="12700" cap="flat" cmpd="sng" algn="ctr">
+                      <a:solidFill>
+                        <a:schemeClr val="tx1"/>
+                      </a:solidFill>
+                      <a:prstDash val="solid"/>
+                      <a:round/>
+                      <a:headEnd type="none" w="med" len="med"/>
+                      <a:tailEnd type="none" w="med" len="med"/>
+                    </a:lnT>
+                    <a:lnB w="12700" cap="flat" cmpd="sng" algn="ctr">
+                      <a:solidFill>
+                        <a:schemeClr val="tx1"/>
+                      </a:solidFill>
+                      <a:prstDash val="solid"/>
+                      <a:round/>
+                      <a:headEnd type="none" w="med" len="med"/>
+                      <a:tailEnd type="none" w="med" len="med"/>
+                    </a:lnB>
+                    <a:lnTlToBr w="12700" cmpd="sng">
+                      <a:noFill/>
+                      <a:prstDash val="solid"/>
+                    </a:lnTlToBr>
+                    <a:lnBlToTr w="12700" cmpd="sng">
+                      <a:noFill/>
+                      <a:prstDash val="solid"/>
+                    </a:lnBlToTr>
+                    <a:noFill/>
+                  </a:tcPr>
+                </a:tc>
+                <a:tc>
+                  <a:txBody>
+                    <a:bodyPr/>
+                    <a:lstStyle/>
+                    <a:p>
+                      <a:pPr algn="ctr"/>
+                      <a:r>
+                        <a:rPr lang="de-DE" sz="1200" dirty="0">
+                          <a:solidFill>
+                            <a:srgbClr val="00B050"/>
+                          </a:solidFill>
+                        </a:rPr>
+                        <a:t>8</a:t>
+                      </a:r>
+                    </a:p>
+                  </a:txBody>
+                  <a:tcPr marL="0" marR="0" marT="0" marB="0" anchor="ctr">
+                    <a:lnL w="12700" cap="flat" cmpd="sng" algn="ctr">
+                      <a:solidFill>
+                        <a:schemeClr val="tx1"/>
+                      </a:solidFill>
+                      <a:prstDash val="solid"/>
+                      <a:round/>
+                      <a:headEnd type="none" w="med" len="med"/>
+                      <a:tailEnd type="none" w="med" len="med"/>
+                    </a:lnL>
+                    <a:lnR w="12700" cap="flat" cmpd="sng" algn="ctr">
+                      <a:solidFill>
+                        <a:schemeClr val="tx1"/>
+                      </a:solidFill>
+                      <a:prstDash val="solid"/>
+                      <a:round/>
+                      <a:headEnd type="none" w="med" len="med"/>
+                      <a:tailEnd type="none" w="med" len="med"/>
+                    </a:lnR>
+                    <a:lnT w="12700" cap="flat" cmpd="sng" algn="ctr">
+                      <a:solidFill>
+                        <a:schemeClr val="tx1"/>
+                      </a:solidFill>
+                      <a:prstDash val="solid"/>
+                      <a:round/>
+                      <a:headEnd type="none" w="med" len="med"/>
+                      <a:tailEnd type="none" w="med" len="med"/>
+                    </a:lnT>
+                    <a:lnB w="12700" cap="flat" cmpd="sng" algn="ctr">
+                      <a:solidFill>
+                        <a:schemeClr val="tx1"/>
+                      </a:solidFill>
+                      <a:prstDash val="solid"/>
+                      <a:round/>
+                      <a:headEnd type="none" w="med" len="med"/>
+                      <a:tailEnd type="none" w="med" len="med"/>
+                    </a:lnB>
+                    <a:lnTlToBr w="12700" cmpd="sng">
+                      <a:noFill/>
+                      <a:prstDash val="solid"/>
+                    </a:lnTlToBr>
+                    <a:lnBlToTr w="12700" cmpd="sng">
+                      <a:noFill/>
+                      <a:prstDash val="solid"/>
+                    </a:lnBlToTr>
+                    <a:noFill/>
+                  </a:tcPr>
+                </a:tc>
+                <a:tc>
+                  <a:txBody>
+                    <a:bodyPr/>
+                    <a:lstStyle/>
+                    <a:p>
+                      <a:pPr algn="ctr"/>
+                      <a:r>
+                        <a:rPr lang="de-DE" sz="1200" dirty="0">
+                          <a:solidFill>
+                            <a:srgbClr val="0000FF"/>
+                          </a:solidFill>
+                        </a:rPr>
+                        <a:t>9</a:t>
+                      </a:r>
+                    </a:p>
+                  </a:txBody>
+                  <a:tcPr marL="0" marR="0" marT="0" marB="0" anchor="ctr">
+                    <a:lnL w="12700" cap="flat" cmpd="sng" algn="ctr">
+                      <a:solidFill>
+                        <a:schemeClr val="tx1"/>
+                      </a:solidFill>
+                      <a:prstDash val="solid"/>
+                      <a:round/>
+                      <a:headEnd type="none" w="med" len="med"/>
+                      <a:tailEnd type="none" w="med" len="med"/>
+                    </a:lnL>
+                    <a:lnR w="12700" cap="flat" cmpd="sng" algn="ctr">
+                      <a:solidFill>
+                        <a:schemeClr val="tx1"/>
+                      </a:solidFill>
+                      <a:prstDash val="solid"/>
+                      <a:round/>
+                      <a:headEnd type="none" w="med" len="med"/>
+                      <a:tailEnd type="none" w="med" len="med"/>
+                    </a:lnR>
+                    <a:lnT w="12700" cap="flat" cmpd="sng" algn="ctr">
+                      <a:solidFill>
+                        <a:schemeClr val="tx1"/>
+                      </a:solidFill>
+                      <a:prstDash val="solid"/>
+                      <a:round/>
+                      <a:headEnd type="none" w="med" len="med"/>
+                      <a:tailEnd type="none" w="med" len="med"/>
+                    </a:lnT>
+                    <a:lnB w="12700" cap="flat" cmpd="sng" algn="ctr">
+                      <a:solidFill>
+                        <a:schemeClr val="tx1"/>
+                      </a:solidFill>
+                      <a:prstDash val="solid"/>
+                      <a:round/>
+                      <a:headEnd type="none" w="med" len="med"/>
+                      <a:tailEnd type="none" w="med" len="med"/>
+                    </a:lnB>
+                    <a:lnTlToBr w="12700" cmpd="sng">
+                      <a:noFill/>
+                      <a:prstDash val="solid"/>
+                    </a:lnTlToBr>
+                    <a:lnBlToTr w="12700" cmpd="sng">
+                      <a:noFill/>
+                      <a:prstDash val="solid"/>
+                    </a:lnBlToTr>
+                    <a:noFill/>
+                  </a:tcPr>
+                </a:tc>
+                <a:tc>
+                  <a:txBody>
+                    <a:bodyPr/>
+                    <a:lstStyle/>
+                    <a:p>
+                      <a:pPr algn="ctr"/>
+                      <a:r>
+                        <a:rPr lang="de-DE" sz="1200" dirty="0">
+                          <a:solidFill>
+                            <a:srgbClr val="00B0F0"/>
+                          </a:solidFill>
+                        </a:rPr>
+                        <a:t>10</a:t>
+                      </a:r>
+                    </a:p>
+                  </a:txBody>
+                  <a:tcPr marL="0" marR="0" marT="0" marB="0" anchor="ctr">
+                    <a:lnL w="12700" cap="flat" cmpd="sng" algn="ctr">
+                      <a:solidFill>
+                        <a:schemeClr val="tx1"/>
+                      </a:solidFill>
+                      <a:prstDash val="solid"/>
+                      <a:round/>
+                      <a:headEnd type="none" w="med" len="med"/>
+                      <a:tailEnd type="none" w="med" len="med"/>
+                    </a:lnL>
+                    <a:lnR w="12700" cap="flat" cmpd="sng" algn="ctr">
+                      <a:solidFill>
+                        <a:schemeClr val="tx1"/>
+                      </a:solidFill>
+                      <a:prstDash val="solid"/>
+                      <a:round/>
+                      <a:headEnd type="none" w="med" len="med"/>
+                      <a:tailEnd type="none" w="med" len="med"/>
+                    </a:lnR>
+                    <a:lnT w="12700" cap="flat" cmpd="sng" algn="ctr">
+                      <a:solidFill>
+                        <a:schemeClr val="tx1"/>
+                      </a:solidFill>
+                      <a:prstDash val="solid"/>
+                      <a:round/>
+                      <a:headEnd type="none" w="med" len="med"/>
+                      <a:tailEnd type="none" w="med" len="med"/>
+                    </a:lnT>
+                    <a:lnB w="12700" cap="flat" cmpd="sng" algn="ctr">
+                      <a:solidFill>
+                        <a:schemeClr val="tx1"/>
+                      </a:solidFill>
+                      <a:prstDash val="solid"/>
+                      <a:round/>
+                      <a:headEnd type="none" w="med" len="med"/>
+                      <a:tailEnd type="none" w="med" len="med"/>
+                    </a:lnB>
+                    <a:lnTlToBr w="12700" cmpd="sng">
+                      <a:noFill/>
+                      <a:prstDash val="solid"/>
+                    </a:lnTlToBr>
+                    <a:lnBlToTr w="12700" cmpd="sng">
+                      <a:noFill/>
+                      <a:prstDash val="solid"/>
+                    </a:lnBlToTr>
+                    <a:noFill/>
+                  </a:tcPr>
+                </a:tc>
+                <a:tc>
+                  <a:txBody>
+                    <a:bodyPr/>
+                    <a:lstStyle/>
+                    <a:p>
+                      <a:pPr algn="ctr"/>
+                      <a:r>
+                        <a:rPr lang="de-DE" sz="1200" dirty="0">
+                          <a:solidFill>
+                            <a:srgbClr val="00B0F0"/>
+                          </a:solidFill>
+                        </a:rPr>
+                        <a:t>11</a:t>
+                      </a:r>
+                    </a:p>
+                  </a:txBody>
+                  <a:tcPr marL="0" marR="0" marT="0" marB="0" anchor="ctr">
+                    <a:lnL w="12700" cap="flat" cmpd="sng" algn="ctr">
+                      <a:solidFill>
+                        <a:schemeClr val="tx1"/>
+                      </a:solidFill>
+                      <a:prstDash val="solid"/>
+                      <a:round/>
+                      <a:headEnd type="none" w="med" len="med"/>
+                      <a:tailEnd type="none" w="med" len="med"/>
+                    </a:lnL>
+                    <a:lnR w="12700" cap="flat" cmpd="sng" algn="ctr">
+                      <a:solidFill>
+                        <a:schemeClr val="tx1"/>
+                      </a:solidFill>
+                      <a:prstDash val="solid"/>
+                      <a:round/>
+                      <a:headEnd type="none" w="med" len="med"/>
+                      <a:tailEnd type="none" w="med" len="med"/>
+                    </a:lnR>
+                    <a:lnT w="12700" cap="flat" cmpd="sng" algn="ctr">
+                      <a:solidFill>
+                        <a:schemeClr val="tx1"/>
+                      </a:solidFill>
+                      <a:prstDash val="solid"/>
+                      <a:round/>
+                      <a:headEnd type="none" w="med" len="med"/>
+                      <a:tailEnd type="none" w="med" len="med"/>
+                    </a:lnT>
+                    <a:lnB w="12700" cap="flat" cmpd="sng" algn="ctr">
+                      <a:solidFill>
+                        <a:schemeClr val="tx1"/>
+                      </a:solidFill>
+                      <a:prstDash val="solid"/>
+                      <a:round/>
+                      <a:headEnd type="none" w="med" len="med"/>
+                      <a:tailEnd type="none" w="med" len="med"/>
+                    </a:lnB>
+                    <a:lnTlToBr w="12700" cmpd="sng">
+                      <a:noFill/>
+                      <a:prstDash val="solid"/>
+                    </a:lnTlToBr>
+                    <a:lnBlToTr w="12700" cmpd="sng">
+                      <a:noFill/>
+                      <a:prstDash val="solid"/>
+                    </a:lnBlToTr>
+                    <a:noFill/>
+                  </a:tcPr>
+                </a:tc>
+                <a:tc>
+                  <a:txBody>
+                    <a:bodyPr/>
+                    <a:lstStyle/>
+                    <a:p>
+                      <a:pPr algn="ctr"/>
+                      <a:r>
+                        <a:rPr lang="de-DE" sz="1200" dirty="0">
+                          <a:solidFill>
+                            <a:srgbClr val="00B0F0"/>
+                          </a:solidFill>
+                        </a:rPr>
+                        <a:t>12</a:t>
+                      </a:r>
+                    </a:p>
+                  </a:txBody>
+                  <a:tcPr marL="0" marR="0" marT="0" marB="0" anchor="ctr">
+                    <a:lnL w="12700" cap="flat" cmpd="sng" algn="ctr">
+                      <a:solidFill>
+                        <a:schemeClr val="tx1"/>
+                      </a:solidFill>
+                      <a:prstDash val="solid"/>
+                      <a:round/>
+                      <a:headEnd type="none" w="med" len="med"/>
+                      <a:tailEnd type="none" w="med" len="med"/>
+                    </a:lnL>
+                    <a:lnR w="12700" cap="flat" cmpd="sng" algn="ctr">
+                      <a:solidFill>
+                        <a:schemeClr val="tx1"/>
+                      </a:solidFill>
+                      <a:prstDash val="solid"/>
+                      <a:round/>
+                      <a:headEnd type="none" w="med" len="med"/>
+                      <a:tailEnd type="none" w="med" len="med"/>
+                    </a:lnR>
+                    <a:lnT w="12700" cap="flat" cmpd="sng" algn="ctr">
+                      <a:solidFill>
+                        <a:schemeClr val="tx1"/>
+                      </a:solidFill>
+                      <a:prstDash val="solid"/>
+                      <a:round/>
+                      <a:headEnd type="none" w="med" len="med"/>
+                      <a:tailEnd type="none" w="med" len="med"/>
+                    </a:lnT>
+                    <a:lnB w="12700" cap="flat" cmpd="sng" algn="ctr">
+                      <a:solidFill>
+                        <a:schemeClr val="tx1"/>
+                      </a:solidFill>
+                      <a:prstDash val="solid"/>
+                      <a:round/>
+                      <a:headEnd type="none" w="med" len="med"/>
+                      <a:tailEnd type="none" w="med" len="med"/>
+                    </a:lnB>
+                    <a:lnTlToBr w="12700" cmpd="sng">
+                      <a:noFill/>
+                      <a:prstDash val="solid"/>
+                    </a:lnTlToBr>
+                    <a:lnBlToTr w="12700" cmpd="sng">
+                      <a:noFill/>
+                      <a:prstDash val="solid"/>
+                    </a:lnBlToTr>
+                    <a:noFill/>
+                  </a:tcPr>
+                </a:tc>
+                <a:tc>
+                  <a:txBody>
+                    <a:bodyPr/>
+                    <a:lstStyle/>
+                    <a:p>
+                      <a:pPr algn="ctr"/>
+                      <a:r>
+                        <a:rPr lang="de-DE" sz="1200" dirty="0">
+                          <a:solidFill>
+                            <a:srgbClr val="00B050"/>
+                          </a:solidFill>
+                        </a:rPr>
+                        <a:t>13</a:t>
+                      </a:r>
+                    </a:p>
+                  </a:txBody>
+                  <a:tcPr marL="0" marR="0" marT="0" marB="0" anchor="ctr">
+                    <a:lnL w="12700" cap="flat" cmpd="sng" algn="ctr">
+                      <a:solidFill>
+                        <a:schemeClr val="tx1"/>
+                      </a:solidFill>
+                      <a:prstDash val="solid"/>
+                      <a:round/>
+                      <a:headEnd type="none" w="med" len="med"/>
+                      <a:tailEnd type="none" w="med" len="med"/>
+                    </a:lnL>
+                    <a:lnR w="12700" cap="flat" cmpd="sng" algn="ctr">
+                      <a:solidFill>
+                        <a:schemeClr val="tx1"/>
+                      </a:solidFill>
+                      <a:prstDash val="solid"/>
+                      <a:round/>
+                      <a:headEnd type="none" w="med" len="med"/>
+                      <a:tailEnd type="none" w="med" len="med"/>
+                    </a:lnR>
+                    <a:lnT w="12700" cap="flat" cmpd="sng" algn="ctr">
+                      <a:solidFill>
+                        <a:schemeClr val="tx1"/>
+                      </a:solidFill>
+                      <a:prstDash val="solid"/>
+                      <a:round/>
+                      <a:headEnd type="none" w="med" len="med"/>
+                      <a:tailEnd type="none" w="med" len="med"/>
+                    </a:lnT>
+                    <a:lnB w="12700" cap="flat" cmpd="sng" algn="ctr">
+                      <a:solidFill>
+                        <a:schemeClr val="tx1"/>
+                      </a:solidFill>
+                      <a:prstDash val="solid"/>
+                      <a:round/>
+                      <a:headEnd type="none" w="med" len="med"/>
+                      <a:tailEnd type="none" w="med" len="med"/>
+                    </a:lnB>
+                    <a:lnTlToBr w="12700" cmpd="sng">
+                      <a:noFill/>
+                      <a:prstDash val="solid"/>
+                    </a:lnTlToBr>
+                    <a:lnBlToTr w="12700" cmpd="sng">
+                      <a:noFill/>
+                      <a:prstDash val="solid"/>
+                    </a:lnBlToTr>
+                    <a:noFill/>
+                  </a:tcPr>
+                </a:tc>
+                <a:tc>
+                  <a:txBody>
+                    <a:bodyPr/>
+                    <a:lstStyle/>
+                    <a:p>
+                      <a:pPr algn="ctr"/>
+                      <a:r>
+                        <a:rPr lang="de-DE" sz="1200" dirty="0">
+                          <a:solidFill>
+                            <a:srgbClr val="0000FF"/>
+                          </a:solidFill>
+                        </a:rPr>
+                        <a:t>14</a:t>
+                      </a:r>
+                    </a:p>
+                  </a:txBody>
+                  <a:tcPr marL="0" marR="0" marT="0" marB="0" anchor="ctr">
+                    <a:lnL w="12700" cap="flat" cmpd="sng" algn="ctr">
+                      <a:solidFill>
+                        <a:schemeClr val="tx1"/>
+                      </a:solidFill>
+                      <a:prstDash val="solid"/>
+                      <a:round/>
+                      <a:headEnd type="none" w="med" len="med"/>
+                      <a:tailEnd type="none" w="med" len="med"/>
+                    </a:lnL>
+                    <a:lnR w="12700" cap="flat" cmpd="sng" algn="ctr">
+                      <a:solidFill>
+                        <a:schemeClr val="tx1"/>
+                      </a:solidFill>
+                      <a:prstDash val="solid"/>
+                      <a:round/>
+                      <a:headEnd type="none" w="med" len="med"/>
+                      <a:tailEnd type="none" w="med" len="med"/>
+                    </a:lnR>
+                    <a:lnT w="12700" cap="flat" cmpd="sng" algn="ctr">
+                      <a:solidFill>
+                        <a:schemeClr val="tx1"/>
+                      </a:solidFill>
+                      <a:prstDash val="solid"/>
+                      <a:round/>
+                      <a:headEnd type="none" w="med" len="med"/>
+                      <a:tailEnd type="none" w="med" len="med"/>
+                    </a:lnT>
+                    <a:lnB w="12700" cap="flat" cmpd="sng" algn="ctr">
+                      <a:solidFill>
+                        <a:schemeClr val="tx1"/>
+                      </a:solidFill>
+                      <a:prstDash val="solid"/>
+                      <a:round/>
+                      <a:headEnd type="none" w="med" len="med"/>
+                      <a:tailEnd type="none" w="med" len="med"/>
+                    </a:lnB>
+                    <a:lnTlToBr w="12700" cmpd="sng">
+                      <a:noFill/>
+                      <a:prstDash val="solid"/>
+                    </a:lnTlToBr>
+                    <a:lnBlToTr w="12700" cmpd="sng">
+                      <a:noFill/>
+                      <a:prstDash val="solid"/>
+                    </a:lnBlToTr>
+                    <a:noFill/>
+                  </a:tcPr>
+                </a:tc>
+                <a:tc>
+                  <a:txBody>
+                    <a:bodyPr/>
+                    <a:lstStyle/>
+                    <a:p>
+                      <a:pPr algn="ctr"/>
+                      <a:r>
+                        <a:rPr lang="de-DE" sz="1200" dirty="0">
+                          <a:solidFill>
+                            <a:srgbClr val="00B0F0"/>
+                          </a:solidFill>
+                        </a:rPr>
+                        <a:t>15</a:t>
+                      </a:r>
+                    </a:p>
+                  </a:txBody>
+                  <a:tcPr marL="0" marR="0" marT="0" marB="0" anchor="ctr">
+                    <a:lnL w="12700" cap="flat" cmpd="sng" algn="ctr">
+                      <a:solidFill>
+                        <a:schemeClr val="tx1"/>
+                      </a:solidFill>
+                      <a:prstDash val="solid"/>
+                      <a:round/>
+                      <a:headEnd type="none" w="med" len="med"/>
+                      <a:tailEnd type="none" w="med" len="med"/>
+                    </a:lnL>
+                    <a:lnR w="12700" cap="flat" cmpd="sng" algn="ctr">
+                      <a:solidFill>
+                        <a:schemeClr val="tx1"/>
+                      </a:solidFill>
+                      <a:prstDash val="solid"/>
+                      <a:round/>
+                      <a:headEnd type="none" w="med" len="med"/>
+                      <a:tailEnd type="none" w="med" len="med"/>
+                    </a:lnR>
+                    <a:lnT w="12700" cap="flat" cmpd="sng" algn="ctr">
+                      <a:solidFill>
+                        <a:schemeClr val="tx1"/>
+                      </a:solidFill>
+                      <a:prstDash val="solid"/>
+                      <a:round/>
+                      <a:headEnd type="none" w="med" len="med"/>
+                      <a:tailEnd type="none" w="med" len="med"/>
+                    </a:lnT>
+                    <a:lnB w="12700" cap="flat" cmpd="sng" algn="ctr">
+                      <a:solidFill>
+                        <a:schemeClr val="tx1"/>
+                      </a:solidFill>
+                      <a:prstDash val="solid"/>
+                      <a:round/>
+                      <a:headEnd type="none" w="med" len="med"/>
+                      <a:tailEnd type="none" w="med" len="med"/>
+                    </a:lnB>
+                    <a:lnTlToBr w="12700" cmpd="sng">
+                      <a:noFill/>
+                      <a:prstDash val="solid"/>
+                    </a:lnTlToBr>
+                    <a:lnBlToTr w="12700" cmpd="sng">
+                      <a:noFill/>
+                      <a:prstDash val="solid"/>
+                    </a:lnBlToTr>
+                    <a:noFill/>
+                  </a:tcPr>
+                </a:tc>
+                <a:tc>
+                  <a:txBody>
+                    <a:bodyPr/>
+                    <a:lstStyle/>
+                    <a:p>
+                      <a:pPr algn="ctr"/>
+                      <a:r>
+                        <a:rPr lang="de-DE" sz="1200" dirty="0">
+                          <a:solidFill>
+                            <a:srgbClr val="00B0F0"/>
+                          </a:solidFill>
+                        </a:rPr>
+                        <a:t>16</a:t>
+                      </a:r>
+                    </a:p>
+                  </a:txBody>
+                  <a:tcPr marL="0" marR="0" marT="0" marB="0" anchor="ctr">
+                    <a:lnL w="12700" cap="flat" cmpd="sng" algn="ctr">
+                      <a:solidFill>
+                        <a:schemeClr val="tx1"/>
+                      </a:solidFill>
+                      <a:prstDash val="solid"/>
+                      <a:round/>
+                      <a:headEnd type="none" w="med" len="med"/>
+                      <a:tailEnd type="none" w="med" len="med"/>
+                    </a:lnL>
+                    <a:lnR w="12700" cap="flat" cmpd="sng" algn="ctr">
+                      <a:solidFill>
+                        <a:schemeClr val="tx1"/>
+                      </a:solidFill>
+                      <a:prstDash val="solid"/>
+                      <a:round/>
+                      <a:headEnd type="none" w="med" len="med"/>
+                      <a:tailEnd type="none" w="med" len="med"/>
+                    </a:lnR>
+                    <a:lnT w="12700" cap="flat" cmpd="sng" algn="ctr">
+                      <a:solidFill>
+                        <a:schemeClr val="tx1"/>
+                      </a:solidFill>
+                      <a:prstDash val="solid"/>
+                      <a:round/>
+                      <a:headEnd type="none" w="med" len="med"/>
+                      <a:tailEnd type="none" w="med" len="med"/>
+                    </a:lnT>
+                    <a:lnB w="12700" cap="flat" cmpd="sng" algn="ctr">
+                      <a:solidFill>
+                        <a:schemeClr val="tx1"/>
+                      </a:solidFill>
+                      <a:prstDash val="solid"/>
+                      <a:round/>
+                      <a:headEnd type="none" w="med" len="med"/>
+                      <a:tailEnd type="none" w="med" len="med"/>
+                    </a:lnB>
+                    <a:lnTlToBr w="12700" cmpd="sng">
+                      <a:noFill/>
+                      <a:prstDash val="solid"/>
+                    </a:lnTlToBr>
+                    <a:lnBlToTr w="12700" cmpd="sng">
+                      <a:noFill/>
+                      <a:prstDash val="solid"/>
+                    </a:lnBlToTr>
+                    <a:noFill/>
+                  </a:tcPr>
+                </a:tc>
+                <a:extLst>
+                  <a:ext uri="{0D108BD9-81ED-4DB2-BD59-A6C34878D82A}">
+                    <a16:rowId xmlns:a16="http://schemas.microsoft.com/office/drawing/2014/main" val="2337893598"/>
+                  </a:ext>
+                </a:extLst>
+              </a:tr>
+            </a:tbl>
+          </a:graphicData>
+        </a:graphic>
+      </p:graphicFrame>
+      <p:sp>
+        <p:nvSpPr>
+          <p:cNvPr id="331" name="TextBox 62">
+            <a:extLst>
+              <a:ext uri="{FF2B5EF4-FFF2-40B4-BE49-F238E27FC236}">
+                <a16:creationId xmlns:a16="http://schemas.microsoft.com/office/drawing/2014/main" id="{1D71E21F-4AB1-4161-92C6-1AF65238C6B7}"/>
+              </a:ext>
+            </a:extLst>
+          </p:cNvPr>
+          <p:cNvSpPr txBox="1"/>
+          <p:nvPr/>
+        </p:nvSpPr>
+        <p:spPr>
+          <a:xfrm>
+            <a:off x="1007465" y="6097012"/>
+            <a:ext cx="2117239" cy="253916"/>
+          </a:xfrm>
+          <a:prstGeom prst="rect">
+            <a:avLst/>
+          </a:prstGeom>
+          <a:noFill/>
+        </p:spPr>
+        <p:txBody>
+          <a:bodyPr wrap="square" rtlCol="0">
+            <a:spAutoFit/>
+          </a:bodyPr>
+          <a:lstStyle/>
+          <a:p>
+            <a:r>
+              <a:rPr lang="en-GB" sz="1050" b="1" dirty="0"/>
+              <a:t>Tree Array (nested hierarchy):</a:t>
+            </a:r>
+            <a:endParaRPr lang="en-GB" sz="1050" dirty="0"/>
+          </a:p>
+        </p:txBody>
+      </p:sp>
+      <p:sp>
+        <p:nvSpPr>
+          <p:cNvPr id="333" name="TextBox 62">
+            <a:extLst>
+              <a:ext uri="{FF2B5EF4-FFF2-40B4-BE49-F238E27FC236}">
+                <a16:creationId xmlns:a16="http://schemas.microsoft.com/office/drawing/2014/main" id="{1D71E21F-4AB1-4161-92C6-1AF65238C6B7}"/>
+              </a:ext>
+            </a:extLst>
+          </p:cNvPr>
+          <p:cNvSpPr txBox="1"/>
+          <p:nvPr/>
+        </p:nvSpPr>
+        <p:spPr>
+          <a:xfrm>
+            <a:off x="6856158" y="6097679"/>
+            <a:ext cx="837910" cy="253916"/>
+          </a:xfrm>
+          <a:prstGeom prst="rect">
+            <a:avLst/>
+          </a:prstGeom>
+          <a:noFill/>
+        </p:spPr>
+        <p:txBody>
+          <a:bodyPr wrap="square" rtlCol="0">
+            <a:spAutoFit/>
+          </a:bodyPr>
+          <a:lstStyle/>
+          <a:p>
+            <a:r>
+              <a:rPr lang="en-GB" sz="1050" b="1" dirty="0"/>
+              <a:t>Path Array:</a:t>
+            </a:r>
+            <a:endParaRPr lang="en-GB" sz="1050" dirty="0"/>
+          </a:p>
+        </p:txBody>
+      </p:sp>
+      <p:sp>
+        <p:nvSpPr>
+          <p:cNvPr id="334" name="TextBox 62">
+            <a:extLst>
+              <a:ext uri="{FF2B5EF4-FFF2-40B4-BE49-F238E27FC236}">
+                <a16:creationId xmlns:a16="http://schemas.microsoft.com/office/drawing/2014/main" id="{1D71E21F-4AB1-4161-92C6-1AF65238C6B7}"/>
+              </a:ext>
+            </a:extLst>
+          </p:cNvPr>
+          <p:cNvSpPr txBox="1"/>
+          <p:nvPr/>
+        </p:nvSpPr>
+        <p:spPr>
+          <a:xfrm>
+            <a:off x="2089079" y="1509847"/>
+            <a:ext cx="2167037" cy="369332"/>
+          </a:xfrm>
+          <a:prstGeom prst="rect">
+            <a:avLst/>
+          </a:prstGeom>
+          <a:noFill/>
+        </p:spPr>
+        <p:txBody>
+          <a:bodyPr wrap="square" rtlCol="0">
+            <a:spAutoFit/>
+          </a:bodyPr>
+          <a:lstStyle/>
+          <a:p>
+            <a:pPr algn="ctr"/>
+            <a:r>
+              <a:rPr lang="en-GB" i="1" dirty="0" err="1"/>
+              <a:t>nodeTree</a:t>
+            </a:r>
+            <a:endParaRPr lang="en-GB" i="1" dirty="0"/>
+          </a:p>
+        </p:txBody>
+      </p:sp>
+      <p:sp>
+        <p:nvSpPr>
+          <p:cNvPr id="335" name="TextBox 62">
+            <a:extLst>
+              <a:ext uri="{FF2B5EF4-FFF2-40B4-BE49-F238E27FC236}">
+                <a16:creationId xmlns:a16="http://schemas.microsoft.com/office/drawing/2014/main" id="{1D71E21F-4AB1-4161-92C6-1AF65238C6B7}"/>
+              </a:ext>
+            </a:extLst>
+          </p:cNvPr>
+          <p:cNvSpPr txBox="1"/>
+          <p:nvPr/>
+        </p:nvSpPr>
+        <p:spPr>
+          <a:xfrm>
+            <a:off x="7531332" y="1570294"/>
+            <a:ext cx="2759824" cy="646331"/>
+          </a:xfrm>
+          <a:prstGeom prst="rect">
+            <a:avLst/>
+          </a:prstGeom>
+          <a:noFill/>
+        </p:spPr>
+        <p:txBody>
+          <a:bodyPr wrap="square" rtlCol="0">
+            <a:spAutoFit/>
+          </a:bodyPr>
+          <a:lstStyle/>
+          <a:p>
+            <a:pPr algn="ctr"/>
+            <a:r>
+              <a:rPr lang="en-GB" i="1" dirty="0"/>
+              <a:t>path</a:t>
+            </a:r>
+            <a:r>
+              <a:rPr lang="en-GB" dirty="0"/>
+              <a:t> </a:t>
+            </a:r>
+          </a:p>
+          <a:p>
+            <a:pPr algn="ctr"/>
+            <a:r>
+              <a:rPr lang="en-GB" dirty="0"/>
+              <a:t>(for vertex placement)</a:t>
+            </a:r>
+          </a:p>
+        </p:txBody>
+      </p:sp>
+      <p:sp>
+        <p:nvSpPr>
+          <p:cNvPr id="336" name="Pfeil nach rechts 335"/>
+          <p:cNvSpPr/>
+          <p:nvPr/>
+        </p:nvSpPr>
+        <p:spPr>
+          <a:xfrm>
+            <a:off x="5801759" y="3607723"/>
+            <a:ext cx="422779" cy="382385"/>
+          </a:xfrm>
+          <a:prstGeom prst="rightArrow">
+            <a:avLst/>
+          </a:prstGeom>
+          <a:solidFill>
+            <a:srgbClr val="FF0000"/>
+          </a:solidFill>
+          <a:ln>
+            <a:solidFill>
+              <a:srgbClr val="FF0000"/>
+            </a:solidFill>
+          </a:ln>
+        </p:spPr>
+        <p:style>
+          <a:lnRef idx="2">
+            <a:schemeClr val="accent1">
+              <a:shade val="50000"/>
+            </a:schemeClr>
+          </a:lnRef>
+          <a:fillRef idx="1">
+            <a:schemeClr val="accent1"/>
+          </a:fillRef>
+          <a:effectRef idx="0">
+            <a:schemeClr val="accent1"/>
+          </a:effectRef>
+          <a:fontRef idx="minor">
+            <a:schemeClr val="lt1"/>
+          </a:fontRef>
+        </p:style>
+        <p:txBody>
+          <a:bodyPr rtlCol="0" anchor="ctr"/>
+          <a:lstStyle/>
+          <a:p>
+            <a:pPr algn="ctr"/>
+            <a:endParaRPr lang="de-DE">
+              <a:ln>
+                <a:solidFill>
+                  <a:sysClr val="windowText" lastClr="000000"/>
+                </a:solidFill>
+              </a:ln>
+              <a:solidFill>
+                <a:schemeClr val="tx1"/>
+              </a:solidFill>
+            </a:endParaRPr>
+          </a:p>
+        </p:txBody>
+      </p:sp>
+      <p:graphicFrame>
+        <p:nvGraphicFramePr>
+          <p:cNvPr id="338" name="Tabelle 337"/>
+          <p:cNvGraphicFramePr>
+            <a:graphicFrameLocks noGrp="1"/>
+          </p:cNvGraphicFramePr>
+          <p:nvPr>
+            <p:extLst/>
+          </p:nvPr>
+        </p:nvGraphicFramePr>
+        <p:xfrm>
+          <a:off x="6924249" y="6328776"/>
+          <a:ext cx="3975072" cy="247812"/>
+        </p:xfrm>
+        <a:graphic>
+          <a:graphicData uri="http://schemas.openxmlformats.org/drawingml/2006/table">
+            <a:tbl>
+              <a:tblPr firstRow="1" bandRow="1">
+                <a:tableStyleId>{5C22544A-7EE6-4342-B048-85BDC9FD1C3A}</a:tableStyleId>
+              </a:tblPr>
+              <a:tblGrid>
+                <a:gridCol w="248442">
+                  <a:extLst>
+                    <a:ext uri="{9D8B030D-6E8A-4147-A177-3AD203B41FA5}">
+                      <a16:colId xmlns:a16="http://schemas.microsoft.com/office/drawing/2014/main" val="2590193884"/>
+                    </a:ext>
+                  </a:extLst>
+                </a:gridCol>
+                <a:gridCol w="248442">
+                  <a:extLst>
+                    <a:ext uri="{9D8B030D-6E8A-4147-A177-3AD203B41FA5}">
+                      <a16:colId xmlns:a16="http://schemas.microsoft.com/office/drawing/2014/main" val="4236785171"/>
+                    </a:ext>
+                  </a:extLst>
+                </a:gridCol>
+                <a:gridCol w="248442">
+                  <a:extLst>
+                    <a:ext uri="{9D8B030D-6E8A-4147-A177-3AD203B41FA5}">
+                      <a16:colId xmlns:a16="http://schemas.microsoft.com/office/drawing/2014/main" val="2393414214"/>
+                    </a:ext>
+                  </a:extLst>
+                </a:gridCol>
+                <a:gridCol w="248442">
+                  <a:extLst>
+                    <a:ext uri="{9D8B030D-6E8A-4147-A177-3AD203B41FA5}">
+                      <a16:colId xmlns:a16="http://schemas.microsoft.com/office/drawing/2014/main" val="4101219277"/>
+                    </a:ext>
+                  </a:extLst>
+                </a:gridCol>
+                <a:gridCol w="248442">
+                  <a:extLst>
+                    <a:ext uri="{9D8B030D-6E8A-4147-A177-3AD203B41FA5}">
+                      <a16:colId xmlns:a16="http://schemas.microsoft.com/office/drawing/2014/main" val="2547806980"/>
+                    </a:ext>
+                  </a:extLst>
+                </a:gridCol>
+                <a:gridCol w="248442">
+                  <a:extLst>
+                    <a:ext uri="{9D8B030D-6E8A-4147-A177-3AD203B41FA5}">
+                      <a16:colId xmlns:a16="http://schemas.microsoft.com/office/drawing/2014/main" val="3320730676"/>
+                    </a:ext>
+                  </a:extLst>
+                </a:gridCol>
+                <a:gridCol w="248442">
+                  <a:extLst>
+                    <a:ext uri="{9D8B030D-6E8A-4147-A177-3AD203B41FA5}">
+                      <a16:colId xmlns:a16="http://schemas.microsoft.com/office/drawing/2014/main" val="190447142"/>
+                    </a:ext>
+                  </a:extLst>
+                </a:gridCol>
+                <a:gridCol w="248442">
+                  <a:extLst>
+                    <a:ext uri="{9D8B030D-6E8A-4147-A177-3AD203B41FA5}">
+                      <a16:colId xmlns:a16="http://schemas.microsoft.com/office/drawing/2014/main" val="3885206293"/>
+                    </a:ext>
+                  </a:extLst>
+                </a:gridCol>
+                <a:gridCol w="248442">
+                  <a:extLst>
+                    <a:ext uri="{9D8B030D-6E8A-4147-A177-3AD203B41FA5}">
+                      <a16:colId xmlns:a16="http://schemas.microsoft.com/office/drawing/2014/main" val="1915350709"/>
+                    </a:ext>
+                  </a:extLst>
+                </a:gridCol>
+                <a:gridCol w="248442">
+                  <a:extLst>
+                    <a:ext uri="{9D8B030D-6E8A-4147-A177-3AD203B41FA5}">
+                      <a16:colId xmlns:a16="http://schemas.microsoft.com/office/drawing/2014/main" val="388499111"/>
+                    </a:ext>
+                  </a:extLst>
+                </a:gridCol>
+                <a:gridCol w="248442">
+                  <a:extLst>
+                    <a:ext uri="{9D8B030D-6E8A-4147-A177-3AD203B41FA5}">
+                      <a16:colId xmlns:a16="http://schemas.microsoft.com/office/drawing/2014/main" val="2256177202"/>
+                    </a:ext>
+                  </a:extLst>
+                </a:gridCol>
+                <a:gridCol w="248442">
+                  <a:extLst>
+                    <a:ext uri="{9D8B030D-6E8A-4147-A177-3AD203B41FA5}">
+                      <a16:colId xmlns:a16="http://schemas.microsoft.com/office/drawing/2014/main" val="1831062878"/>
+                    </a:ext>
+                  </a:extLst>
+                </a:gridCol>
+                <a:gridCol w="248442">
+                  <a:extLst>
+                    <a:ext uri="{9D8B030D-6E8A-4147-A177-3AD203B41FA5}">
+                      <a16:colId xmlns:a16="http://schemas.microsoft.com/office/drawing/2014/main" val="3598981215"/>
+                    </a:ext>
+                  </a:extLst>
+                </a:gridCol>
+                <a:gridCol w="248442">
+                  <a:extLst>
+                    <a:ext uri="{9D8B030D-6E8A-4147-A177-3AD203B41FA5}">
+                      <a16:colId xmlns:a16="http://schemas.microsoft.com/office/drawing/2014/main" val="278214951"/>
+                    </a:ext>
+                  </a:extLst>
+                </a:gridCol>
+                <a:gridCol w="248442">
+                  <a:extLst>
+                    <a:ext uri="{9D8B030D-6E8A-4147-A177-3AD203B41FA5}">
+                      <a16:colId xmlns:a16="http://schemas.microsoft.com/office/drawing/2014/main" val="1369092313"/>
+                    </a:ext>
+                  </a:extLst>
+                </a:gridCol>
+                <a:gridCol w="248442">
+                  <a:extLst>
+                    <a:ext uri="{9D8B030D-6E8A-4147-A177-3AD203B41FA5}">
+                      <a16:colId xmlns:a16="http://schemas.microsoft.com/office/drawing/2014/main" val="143899768"/>
+                    </a:ext>
+                  </a:extLst>
+                </a:gridCol>
+              </a:tblGrid>
+              <a:tr h="247812">
+                <a:tc>
+                  <a:txBody>
+                    <a:bodyPr/>
+                    <a:lstStyle/>
+                    <a:p>
+                      <a:pPr algn="ctr"/>
+                      <a:r>
+                        <a:rPr lang="de-DE" sz="1200" dirty="0">
+                          <a:solidFill>
+                            <a:srgbClr val="00B0F0"/>
+                          </a:solidFill>
+                        </a:rPr>
+                        <a:t>1</a:t>
+                      </a:r>
+                    </a:p>
+                  </a:txBody>
+                  <a:tcPr marL="0" marR="0" marT="0" marB="0" anchor="ctr">
+                    <a:lnL w="12700" cap="flat" cmpd="sng" algn="ctr">
+                      <a:solidFill>
+                        <a:schemeClr val="tx1"/>
+                      </a:solidFill>
+                      <a:prstDash val="solid"/>
+                      <a:round/>
+                      <a:headEnd type="none" w="med" len="med"/>
+                      <a:tailEnd type="none" w="med" len="med"/>
+                    </a:lnL>
+                    <a:lnR w="12700" cap="flat" cmpd="sng" algn="ctr">
+                      <a:solidFill>
+                        <a:schemeClr val="tx1"/>
+                      </a:solidFill>
+                      <a:prstDash val="solid"/>
+                      <a:round/>
+                      <a:headEnd type="none" w="med" len="med"/>
+                      <a:tailEnd type="none" w="med" len="med"/>
+                    </a:lnR>
+                    <a:lnT w="12700" cap="flat" cmpd="sng" algn="ctr">
+                      <a:solidFill>
+                        <a:schemeClr val="tx1"/>
+                      </a:solidFill>
+                      <a:prstDash val="solid"/>
+                      <a:round/>
+                      <a:headEnd type="none" w="med" len="med"/>
+                      <a:tailEnd type="none" w="med" len="med"/>
+                    </a:lnT>
+                    <a:lnB w="12700" cap="flat" cmpd="sng" algn="ctr">
+                      <a:solidFill>
+                        <a:schemeClr val="tx1"/>
+                      </a:solidFill>
+                      <a:prstDash val="solid"/>
+                      <a:round/>
+                      <a:headEnd type="none" w="med" len="med"/>
+                      <a:tailEnd type="none" w="med" len="med"/>
+                    </a:lnB>
+                    <a:lnTlToBr w="12700" cmpd="sng">
+                      <a:noFill/>
+                      <a:prstDash val="solid"/>
+                    </a:lnTlToBr>
+                    <a:lnBlToTr w="12700" cmpd="sng">
+                      <a:noFill/>
+                      <a:prstDash val="solid"/>
+                    </a:lnBlToTr>
+                    <a:noFill/>
+                  </a:tcPr>
+                </a:tc>
+                <a:tc>
+                  <a:txBody>
+                    <a:bodyPr/>
+                    <a:lstStyle/>
+                    <a:p>
+                      <a:pPr algn="ctr"/>
+                      <a:r>
+                        <a:rPr lang="de-DE" sz="1200" dirty="0">
+                          <a:solidFill>
+                            <a:srgbClr val="00B0F0"/>
+                          </a:solidFill>
+                        </a:rPr>
+                        <a:t>2</a:t>
+                      </a:r>
+                    </a:p>
+                  </a:txBody>
+                  <a:tcPr marL="0" marR="0" marT="0" marB="0" anchor="ctr">
+                    <a:lnL w="12700" cap="flat" cmpd="sng" algn="ctr">
+                      <a:solidFill>
+                        <a:schemeClr val="tx1"/>
+                      </a:solidFill>
+                      <a:prstDash val="solid"/>
+                      <a:round/>
+                      <a:headEnd type="none" w="med" len="med"/>
+                      <a:tailEnd type="none" w="med" len="med"/>
+                    </a:lnL>
+                    <a:lnR w="12700" cap="flat" cmpd="sng" algn="ctr">
+                      <a:solidFill>
+                        <a:schemeClr val="tx1"/>
+                      </a:solidFill>
+                      <a:prstDash val="solid"/>
+                      <a:round/>
+                      <a:headEnd type="none" w="med" len="med"/>
+                      <a:tailEnd type="none" w="med" len="med"/>
+                    </a:lnR>
+                    <a:lnT w="12700" cap="flat" cmpd="sng" algn="ctr">
+                      <a:solidFill>
+                        <a:schemeClr val="tx1"/>
+                      </a:solidFill>
+                      <a:prstDash val="solid"/>
+                      <a:round/>
+                      <a:headEnd type="none" w="med" len="med"/>
+                      <a:tailEnd type="none" w="med" len="med"/>
+                    </a:lnT>
+                    <a:lnB w="12700" cap="flat" cmpd="sng" algn="ctr">
+                      <a:solidFill>
+                        <a:schemeClr val="tx1"/>
+                      </a:solidFill>
+                      <a:prstDash val="solid"/>
+                      <a:round/>
+                      <a:headEnd type="none" w="med" len="med"/>
+                      <a:tailEnd type="none" w="med" len="med"/>
+                    </a:lnB>
+                    <a:lnTlToBr w="12700" cmpd="sng">
+                      <a:noFill/>
+                      <a:prstDash val="solid"/>
+                    </a:lnTlToBr>
+                    <a:lnBlToTr w="12700" cmpd="sng">
+                      <a:noFill/>
+                      <a:prstDash val="solid"/>
+                    </a:lnBlToTr>
+                    <a:noFill/>
+                  </a:tcPr>
+                </a:tc>
+                <a:tc>
+                  <a:txBody>
+                    <a:bodyPr/>
+                    <a:lstStyle/>
+                    <a:p>
+                      <a:pPr algn="ctr"/>
+                      <a:r>
+                        <a:rPr lang="de-DE" sz="1200" dirty="0">
+                          <a:solidFill>
+                            <a:srgbClr val="0000FF"/>
+                          </a:solidFill>
+                        </a:rPr>
+                        <a:t>3</a:t>
+                      </a:r>
+                    </a:p>
+                  </a:txBody>
+                  <a:tcPr marL="0" marR="0" marT="0" marB="0" anchor="ctr">
+                    <a:lnL w="12700" cap="flat" cmpd="sng" algn="ctr">
+                      <a:solidFill>
+                        <a:schemeClr val="tx1"/>
+                      </a:solidFill>
+                      <a:prstDash val="solid"/>
+                      <a:round/>
+                      <a:headEnd type="none" w="med" len="med"/>
+                      <a:tailEnd type="none" w="med" len="med"/>
+                    </a:lnL>
+                    <a:lnR w="12700" cap="flat" cmpd="sng" algn="ctr">
+                      <a:solidFill>
+                        <a:schemeClr val="tx1"/>
+                      </a:solidFill>
+                      <a:prstDash val="solid"/>
+                      <a:round/>
+                      <a:headEnd type="none" w="med" len="med"/>
+                      <a:tailEnd type="none" w="med" len="med"/>
+                    </a:lnR>
+                    <a:lnT w="12700" cap="flat" cmpd="sng" algn="ctr">
+                      <a:solidFill>
+                        <a:schemeClr val="tx1"/>
+                      </a:solidFill>
+                      <a:prstDash val="solid"/>
+                      <a:round/>
+                      <a:headEnd type="none" w="med" len="med"/>
+                      <a:tailEnd type="none" w="med" len="med"/>
+                    </a:lnT>
+                    <a:lnB w="12700" cap="flat" cmpd="sng" algn="ctr">
+                      <a:solidFill>
+                        <a:schemeClr val="tx1"/>
+                      </a:solidFill>
+                      <a:prstDash val="solid"/>
+                      <a:round/>
+                      <a:headEnd type="none" w="med" len="med"/>
+                      <a:tailEnd type="none" w="med" len="med"/>
+                    </a:lnB>
+                    <a:lnTlToBr w="12700" cmpd="sng">
+                      <a:noFill/>
+                      <a:prstDash val="solid"/>
+                    </a:lnTlToBr>
+                    <a:lnBlToTr w="12700" cmpd="sng">
+                      <a:noFill/>
+                      <a:prstDash val="solid"/>
+                    </a:lnBlToTr>
+                    <a:noFill/>
+                  </a:tcPr>
+                </a:tc>
+                <a:tc>
+                  <a:txBody>
+                    <a:bodyPr/>
+                    <a:lstStyle/>
+                    <a:p>
+                      <a:pPr algn="ctr"/>
+                      <a:r>
+                        <a:rPr lang="de-DE" sz="1200" dirty="0">
+                          <a:solidFill>
+                            <a:srgbClr val="00B0F0"/>
+                          </a:solidFill>
+                        </a:rPr>
+                        <a:t>4</a:t>
+                      </a:r>
+                    </a:p>
+                  </a:txBody>
+                  <a:tcPr marL="0" marR="0" marT="0" marB="0" anchor="ctr">
+                    <a:lnL w="12700" cap="flat" cmpd="sng" algn="ctr">
+                      <a:solidFill>
+                        <a:schemeClr val="tx1"/>
+                      </a:solidFill>
+                      <a:prstDash val="solid"/>
+                      <a:round/>
+                      <a:headEnd type="none" w="med" len="med"/>
+                      <a:tailEnd type="none" w="med" len="med"/>
+                    </a:lnL>
+                    <a:lnR w="12700" cap="flat" cmpd="sng" algn="ctr">
+                      <a:solidFill>
+                        <a:schemeClr val="tx1"/>
+                      </a:solidFill>
+                      <a:prstDash val="solid"/>
+                      <a:round/>
+                      <a:headEnd type="none" w="med" len="med"/>
+                      <a:tailEnd type="none" w="med" len="med"/>
+                    </a:lnR>
+                    <a:lnT w="12700" cap="flat" cmpd="sng" algn="ctr">
+                      <a:solidFill>
+                        <a:schemeClr val="tx1"/>
+                      </a:solidFill>
+                      <a:prstDash val="solid"/>
+                      <a:round/>
+                      <a:headEnd type="none" w="med" len="med"/>
+                      <a:tailEnd type="none" w="med" len="med"/>
+                    </a:lnT>
+                    <a:lnB w="12700" cap="flat" cmpd="sng" algn="ctr">
+                      <a:solidFill>
+                        <a:schemeClr val="tx1"/>
+                      </a:solidFill>
+                      <a:prstDash val="solid"/>
+                      <a:round/>
+                      <a:headEnd type="none" w="med" len="med"/>
+                      <a:tailEnd type="none" w="med" len="med"/>
+                    </a:lnB>
+                    <a:lnTlToBr w="12700" cmpd="sng">
+                      <a:noFill/>
+                      <a:prstDash val="solid"/>
+                    </a:lnTlToBr>
+                    <a:lnBlToTr w="12700" cmpd="sng">
+                      <a:noFill/>
+                      <a:prstDash val="solid"/>
+                    </a:lnBlToTr>
+                    <a:noFill/>
+                  </a:tcPr>
+                </a:tc>
+                <a:tc>
+                  <a:txBody>
+                    <a:bodyPr/>
+                    <a:lstStyle/>
+                    <a:p>
+                      <a:pPr algn="ctr"/>
+                      <a:r>
+                        <a:rPr lang="de-DE" sz="1200" dirty="0">
+                          <a:solidFill>
+                            <a:srgbClr val="00B050"/>
+                          </a:solidFill>
+                        </a:rPr>
+                        <a:t>5</a:t>
+                      </a:r>
+                    </a:p>
+                  </a:txBody>
+                  <a:tcPr marL="0" marR="0" marT="0" marB="0" anchor="ctr">
+                    <a:lnL w="12700" cap="flat" cmpd="sng" algn="ctr">
+                      <a:solidFill>
+                        <a:schemeClr val="tx1"/>
+                      </a:solidFill>
+                      <a:prstDash val="solid"/>
+                      <a:round/>
+                      <a:headEnd type="none" w="med" len="med"/>
+                      <a:tailEnd type="none" w="med" len="med"/>
+                    </a:lnL>
+                    <a:lnR w="12700" cap="flat" cmpd="sng" algn="ctr">
+                      <a:solidFill>
+                        <a:schemeClr val="tx1"/>
+                      </a:solidFill>
+                      <a:prstDash val="solid"/>
+                      <a:round/>
+                      <a:headEnd type="none" w="med" len="med"/>
+                      <a:tailEnd type="none" w="med" len="med"/>
+                    </a:lnR>
+                    <a:lnT w="12700" cap="flat" cmpd="sng" algn="ctr">
+                      <a:solidFill>
+                        <a:schemeClr val="tx1"/>
+                      </a:solidFill>
+                      <a:prstDash val="solid"/>
+                      <a:round/>
+                      <a:headEnd type="none" w="med" len="med"/>
+                      <a:tailEnd type="none" w="med" len="med"/>
+                    </a:lnT>
+                    <a:lnB w="12700" cap="flat" cmpd="sng" algn="ctr">
+                      <a:solidFill>
+                        <a:schemeClr val="tx1"/>
+                      </a:solidFill>
+                      <a:prstDash val="solid"/>
+                      <a:round/>
+                      <a:headEnd type="none" w="med" len="med"/>
+                      <a:tailEnd type="none" w="med" len="med"/>
+                    </a:lnB>
+                    <a:lnTlToBr w="12700" cmpd="sng">
+                      <a:noFill/>
+                      <a:prstDash val="solid"/>
+                    </a:lnTlToBr>
+                    <a:lnBlToTr w="12700" cmpd="sng">
+                      <a:noFill/>
+                      <a:prstDash val="solid"/>
+                    </a:lnBlToTr>
+                    <a:noFill/>
+                  </a:tcPr>
+                </a:tc>
+                <a:tc>
+                  <a:txBody>
+                    <a:bodyPr/>
+                    <a:lstStyle/>
+                    <a:p>
+                      <a:pPr algn="ctr"/>
+                      <a:r>
+                        <a:rPr lang="de-DE" sz="1200" dirty="0">
+                          <a:solidFill>
+                            <a:srgbClr val="00B0F0"/>
+                          </a:solidFill>
+                        </a:rPr>
+                        <a:t>6</a:t>
+                      </a:r>
+                    </a:p>
+                  </a:txBody>
+                  <a:tcPr marL="0" marR="0" marT="0" marB="0" anchor="ctr">
+                    <a:lnL w="12700" cap="flat" cmpd="sng" algn="ctr">
+                      <a:solidFill>
+                        <a:schemeClr val="tx1"/>
+                      </a:solidFill>
+                      <a:prstDash val="solid"/>
+                      <a:round/>
+                      <a:headEnd type="none" w="med" len="med"/>
+                      <a:tailEnd type="none" w="med" len="med"/>
+                    </a:lnL>
+                    <a:lnR w="12700" cap="flat" cmpd="sng" algn="ctr">
+                      <a:solidFill>
+                        <a:schemeClr val="tx1"/>
+                      </a:solidFill>
+                      <a:prstDash val="solid"/>
+                      <a:round/>
+                      <a:headEnd type="none" w="med" len="med"/>
+                      <a:tailEnd type="none" w="med" len="med"/>
+                    </a:lnR>
+                    <a:lnT w="12700" cap="flat" cmpd="sng" algn="ctr">
+                      <a:solidFill>
+                        <a:schemeClr val="tx1"/>
+                      </a:solidFill>
+                      <a:prstDash val="solid"/>
+                      <a:round/>
+                      <a:headEnd type="none" w="med" len="med"/>
+                      <a:tailEnd type="none" w="med" len="med"/>
+                    </a:lnT>
+                    <a:lnB w="12700" cap="flat" cmpd="sng" algn="ctr">
+                      <a:solidFill>
+                        <a:schemeClr val="tx1"/>
+                      </a:solidFill>
+                      <a:prstDash val="solid"/>
+                      <a:round/>
+                      <a:headEnd type="none" w="med" len="med"/>
+                      <a:tailEnd type="none" w="med" len="med"/>
+                    </a:lnB>
+                    <a:lnTlToBr w="12700" cmpd="sng">
+                      <a:noFill/>
+                      <a:prstDash val="solid"/>
+                    </a:lnTlToBr>
+                    <a:lnBlToTr w="12700" cmpd="sng">
+                      <a:noFill/>
+                      <a:prstDash val="solid"/>
+                    </a:lnBlToTr>
+                    <a:noFill/>
+                  </a:tcPr>
+                </a:tc>
+                <a:tc>
+                  <a:txBody>
+                    <a:bodyPr/>
+                    <a:lstStyle/>
+                    <a:p>
+                      <a:pPr algn="ctr"/>
+                      <a:r>
+                        <a:rPr lang="de-DE" sz="1200" dirty="0">
+                          <a:solidFill>
+                            <a:srgbClr val="00B0F0"/>
+                          </a:solidFill>
+                        </a:rPr>
+                        <a:t>7</a:t>
+                      </a:r>
+                    </a:p>
+                  </a:txBody>
+                  <a:tcPr marL="0" marR="0" marT="0" marB="0" anchor="ctr">
+                    <a:lnL w="12700" cap="flat" cmpd="sng" algn="ctr">
+                      <a:solidFill>
+                        <a:schemeClr val="tx1"/>
+                      </a:solidFill>
+                      <a:prstDash val="solid"/>
+                      <a:round/>
+                      <a:headEnd type="none" w="med" len="med"/>
+                      <a:tailEnd type="none" w="med" len="med"/>
+                    </a:lnL>
+                    <a:lnR w="12700" cap="flat" cmpd="sng" algn="ctr">
+                      <a:solidFill>
+                        <a:schemeClr val="tx1"/>
+                      </a:solidFill>
+                      <a:prstDash val="solid"/>
+                      <a:round/>
+                      <a:headEnd type="none" w="med" len="med"/>
+                      <a:tailEnd type="none" w="med" len="med"/>
+                    </a:lnR>
+                    <a:lnT w="12700" cap="flat" cmpd="sng" algn="ctr">
+                      <a:solidFill>
+                        <a:schemeClr val="tx1"/>
+                      </a:solidFill>
+                      <a:prstDash val="solid"/>
+                      <a:round/>
+                      <a:headEnd type="none" w="med" len="med"/>
+                      <a:tailEnd type="none" w="med" len="med"/>
+                    </a:lnT>
+                    <a:lnB w="12700" cap="flat" cmpd="sng" algn="ctr">
+                      <a:solidFill>
+                        <a:schemeClr val="tx1"/>
+                      </a:solidFill>
+                      <a:prstDash val="solid"/>
+                      <a:round/>
+                      <a:headEnd type="none" w="med" len="med"/>
+                      <a:tailEnd type="none" w="med" len="med"/>
+                    </a:lnB>
+                    <a:lnTlToBr w="12700" cmpd="sng">
+                      <a:noFill/>
+                      <a:prstDash val="solid"/>
+                    </a:lnTlToBr>
+                    <a:lnBlToTr w="12700" cmpd="sng">
+                      <a:noFill/>
+                      <a:prstDash val="solid"/>
+                    </a:lnBlToTr>
+                    <a:noFill/>
+                  </a:tcPr>
+                </a:tc>
+                <a:tc>
+                  <a:txBody>
+                    <a:bodyPr/>
+                    <a:lstStyle/>
+                    <a:p>
+                      <a:pPr algn="ctr"/>
+                      <a:r>
+                        <a:rPr lang="de-DE" sz="1200" dirty="0">
+                          <a:solidFill>
+                            <a:srgbClr val="0000FF"/>
+                          </a:solidFill>
+                        </a:rPr>
+                        <a:t>8</a:t>
+                      </a:r>
+                    </a:p>
+                  </a:txBody>
+                  <a:tcPr marL="0" marR="0" marT="0" marB="0" anchor="ctr">
+                    <a:lnL w="12700" cap="flat" cmpd="sng" algn="ctr">
+                      <a:solidFill>
+                        <a:schemeClr val="tx1"/>
+                      </a:solidFill>
+                      <a:prstDash val="solid"/>
+                      <a:round/>
+                      <a:headEnd type="none" w="med" len="med"/>
+                      <a:tailEnd type="none" w="med" len="med"/>
+                    </a:lnL>
+                    <a:lnR w="12700" cap="flat" cmpd="sng" algn="ctr">
+                      <a:solidFill>
+                        <a:schemeClr val="tx1"/>
+                      </a:solidFill>
+                      <a:prstDash val="solid"/>
+                      <a:round/>
+                      <a:headEnd type="none" w="med" len="med"/>
+                      <a:tailEnd type="none" w="med" len="med"/>
+                    </a:lnR>
+                    <a:lnT w="12700" cap="flat" cmpd="sng" algn="ctr">
+                      <a:solidFill>
+                        <a:schemeClr val="tx1"/>
+                      </a:solidFill>
+                      <a:prstDash val="solid"/>
+                      <a:round/>
+                      <a:headEnd type="none" w="med" len="med"/>
+                      <a:tailEnd type="none" w="med" len="med"/>
+                    </a:lnT>
+                    <a:lnB w="12700" cap="flat" cmpd="sng" algn="ctr">
+                      <a:solidFill>
+                        <a:schemeClr val="tx1"/>
+                      </a:solidFill>
+                      <a:prstDash val="solid"/>
+                      <a:round/>
+                      <a:headEnd type="none" w="med" len="med"/>
+                      <a:tailEnd type="none" w="med" len="med"/>
+                    </a:lnB>
+                    <a:lnTlToBr w="12700" cmpd="sng">
+                      <a:noFill/>
+                      <a:prstDash val="solid"/>
+                    </a:lnTlToBr>
+                    <a:lnBlToTr w="12700" cmpd="sng">
+                      <a:noFill/>
+                      <a:prstDash val="solid"/>
+                    </a:lnBlToTr>
+                    <a:noFill/>
+                  </a:tcPr>
+                </a:tc>
+                <a:tc>
+                  <a:txBody>
+                    <a:bodyPr/>
+                    <a:lstStyle/>
+                    <a:p>
+                      <a:pPr algn="ctr"/>
+                      <a:r>
+                        <a:rPr lang="de-DE" sz="1200" dirty="0">
+                          <a:solidFill>
+                            <a:srgbClr val="00B0F0"/>
+                          </a:solidFill>
+                        </a:rPr>
+                        <a:t>9</a:t>
+                      </a:r>
+                    </a:p>
+                  </a:txBody>
+                  <a:tcPr marL="0" marR="0" marT="0" marB="0" anchor="ctr">
+                    <a:lnL w="12700" cap="flat" cmpd="sng" algn="ctr">
+                      <a:solidFill>
+                        <a:schemeClr val="tx1"/>
+                      </a:solidFill>
+                      <a:prstDash val="solid"/>
+                      <a:round/>
+                      <a:headEnd type="none" w="med" len="med"/>
+                      <a:tailEnd type="none" w="med" len="med"/>
+                    </a:lnL>
+                    <a:lnR w="12700" cap="flat" cmpd="sng" algn="ctr">
+                      <a:solidFill>
+                        <a:schemeClr val="tx1"/>
+                      </a:solidFill>
+                      <a:prstDash val="solid"/>
+                      <a:round/>
+                      <a:headEnd type="none" w="med" len="med"/>
+                      <a:tailEnd type="none" w="med" len="med"/>
+                    </a:lnR>
+                    <a:lnT w="12700" cap="flat" cmpd="sng" algn="ctr">
+                      <a:solidFill>
+                        <a:schemeClr val="tx1"/>
+                      </a:solidFill>
+                      <a:prstDash val="solid"/>
+                      <a:round/>
+                      <a:headEnd type="none" w="med" len="med"/>
+                      <a:tailEnd type="none" w="med" len="med"/>
+                    </a:lnT>
+                    <a:lnB w="12700" cap="flat" cmpd="sng" algn="ctr">
+                      <a:solidFill>
+                        <a:schemeClr val="tx1"/>
+                      </a:solidFill>
+                      <a:prstDash val="solid"/>
+                      <a:round/>
+                      <a:headEnd type="none" w="med" len="med"/>
+                      <a:tailEnd type="none" w="med" len="med"/>
+                    </a:lnB>
+                    <a:lnTlToBr w="12700" cmpd="sng">
+                      <a:noFill/>
+                      <a:prstDash val="solid"/>
+                    </a:lnTlToBr>
+                    <a:lnBlToTr w="12700" cmpd="sng">
+                      <a:noFill/>
+                      <a:prstDash val="solid"/>
+                    </a:lnBlToTr>
+                    <a:noFill/>
+                  </a:tcPr>
+                </a:tc>
+                <a:tc>
+                  <a:txBody>
+                    <a:bodyPr/>
+                    <a:lstStyle/>
+                    <a:p>
+                      <a:pPr algn="ctr"/>
+                      <a:r>
+                        <a:rPr lang="de-DE" sz="1200" dirty="0">
+                          <a:solidFill>
+                            <a:srgbClr val="00B050"/>
+                          </a:solidFill>
+                        </a:rPr>
+                        <a:t>10</a:t>
+                      </a:r>
+                    </a:p>
+                  </a:txBody>
+                  <a:tcPr marL="0" marR="0" marT="0" marB="0" anchor="ctr">
+                    <a:lnL w="12700" cap="flat" cmpd="sng" algn="ctr">
+                      <a:solidFill>
+                        <a:schemeClr val="tx1"/>
+                      </a:solidFill>
+                      <a:prstDash val="solid"/>
+                      <a:round/>
+                      <a:headEnd type="none" w="med" len="med"/>
+                      <a:tailEnd type="none" w="med" len="med"/>
+                    </a:lnL>
+                    <a:lnR w="12700" cap="flat" cmpd="sng" algn="ctr">
+                      <a:solidFill>
+                        <a:schemeClr val="tx1"/>
+                      </a:solidFill>
+                      <a:prstDash val="solid"/>
+                      <a:round/>
+                      <a:headEnd type="none" w="med" len="med"/>
+                      <a:tailEnd type="none" w="med" len="med"/>
+                    </a:lnR>
+                    <a:lnT w="12700" cap="flat" cmpd="sng" algn="ctr">
+                      <a:solidFill>
+                        <a:schemeClr val="tx1"/>
+                      </a:solidFill>
+                      <a:prstDash val="solid"/>
+                      <a:round/>
+                      <a:headEnd type="none" w="med" len="med"/>
+                      <a:tailEnd type="none" w="med" len="med"/>
+                    </a:lnT>
+                    <a:lnB w="12700" cap="flat" cmpd="sng" algn="ctr">
+                      <a:solidFill>
+                        <a:schemeClr val="tx1"/>
+                      </a:solidFill>
+                      <a:prstDash val="solid"/>
+                      <a:round/>
+                      <a:headEnd type="none" w="med" len="med"/>
+                      <a:tailEnd type="none" w="med" len="med"/>
+                    </a:lnB>
+                    <a:lnTlToBr w="12700" cmpd="sng">
+                      <a:noFill/>
+                      <a:prstDash val="solid"/>
+                    </a:lnTlToBr>
+                    <a:lnBlToTr w="12700" cmpd="sng">
+                      <a:noFill/>
+                      <a:prstDash val="solid"/>
+                    </a:lnBlToTr>
+                    <a:noFill/>
+                  </a:tcPr>
+                </a:tc>
+                <a:tc>
+                  <a:txBody>
+                    <a:bodyPr/>
+                    <a:lstStyle/>
+                    <a:p>
+                      <a:pPr algn="ctr"/>
+                      <a:r>
+                        <a:rPr lang="de-DE" sz="1200" dirty="0">
+                          <a:solidFill>
+                            <a:srgbClr val="00B0F0"/>
+                          </a:solidFill>
+                        </a:rPr>
+                        <a:t>11</a:t>
+                      </a:r>
+                    </a:p>
+                  </a:txBody>
+                  <a:tcPr marL="0" marR="0" marT="0" marB="0" anchor="ctr">
+                    <a:lnL w="12700" cap="flat" cmpd="sng" algn="ctr">
+                      <a:solidFill>
+                        <a:schemeClr val="tx1"/>
+                      </a:solidFill>
+                      <a:prstDash val="solid"/>
+                      <a:round/>
+                      <a:headEnd type="none" w="med" len="med"/>
+                      <a:tailEnd type="none" w="med" len="med"/>
+                    </a:lnL>
+                    <a:lnR w="12700" cap="flat" cmpd="sng" algn="ctr">
+                      <a:solidFill>
+                        <a:schemeClr val="tx1"/>
+                      </a:solidFill>
+                      <a:prstDash val="solid"/>
+                      <a:round/>
+                      <a:headEnd type="none" w="med" len="med"/>
+                      <a:tailEnd type="none" w="med" len="med"/>
+                    </a:lnR>
+                    <a:lnT w="12700" cap="flat" cmpd="sng" algn="ctr">
+                      <a:solidFill>
+                        <a:schemeClr val="tx1"/>
+                      </a:solidFill>
+                      <a:prstDash val="solid"/>
+                      <a:round/>
+                      <a:headEnd type="none" w="med" len="med"/>
+                      <a:tailEnd type="none" w="med" len="med"/>
+                    </a:lnT>
+                    <a:lnB w="12700" cap="flat" cmpd="sng" algn="ctr">
+                      <a:solidFill>
+                        <a:schemeClr val="tx1"/>
+                      </a:solidFill>
+                      <a:prstDash val="solid"/>
+                      <a:round/>
+                      <a:headEnd type="none" w="med" len="med"/>
+                      <a:tailEnd type="none" w="med" len="med"/>
+                    </a:lnB>
+                    <a:lnTlToBr w="12700" cmpd="sng">
+                      <a:noFill/>
+                      <a:prstDash val="solid"/>
+                    </a:lnTlToBr>
+                    <a:lnBlToTr w="12700" cmpd="sng">
+                      <a:noFill/>
+                      <a:prstDash val="solid"/>
+                    </a:lnBlToTr>
+                    <a:noFill/>
+                  </a:tcPr>
+                </a:tc>
+                <a:tc>
+                  <a:txBody>
+                    <a:bodyPr/>
+                    <a:lstStyle/>
+                    <a:p>
+                      <a:pPr algn="ctr"/>
+                      <a:r>
+                        <a:rPr lang="de-DE" sz="1200" dirty="0">
+                          <a:solidFill>
+                            <a:srgbClr val="00B0F0"/>
+                          </a:solidFill>
+                        </a:rPr>
+                        <a:t>12</a:t>
+                      </a:r>
+                    </a:p>
+                  </a:txBody>
+                  <a:tcPr marL="0" marR="0" marT="0" marB="0" anchor="ctr">
+                    <a:lnL w="12700" cap="flat" cmpd="sng" algn="ctr">
+                      <a:solidFill>
+                        <a:schemeClr val="tx1"/>
+                      </a:solidFill>
+                      <a:prstDash val="solid"/>
+                      <a:round/>
+                      <a:headEnd type="none" w="med" len="med"/>
+                      <a:tailEnd type="none" w="med" len="med"/>
+                    </a:lnL>
+                    <a:lnR w="12700" cap="flat" cmpd="sng" algn="ctr">
+                      <a:solidFill>
+                        <a:schemeClr val="tx1"/>
+                      </a:solidFill>
+                      <a:prstDash val="solid"/>
+                      <a:round/>
+                      <a:headEnd type="none" w="med" len="med"/>
+                      <a:tailEnd type="none" w="med" len="med"/>
+                    </a:lnR>
+                    <a:lnT w="12700" cap="flat" cmpd="sng" algn="ctr">
+                      <a:solidFill>
+                        <a:schemeClr val="tx1"/>
+                      </a:solidFill>
+                      <a:prstDash val="solid"/>
+                      <a:round/>
+                      <a:headEnd type="none" w="med" len="med"/>
+                      <a:tailEnd type="none" w="med" len="med"/>
+                    </a:lnT>
+                    <a:lnB w="12700" cap="flat" cmpd="sng" algn="ctr">
+                      <a:solidFill>
+                        <a:schemeClr val="tx1"/>
+                      </a:solidFill>
+                      <a:prstDash val="solid"/>
+                      <a:round/>
+                      <a:headEnd type="none" w="med" len="med"/>
+                      <a:tailEnd type="none" w="med" len="med"/>
+                    </a:lnB>
+                    <a:lnTlToBr w="12700" cmpd="sng">
+                      <a:noFill/>
+                      <a:prstDash val="solid"/>
+                    </a:lnTlToBr>
+                    <a:lnBlToTr w="12700" cmpd="sng">
+                      <a:noFill/>
+                      <a:prstDash val="solid"/>
+                    </a:lnBlToTr>
+                    <a:noFill/>
+                  </a:tcPr>
+                </a:tc>
+                <a:tc>
+                  <a:txBody>
+                    <a:bodyPr/>
+                    <a:lstStyle/>
+                    <a:p>
+                      <a:pPr algn="ctr"/>
+                      <a:r>
+                        <a:rPr lang="de-DE" sz="1200" dirty="0">
+                          <a:solidFill>
+                            <a:srgbClr val="0000FF"/>
+                          </a:solidFill>
+                        </a:rPr>
+                        <a:t>13</a:t>
+                      </a:r>
+                    </a:p>
+                  </a:txBody>
+                  <a:tcPr marL="0" marR="0" marT="0" marB="0" anchor="ctr">
+                    <a:lnL w="12700" cap="flat" cmpd="sng" algn="ctr">
+                      <a:solidFill>
+                        <a:schemeClr val="tx1"/>
+                      </a:solidFill>
+                      <a:prstDash val="solid"/>
+                      <a:round/>
+                      <a:headEnd type="none" w="med" len="med"/>
+                      <a:tailEnd type="none" w="med" len="med"/>
+                    </a:lnL>
+                    <a:lnR w="12700" cap="flat" cmpd="sng" algn="ctr">
+                      <a:solidFill>
+                        <a:schemeClr val="tx1"/>
+                      </a:solidFill>
+                      <a:prstDash val="solid"/>
+                      <a:round/>
+                      <a:headEnd type="none" w="med" len="med"/>
+                      <a:tailEnd type="none" w="med" len="med"/>
+                    </a:lnR>
+                    <a:lnT w="12700" cap="flat" cmpd="sng" algn="ctr">
+                      <a:solidFill>
+                        <a:schemeClr val="tx1"/>
+                      </a:solidFill>
+                      <a:prstDash val="solid"/>
+                      <a:round/>
+                      <a:headEnd type="none" w="med" len="med"/>
+                      <a:tailEnd type="none" w="med" len="med"/>
+                    </a:lnT>
+                    <a:lnB w="12700" cap="flat" cmpd="sng" algn="ctr">
+                      <a:solidFill>
+                        <a:schemeClr val="tx1"/>
+                      </a:solidFill>
+                      <a:prstDash val="solid"/>
+                      <a:round/>
+                      <a:headEnd type="none" w="med" len="med"/>
+                      <a:tailEnd type="none" w="med" len="med"/>
+                    </a:lnB>
+                    <a:lnTlToBr w="12700" cmpd="sng">
+                      <a:noFill/>
+                      <a:prstDash val="solid"/>
+                    </a:lnTlToBr>
+                    <a:lnBlToTr w="12700" cmpd="sng">
+                      <a:noFill/>
+                      <a:prstDash val="solid"/>
+                    </a:lnBlToTr>
+                    <a:noFill/>
+                  </a:tcPr>
+                </a:tc>
+                <a:tc>
+                  <a:txBody>
+                    <a:bodyPr/>
+                    <a:lstStyle/>
+                    <a:p>
+                      <a:pPr algn="ctr"/>
+                      <a:r>
+                        <a:rPr lang="de-DE" sz="1200" dirty="0">
+                          <a:solidFill>
+                            <a:srgbClr val="00B050"/>
+                          </a:solidFill>
+                        </a:rPr>
+                        <a:t>14</a:t>
+                      </a:r>
+                    </a:p>
+                  </a:txBody>
+                  <a:tcPr marL="0" marR="0" marT="0" marB="0" anchor="ctr">
+                    <a:lnL w="12700" cap="flat" cmpd="sng" algn="ctr">
+                      <a:solidFill>
+                        <a:schemeClr val="tx1"/>
+                      </a:solidFill>
+                      <a:prstDash val="solid"/>
+                      <a:round/>
+                      <a:headEnd type="none" w="med" len="med"/>
+                      <a:tailEnd type="none" w="med" len="med"/>
+                    </a:lnL>
+                    <a:lnR w="12700" cap="flat" cmpd="sng" algn="ctr">
+                      <a:solidFill>
+                        <a:schemeClr val="tx1"/>
+                      </a:solidFill>
+                      <a:prstDash val="solid"/>
+                      <a:round/>
+                      <a:headEnd type="none" w="med" len="med"/>
+                      <a:tailEnd type="none" w="med" len="med"/>
+                    </a:lnR>
+                    <a:lnT w="12700" cap="flat" cmpd="sng" algn="ctr">
+                      <a:solidFill>
+                        <a:schemeClr val="tx1"/>
+                      </a:solidFill>
+                      <a:prstDash val="solid"/>
+                      <a:round/>
+                      <a:headEnd type="none" w="med" len="med"/>
+                      <a:tailEnd type="none" w="med" len="med"/>
+                    </a:lnT>
+                    <a:lnB w="12700" cap="flat" cmpd="sng" algn="ctr">
+                      <a:solidFill>
+                        <a:schemeClr val="tx1"/>
+                      </a:solidFill>
+                      <a:prstDash val="solid"/>
+                      <a:round/>
+                      <a:headEnd type="none" w="med" len="med"/>
+                      <a:tailEnd type="none" w="med" len="med"/>
+                    </a:lnB>
+                    <a:lnTlToBr w="12700" cmpd="sng">
+                      <a:noFill/>
+                      <a:prstDash val="solid"/>
+                    </a:lnTlToBr>
+                    <a:lnBlToTr w="12700" cmpd="sng">
+                      <a:noFill/>
+                      <a:prstDash val="solid"/>
+                    </a:lnBlToTr>
+                    <a:noFill/>
+                  </a:tcPr>
+                </a:tc>
+                <a:tc>
+                  <a:txBody>
+                    <a:bodyPr/>
+                    <a:lstStyle/>
+                    <a:p>
+                      <a:pPr algn="ctr"/>
+                      <a:r>
+                        <a:rPr lang="de-DE" sz="1200" dirty="0">
+                          <a:solidFill>
+                            <a:srgbClr val="00B0F0"/>
+                          </a:solidFill>
+                        </a:rPr>
+                        <a:t>15</a:t>
+                      </a:r>
+                    </a:p>
+                  </a:txBody>
+                  <a:tcPr marL="0" marR="0" marT="0" marB="0" anchor="ctr">
+                    <a:lnL w="12700" cap="flat" cmpd="sng" algn="ctr">
+                      <a:solidFill>
+                        <a:schemeClr val="tx1"/>
+                      </a:solidFill>
+                      <a:prstDash val="solid"/>
+                      <a:round/>
+                      <a:headEnd type="none" w="med" len="med"/>
+                      <a:tailEnd type="none" w="med" len="med"/>
+                    </a:lnL>
+                    <a:lnR w="12700" cap="flat" cmpd="sng" algn="ctr">
+                      <a:solidFill>
+                        <a:schemeClr val="tx1"/>
+                      </a:solidFill>
+                      <a:prstDash val="solid"/>
+                      <a:round/>
+                      <a:headEnd type="none" w="med" len="med"/>
+                      <a:tailEnd type="none" w="med" len="med"/>
+                    </a:lnR>
+                    <a:lnT w="12700" cap="flat" cmpd="sng" algn="ctr">
+                      <a:solidFill>
+                        <a:schemeClr val="tx1"/>
+                      </a:solidFill>
+                      <a:prstDash val="solid"/>
+                      <a:round/>
+                      <a:headEnd type="none" w="med" len="med"/>
+                      <a:tailEnd type="none" w="med" len="med"/>
+                    </a:lnT>
+                    <a:lnB w="12700" cap="flat" cmpd="sng" algn="ctr">
+                      <a:solidFill>
+                        <a:schemeClr val="tx1"/>
+                      </a:solidFill>
+                      <a:prstDash val="solid"/>
+                      <a:round/>
+                      <a:headEnd type="none" w="med" len="med"/>
+                      <a:tailEnd type="none" w="med" len="med"/>
+                    </a:lnB>
+                    <a:lnTlToBr w="12700" cmpd="sng">
+                      <a:noFill/>
+                      <a:prstDash val="solid"/>
+                    </a:lnTlToBr>
+                    <a:lnBlToTr w="12700" cmpd="sng">
+                      <a:noFill/>
+                      <a:prstDash val="solid"/>
+                    </a:lnBlToTr>
+                    <a:noFill/>
+                  </a:tcPr>
+                </a:tc>
+                <a:tc>
+                  <a:txBody>
+                    <a:bodyPr/>
+                    <a:lstStyle/>
+                    <a:p>
+                      <a:pPr algn="ctr"/>
+                      <a:r>
+                        <a:rPr lang="de-DE" sz="1200" dirty="0">
+                          <a:solidFill>
+                            <a:srgbClr val="00B0F0"/>
+                          </a:solidFill>
+                        </a:rPr>
+                        <a:t>16</a:t>
+                      </a:r>
+                    </a:p>
+                  </a:txBody>
+                  <a:tcPr marL="0" marR="0" marT="0" marB="0" anchor="ctr">
+                    <a:lnL w="12700" cap="flat" cmpd="sng" algn="ctr">
+                      <a:solidFill>
+                        <a:schemeClr val="tx1"/>
+                      </a:solidFill>
+                      <a:prstDash val="solid"/>
+                      <a:round/>
+                      <a:headEnd type="none" w="med" len="med"/>
+                      <a:tailEnd type="none" w="med" len="med"/>
+                    </a:lnL>
+                    <a:lnR w="12700" cap="flat" cmpd="sng" algn="ctr">
+                      <a:solidFill>
+                        <a:schemeClr val="tx1"/>
+                      </a:solidFill>
+                      <a:prstDash val="solid"/>
+                      <a:round/>
+                      <a:headEnd type="none" w="med" len="med"/>
+                      <a:tailEnd type="none" w="med" len="med"/>
+                    </a:lnR>
+                    <a:lnT w="12700" cap="flat" cmpd="sng" algn="ctr">
+                      <a:solidFill>
+                        <a:schemeClr val="tx1"/>
+                      </a:solidFill>
+                      <a:prstDash val="solid"/>
+                      <a:round/>
+                      <a:headEnd type="none" w="med" len="med"/>
+                      <a:tailEnd type="none" w="med" len="med"/>
+                    </a:lnT>
+                    <a:lnB w="12700" cap="flat" cmpd="sng" algn="ctr">
+                      <a:solidFill>
+                        <a:schemeClr val="tx1"/>
+                      </a:solidFill>
+                      <a:prstDash val="solid"/>
+                      <a:round/>
+                      <a:headEnd type="none" w="med" len="med"/>
+                      <a:tailEnd type="none" w="med" len="med"/>
+                    </a:lnB>
+                    <a:lnTlToBr w="12700" cmpd="sng">
+                      <a:noFill/>
+                      <a:prstDash val="solid"/>
+                    </a:lnTlToBr>
+                    <a:lnBlToTr w="12700" cmpd="sng">
+                      <a:noFill/>
+                      <a:prstDash val="solid"/>
+                    </a:lnBlToTr>
+                    <a:noFill/>
+                  </a:tcPr>
+                </a:tc>
+                <a:extLst>
+                  <a:ext uri="{0D108BD9-81ED-4DB2-BD59-A6C34878D82A}">
+                    <a16:rowId xmlns:a16="http://schemas.microsoft.com/office/drawing/2014/main" val="2337893598"/>
+                  </a:ext>
+                </a:extLst>
+              </a:tr>
+            </a:tbl>
+          </a:graphicData>
+        </a:graphic>
+      </p:graphicFrame>
+      <p:sp>
+        <p:nvSpPr>
+          <p:cNvPr id="13" name="TextBox 62">
+            <a:extLst>
+              <a:ext uri="{FF2B5EF4-FFF2-40B4-BE49-F238E27FC236}">
+                <a16:creationId xmlns:a16="http://schemas.microsoft.com/office/drawing/2014/main" id="{1D71E21F-4AB1-4161-92C6-1AF65238C6B7}"/>
+              </a:ext>
+            </a:extLst>
+          </p:cNvPr>
+          <p:cNvSpPr txBox="1"/>
+          <p:nvPr/>
+        </p:nvSpPr>
+        <p:spPr>
+          <a:xfrm>
+            <a:off x="4366109" y="3238391"/>
+            <a:ext cx="2947855" cy="369332"/>
+          </a:xfrm>
+          <a:prstGeom prst="rect">
+            <a:avLst/>
+          </a:prstGeom>
+          <a:noFill/>
+        </p:spPr>
+        <p:txBody>
+          <a:bodyPr wrap="square" rtlCol="0">
+            <a:spAutoFit/>
+          </a:bodyPr>
+          <a:lstStyle/>
+          <a:p>
+            <a:pPr algn="ctr"/>
+            <a:r>
+              <a:rPr lang="en-GB" b="1" i="1" dirty="0" err="1"/>
+              <a:t>traverseAndSort</a:t>
+            </a:r>
+            <a:r>
+              <a:rPr lang="en-GB" b="1" i="1" dirty="0"/>
+              <a:t>(</a:t>
+            </a:r>
+            <a:r>
+              <a:rPr lang="en-GB" i="1" dirty="0" err="1"/>
+              <a:t>nodeTree</a:t>
+            </a:r>
+            <a:r>
+              <a:rPr lang="en-GB" b="1" i="1" dirty="0"/>
+              <a:t>)</a:t>
+            </a:r>
+          </a:p>
+        </p:txBody>
+      </p:sp>
+      <p:sp>
+        <p:nvSpPr>
+          <p:cNvPr id="14" name="TextBox 62">
+            <a:extLst>
+              <a:ext uri="{FF2B5EF4-FFF2-40B4-BE49-F238E27FC236}">
+                <a16:creationId xmlns:a16="http://schemas.microsoft.com/office/drawing/2014/main" id="{1D71E21F-4AB1-4161-92C6-1AF65238C6B7}"/>
+              </a:ext>
+            </a:extLst>
+          </p:cNvPr>
+          <p:cNvSpPr txBox="1"/>
+          <p:nvPr/>
+        </p:nvSpPr>
+        <p:spPr>
+          <a:xfrm>
+            <a:off x="852068" y="5740254"/>
+            <a:ext cx="710725" cy="369332"/>
+          </a:xfrm>
+          <a:prstGeom prst="rect">
+            <a:avLst/>
+          </a:prstGeom>
+          <a:noFill/>
+        </p:spPr>
+        <p:txBody>
+          <a:bodyPr wrap="square" rtlCol="0">
+            <a:spAutoFit/>
+          </a:bodyPr>
+          <a:lstStyle/>
+          <a:p>
+            <a:pPr algn="ctr"/>
+            <a:r>
+              <a:rPr lang="en-GB" b="1" dirty="0">
+                <a:solidFill>
+                  <a:srgbClr val="FF0000"/>
+                </a:solidFill>
+              </a:rPr>
+              <a:t>Input</a:t>
+            </a:r>
+            <a:endParaRPr lang="en-GB" dirty="0">
+              <a:solidFill>
+                <a:srgbClr val="FF0000"/>
+              </a:solidFill>
+            </a:endParaRPr>
+          </a:p>
+        </p:txBody>
+      </p:sp>
+      <p:sp>
+        <p:nvSpPr>
+          <p:cNvPr id="15" name="TextBox 62">
+            <a:extLst>
+              <a:ext uri="{FF2B5EF4-FFF2-40B4-BE49-F238E27FC236}">
+                <a16:creationId xmlns:a16="http://schemas.microsoft.com/office/drawing/2014/main" id="{1D71E21F-4AB1-4161-92C6-1AF65238C6B7}"/>
+              </a:ext>
+            </a:extLst>
+          </p:cNvPr>
+          <p:cNvSpPr txBox="1"/>
+          <p:nvPr/>
+        </p:nvSpPr>
+        <p:spPr>
+          <a:xfrm>
+            <a:off x="6686137" y="5740254"/>
+            <a:ext cx="936634" cy="369332"/>
+          </a:xfrm>
+          <a:prstGeom prst="rect">
+            <a:avLst/>
+          </a:prstGeom>
+          <a:noFill/>
+        </p:spPr>
+        <p:txBody>
+          <a:bodyPr wrap="square" rtlCol="0">
+            <a:spAutoFit/>
+          </a:bodyPr>
+          <a:lstStyle/>
+          <a:p>
+            <a:pPr algn="ctr"/>
+            <a:r>
+              <a:rPr lang="en-GB" b="1" dirty="0">
+                <a:solidFill>
+                  <a:srgbClr val="FF0000"/>
+                </a:solidFill>
+              </a:rPr>
+              <a:t>Output</a:t>
+            </a:r>
+            <a:endParaRPr lang="en-GB" dirty="0">
+              <a:solidFill>
+                <a:srgbClr val="FF0000"/>
+              </a:solidFill>
+            </a:endParaRPr>
+          </a:p>
+        </p:txBody>
+      </p:sp>
+    </p:spTree>
+    <p:extLst>
+      <p:ext uri="{BB962C8B-B14F-4D97-AF65-F5344CB8AC3E}">
+        <p14:creationId xmlns:p14="http://schemas.microsoft.com/office/powerpoint/2010/main" val="2090144427"/>
+      </p:ext>
+    </p:extLst>
+  </p:cSld>
+  <p:clrMapOvr>
+    <a:masterClrMapping/>
+  </p:clrMapOvr>
+</p:sld>
+</file>
+
+<file path=ppt/slides/slide12.xml><?xml version="1.0" encoding="utf-8"?>
+<p:sld xmlns:a="http://schemas.openxmlformats.org/drawingml/2006/main" xmlns:r="http://schemas.openxmlformats.org/officeDocument/2006/relationships" xmlns:p="http://schemas.openxmlformats.org/presentationml/2006/main">
+  <p:cSld>
+    <p:spTree>
+      <p:nvGrpSpPr>
+        <p:cNvPr id="1" name=""/>
+        <p:cNvGrpSpPr/>
+        <p:nvPr/>
+      </p:nvGrpSpPr>
+      <p:grpSpPr>
+        <a:xfrm>
+          <a:off x="0" y="0"/>
+          <a:ext cx="0" cy="0"/>
+          <a:chOff x="0" y="0"/>
+          <a:chExt cx="0" cy="0"/>
+        </a:xfrm>
+      </p:grpSpPr>
+      <p:sp>
+        <p:nvSpPr>
+          <p:cNvPr id="2" name="Title 1">
+            <a:extLst>
+              <a:ext uri="{FF2B5EF4-FFF2-40B4-BE49-F238E27FC236}">
+                <a16:creationId xmlns:a16="http://schemas.microsoft.com/office/drawing/2014/main" id="{8AEB4669-5D9E-428A-9F10-64DC2B65A45E}"/>
+              </a:ext>
+            </a:extLst>
+          </p:cNvPr>
+          <p:cNvSpPr>
+            <a:spLocks noGrp="1"/>
+          </p:cNvSpPr>
+          <p:nvPr>
+            <p:ph type="title"/>
+          </p:nvPr>
+        </p:nvSpPr>
+        <p:spPr>
+          <a:xfrm>
+            <a:off x="0" y="18255"/>
+            <a:ext cx="12192000" cy="991939"/>
+          </a:xfrm>
+        </p:spPr>
+        <p:txBody>
+          <a:bodyPr>
+            <a:normAutofit/>
+          </a:bodyPr>
+          <a:lstStyle/>
+          <a:p>
+            <a:r>
+              <a:rPr lang="en-GB" sz="3200" b="1" dirty="0" err="1">
+                <a:solidFill>
+                  <a:srgbClr val="339966"/>
+                </a:solidFill>
+              </a:rPr>
+              <a:t>vertexPlacement</a:t>
+            </a:r>
+            <a:r>
+              <a:rPr lang="en-GB" sz="3200" b="1" dirty="0">
+                <a:solidFill>
+                  <a:srgbClr val="339966"/>
+                </a:solidFill>
+              </a:rPr>
+              <a:t>()</a:t>
+            </a:r>
+            <a:br>
+              <a:rPr lang="en-GB" sz="3200" b="1" dirty="0">
+                <a:solidFill>
+                  <a:srgbClr val="339966"/>
+                </a:solidFill>
+              </a:rPr>
+            </a:br>
+            <a:r>
+              <a:rPr lang="en-GB" sz="1600" b="1" dirty="0">
+                <a:solidFill>
+                  <a:schemeClr val="bg1">
+                    <a:lumMod val="50000"/>
+                  </a:schemeClr>
+                </a:solidFill>
+              </a:rPr>
+              <a:t>3 – </a:t>
+            </a:r>
+            <a:r>
+              <a:rPr lang="en-GB" sz="1600" b="1" dirty="0" err="1">
+                <a:solidFill>
+                  <a:schemeClr val="bg1">
+                    <a:lumMod val="50000"/>
+                  </a:schemeClr>
+                </a:solidFill>
+              </a:rPr>
+              <a:t>placeVertices</a:t>
+            </a:r>
+            <a:r>
+              <a:rPr lang="en-GB" sz="1600" b="1" dirty="0">
+                <a:solidFill>
+                  <a:schemeClr val="bg1">
+                    <a:lumMod val="50000"/>
+                  </a:schemeClr>
+                </a:solidFill>
+              </a:rPr>
+              <a:t>()</a:t>
+            </a:r>
+            <a:endParaRPr lang="en-GB" sz="3200" dirty="0">
+              <a:solidFill>
+                <a:schemeClr val="bg1">
+                  <a:lumMod val="50000"/>
+                </a:schemeClr>
+              </a:solidFill>
+            </a:endParaRPr>
+          </a:p>
+        </p:txBody>
+      </p:sp>
+      <p:pic>
+        <p:nvPicPr>
+          <p:cNvPr id="9" name="Picture 2" descr="Image result for gefasoft logo svg">
+            <a:extLst>
+              <a:ext uri="{FF2B5EF4-FFF2-40B4-BE49-F238E27FC236}">
+                <a16:creationId xmlns:a16="http://schemas.microsoft.com/office/drawing/2014/main" id="{9E2A0D8B-D921-4381-A883-E701EB432AE7}"/>
+              </a:ext>
+            </a:extLst>
+          </p:cNvPr>
+          <p:cNvPicPr>
+            <a:picLocks noChangeAspect="1" noChangeArrowheads="1"/>
+          </p:cNvPicPr>
+          <p:nvPr/>
+        </p:nvPicPr>
+        <p:blipFill>
+          <a:blip r:embed="rId2" cstate="hqprint">
+            <a:extLst>
+              <a:ext uri="{28A0092B-C50C-407E-A947-70E740481C1C}">
+                <a14:useLocalDpi xmlns:a14="http://schemas.microsoft.com/office/drawing/2010/main" val="0"/>
+              </a:ext>
+            </a:extLst>
+          </a:blip>
+          <a:srcRect/>
+          <a:stretch>
+            <a:fillRect/>
+          </a:stretch>
+        </p:blipFill>
+        <p:spPr bwMode="auto">
+          <a:xfrm>
+            <a:off x="10413546" y="140804"/>
+            <a:ext cx="1641442" cy="358638"/>
+          </a:xfrm>
+          <a:prstGeom prst="rect">
+            <a:avLst/>
+          </a:prstGeom>
+          <a:noFill/>
+          <a:extLst>
+            <a:ext uri="{909E8E84-426E-40DD-AFC4-6F175D3DCCD1}">
+              <a14:hiddenFill xmlns:a14="http://schemas.microsoft.com/office/drawing/2010/main">
+                <a:solidFill>
+                  <a:srgbClr val="FFFFFF"/>
+                </a:solidFill>
+              </a14:hiddenFill>
+            </a:ext>
+          </a:extLst>
+        </p:spPr>
+      </p:pic>
+      <p:pic>
+        <p:nvPicPr>
+          <p:cNvPr id="328" name="Grafik 327"/>
+          <p:cNvPicPr>
+            <a:picLocks noChangeAspect="1"/>
+          </p:cNvPicPr>
+          <p:nvPr/>
+        </p:nvPicPr>
+        <p:blipFill>
+          <a:blip r:embed="rId3">
+            <a:extLst>
+              <a:ext uri="{28A0092B-C50C-407E-A947-70E740481C1C}">
+                <a14:useLocalDpi xmlns:a14="http://schemas.microsoft.com/office/drawing/2010/main" val="0"/>
+              </a:ext>
+            </a:extLst>
+          </a:blip>
+          <a:stretch>
+            <a:fillRect/>
+          </a:stretch>
+        </p:blipFill>
+        <p:spPr>
+          <a:xfrm>
+            <a:off x="683891" y="2828410"/>
+            <a:ext cx="4873399" cy="2507361"/>
+          </a:xfrm>
+          <a:prstGeom prst="rect">
+            <a:avLst/>
+          </a:prstGeom>
+        </p:spPr>
+      </p:pic>
+      <p:graphicFrame>
+        <p:nvGraphicFramePr>
+          <p:cNvPr id="330" name="Tabelle 329"/>
+          <p:cNvGraphicFramePr>
+            <a:graphicFrameLocks noGrp="1"/>
+          </p:cNvGraphicFramePr>
+          <p:nvPr>
+            <p:extLst/>
+          </p:nvPr>
+        </p:nvGraphicFramePr>
+        <p:xfrm>
+          <a:off x="1114066" y="6328109"/>
+          <a:ext cx="3975072" cy="247812"/>
+        </p:xfrm>
+        <a:graphic>
+          <a:graphicData uri="http://schemas.openxmlformats.org/drawingml/2006/table">
+            <a:tbl>
+              <a:tblPr firstRow="1" bandRow="1">
+                <a:tableStyleId>{5C22544A-7EE6-4342-B048-85BDC9FD1C3A}</a:tableStyleId>
+              </a:tblPr>
+              <a:tblGrid>
+                <a:gridCol w="248442">
+                  <a:extLst>
+                    <a:ext uri="{9D8B030D-6E8A-4147-A177-3AD203B41FA5}">
+                      <a16:colId xmlns:a16="http://schemas.microsoft.com/office/drawing/2014/main" val="2590193884"/>
+                    </a:ext>
+                  </a:extLst>
+                </a:gridCol>
+                <a:gridCol w="248442">
+                  <a:extLst>
+                    <a:ext uri="{9D8B030D-6E8A-4147-A177-3AD203B41FA5}">
+                      <a16:colId xmlns:a16="http://schemas.microsoft.com/office/drawing/2014/main" val="4236785171"/>
+                    </a:ext>
+                  </a:extLst>
+                </a:gridCol>
+                <a:gridCol w="248442">
+                  <a:extLst>
+                    <a:ext uri="{9D8B030D-6E8A-4147-A177-3AD203B41FA5}">
+                      <a16:colId xmlns:a16="http://schemas.microsoft.com/office/drawing/2014/main" val="2393414214"/>
+                    </a:ext>
+                  </a:extLst>
+                </a:gridCol>
+                <a:gridCol w="248442">
+                  <a:extLst>
+                    <a:ext uri="{9D8B030D-6E8A-4147-A177-3AD203B41FA5}">
+                      <a16:colId xmlns:a16="http://schemas.microsoft.com/office/drawing/2014/main" val="4101219277"/>
+                    </a:ext>
+                  </a:extLst>
+                </a:gridCol>
+                <a:gridCol w="248442">
+                  <a:extLst>
+                    <a:ext uri="{9D8B030D-6E8A-4147-A177-3AD203B41FA5}">
+                      <a16:colId xmlns:a16="http://schemas.microsoft.com/office/drawing/2014/main" val="2547806980"/>
+                    </a:ext>
+                  </a:extLst>
+                </a:gridCol>
+                <a:gridCol w="248442">
+                  <a:extLst>
+                    <a:ext uri="{9D8B030D-6E8A-4147-A177-3AD203B41FA5}">
+                      <a16:colId xmlns:a16="http://schemas.microsoft.com/office/drawing/2014/main" val="3320730676"/>
+                    </a:ext>
+                  </a:extLst>
+                </a:gridCol>
+                <a:gridCol w="248442">
+                  <a:extLst>
+                    <a:ext uri="{9D8B030D-6E8A-4147-A177-3AD203B41FA5}">
+                      <a16:colId xmlns:a16="http://schemas.microsoft.com/office/drawing/2014/main" val="190447142"/>
+                    </a:ext>
+                  </a:extLst>
+                </a:gridCol>
+                <a:gridCol w="248442">
+                  <a:extLst>
+                    <a:ext uri="{9D8B030D-6E8A-4147-A177-3AD203B41FA5}">
+                      <a16:colId xmlns:a16="http://schemas.microsoft.com/office/drawing/2014/main" val="3885206293"/>
+                    </a:ext>
+                  </a:extLst>
+                </a:gridCol>
+                <a:gridCol w="248442">
+                  <a:extLst>
+                    <a:ext uri="{9D8B030D-6E8A-4147-A177-3AD203B41FA5}">
+                      <a16:colId xmlns:a16="http://schemas.microsoft.com/office/drawing/2014/main" val="1915350709"/>
+                    </a:ext>
+                  </a:extLst>
+                </a:gridCol>
+                <a:gridCol w="248442">
+                  <a:extLst>
+                    <a:ext uri="{9D8B030D-6E8A-4147-A177-3AD203B41FA5}">
+                      <a16:colId xmlns:a16="http://schemas.microsoft.com/office/drawing/2014/main" val="388499111"/>
+                    </a:ext>
+                  </a:extLst>
+                </a:gridCol>
+                <a:gridCol w="248442">
+                  <a:extLst>
+                    <a:ext uri="{9D8B030D-6E8A-4147-A177-3AD203B41FA5}">
+                      <a16:colId xmlns:a16="http://schemas.microsoft.com/office/drawing/2014/main" val="2256177202"/>
+                    </a:ext>
+                  </a:extLst>
+                </a:gridCol>
+                <a:gridCol w="248442">
+                  <a:extLst>
+                    <a:ext uri="{9D8B030D-6E8A-4147-A177-3AD203B41FA5}">
+                      <a16:colId xmlns:a16="http://schemas.microsoft.com/office/drawing/2014/main" val="1831062878"/>
+                    </a:ext>
+                  </a:extLst>
+                </a:gridCol>
+                <a:gridCol w="248442">
+                  <a:extLst>
+                    <a:ext uri="{9D8B030D-6E8A-4147-A177-3AD203B41FA5}">
+                      <a16:colId xmlns:a16="http://schemas.microsoft.com/office/drawing/2014/main" val="3598981215"/>
+                    </a:ext>
+                  </a:extLst>
+                </a:gridCol>
+                <a:gridCol w="248442">
+                  <a:extLst>
+                    <a:ext uri="{9D8B030D-6E8A-4147-A177-3AD203B41FA5}">
+                      <a16:colId xmlns:a16="http://schemas.microsoft.com/office/drawing/2014/main" val="278214951"/>
+                    </a:ext>
+                  </a:extLst>
+                </a:gridCol>
+                <a:gridCol w="248442">
+                  <a:extLst>
+                    <a:ext uri="{9D8B030D-6E8A-4147-A177-3AD203B41FA5}">
+                      <a16:colId xmlns:a16="http://schemas.microsoft.com/office/drawing/2014/main" val="1369092313"/>
+                    </a:ext>
+                  </a:extLst>
+                </a:gridCol>
+                <a:gridCol w="248442">
+                  <a:extLst>
+                    <a:ext uri="{9D8B030D-6E8A-4147-A177-3AD203B41FA5}">
+                      <a16:colId xmlns:a16="http://schemas.microsoft.com/office/drawing/2014/main" val="143899768"/>
+                    </a:ext>
+                  </a:extLst>
+                </a:gridCol>
+              </a:tblGrid>
+              <a:tr h="247812">
+                <a:tc>
+                  <a:txBody>
+                    <a:bodyPr/>
+                    <a:lstStyle/>
+                    <a:p>
+                      <a:pPr algn="ctr"/>
+                      <a:r>
+                        <a:rPr lang="de-DE" sz="1200" dirty="0">
+                          <a:solidFill>
+                            <a:schemeClr val="bg1">
+                              <a:lumMod val="50000"/>
+                            </a:schemeClr>
+                          </a:solidFill>
+                        </a:rPr>
+                        <a:t>1</a:t>
+                      </a:r>
+                    </a:p>
+                  </a:txBody>
+                  <a:tcPr marL="0" marR="0" marT="0" marB="0" anchor="ctr">
+                    <a:lnL w="12700" cap="flat" cmpd="sng" algn="ctr">
+                      <a:solidFill>
+                        <a:schemeClr val="tx1"/>
+                      </a:solidFill>
+                      <a:prstDash val="solid"/>
+                      <a:round/>
+                      <a:headEnd type="none" w="med" len="med"/>
+                      <a:tailEnd type="none" w="med" len="med"/>
+                    </a:lnL>
+                    <a:lnR w="12700" cap="flat" cmpd="sng" algn="ctr">
+                      <a:solidFill>
+                        <a:schemeClr val="tx1"/>
+                      </a:solidFill>
+                      <a:prstDash val="solid"/>
+                      <a:round/>
+                      <a:headEnd type="none" w="med" len="med"/>
+                      <a:tailEnd type="none" w="med" len="med"/>
+                    </a:lnR>
+                    <a:lnT w="12700" cap="flat" cmpd="sng" algn="ctr">
+                      <a:solidFill>
+                        <a:schemeClr val="tx1"/>
+                      </a:solidFill>
+                      <a:prstDash val="solid"/>
+                      <a:round/>
+                      <a:headEnd type="none" w="med" len="med"/>
+                      <a:tailEnd type="none" w="med" len="med"/>
+                    </a:lnT>
+                    <a:lnB w="12700" cap="flat" cmpd="sng" algn="ctr">
+                      <a:solidFill>
+                        <a:schemeClr val="tx1"/>
+                      </a:solidFill>
+                      <a:prstDash val="solid"/>
+                      <a:round/>
+                      <a:headEnd type="none" w="med" len="med"/>
+                      <a:tailEnd type="none" w="med" len="med"/>
+                    </a:lnB>
+                    <a:lnTlToBr w="12700" cmpd="sng">
+                      <a:noFill/>
+                      <a:prstDash val="solid"/>
+                    </a:lnTlToBr>
+                    <a:lnBlToTr w="12700" cmpd="sng">
+                      <a:noFill/>
+                      <a:prstDash val="solid"/>
+                    </a:lnBlToTr>
+                    <a:noFill/>
+                  </a:tcPr>
+                </a:tc>
+                <a:tc>
+                  <a:txBody>
+                    <a:bodyPr/>
+                    <a:lstStyle/>
+                    <a:p>
+                      <a:pPr algn="ctr"/>
+                      <a:r>
+                        <a:rPr lang="de-DE" sz="1200" dirty="0">
+                          <a:solidFill>
+                            <a:schemeClr val="tx1"/>
+                          </a:solidFill>
+                        </a:rPr>
+                        <a:t>2</a:t>
+                      </a:r>
+                    </a:p>
+                  </a:txBody>
+                  <a:tcPr marL="0" marR="0" marT="0" marB="0" anchor="ctr">
+                    <a:lnL w="12700" cap="flat" cmpd="sng" algn="ctr">
+                      <a:solidFill>
+                        <a:schemeClr val="tx1"/>
+                      </a:solidFill>
+                      <a:prstDash val="solid"/>
+                      <a:round/>
+                      <a:headEnd type="none" w="med" len="med"/>
+                      <a:tailEnd type="none" w="med" len="med"/>
+                    </a:lnL>
+                    <a:lnR w="12700" cap="flat" cmpd="sng" algn="ctr">
+                      <a:solidFill>
+                        <a:schemeClr val="tx1"/>
+                      </a:solidFill>
+                      <a:prstDash val="solid"/>
+                      <a:round/>
+                      <a:headEnd type="none" w="med" len="med"/>
+                      <a:tailEnd type="none" w="med" len="med"/>
+                    </a:lnR>
+                    <a:lnT w="12700" cap="flat" cmpd="sng" algn="ctr">
+                      <a:solidFill>
+                        <a:schemeClr val="tx1"/>
+                      </a:solidFill>
+                      <a:prstDash val="solid"/>
+                      <a:round/>
+                      <a:headEnd type="none" w="med" len="med"/>
+                      <a:tailEnd type="none" w="med" len="med"/>
+                    </a:lnT>
+                    <a:lnB w="12700" cap="flat" cmpd="sng" algn="ctr">
+                      <a:solidFill>
+                        <a:schemeClr val="tx1"/>
+                      </a:solidFill>
+                      <a:prstDash val="solid"/>
+                      <a:round/>
+                      <a:headEnd type="none" w="med" len="med"/>
+                      <a:tailEnd type="none" w="med" len="med"/>
+                    </a:lnB>
+                    <a:lnTlToBr w="12700" cmpd="sng">
+                      <a:noFill/>
+                      <a:prstDash val="solid"/>
+                    </a:lnTlToBr>
+                    <a:lnBlToTr w="12700" cmpd="sng">
+                      <a:noFill/>
+                      <a:prstDash val="solid"/>
+                    </a:lnBlToTr>
+                    <a:noFill/>
+                  </a:tcPr>
+                </a:tc>
+                <a:tc>
+                  <a:txBody>
+                    <a:bodyPr/>
+                    <a:lstStyle/>
+                    <a:p>
+                      <a:pPr algn="ctr"/>
+                      <a:r>
+                        <a:rPr lang="de-DE" sz="1200" dirty="0">
+                          <a:solidFill>
+                            <a:srgbClr val="00B050"/>
+                          </a:solidFill>
+                        </a:rPr>
+                        <a:t>3</a:t>
+                      </a:r>
+                    </a:p>
+                  </a:txBody>
+                  <a:tcPr marL="0" marR="0" marT="0" marB="0" anchor="ctr">
+                    <a:lnL w="12700" cap="flat" cmpd="sng" algn="ctr">
+                      <a:solidFill>
+                        <a:schemeClr val="tx1"/>
+                      </a:solidFill>
+                      <a:prstDash val="solid"/>
+                      <a:round/>
+                      <a:headEnd type="none" w="med" len="med"/>
+                      <a:tailEnd type="none" w="med" len="med"/>
+                    </a:lnL>
+                    <a:lnR w="12700" cap="flat" cmpd="sng" algn="ctr">
+                      <a:solidFill>
+                        <a:schemeClr val="tx1"/>
+                      </a:solidFill>
+                      <a:prstDash val="solid"/>
+                      <a:round/>
+                      <a:headEnd type="none" w="med" len="med"/>
+                      <a:tailEnd type="none" w="med" len="med"/>
+                    </a:lnR>
+                    <a:lnT w="12700" cap="flat" cmpd="sng" algn="ctr">
+                      <a:solidFill>
+                        <a:schemeClr val="tx1"/>
+                      </a:solidFill>
+                      <a:prstDash val="solid"/>
+                      <a:round/>
+                      <a:headEnd type="none" w="med" len="med"/>
+                      <a:tailEnd type="none" w="med" len="med"/>
+                    </a:lnT>
+                    <a:lnB w="12700" cap="flat" cmpd="sng" algn="ctr">
+                      <a:solidFill>
+                        <a:schemeClr val="tx1"/>
+                      </a:solidFill>
+                      <a:prstDash val="solid"/>
+                      <a:round/>
+                      <a:headEnd type="none" w="med" len="med"/>
+                      <a:tailEnd type="none" w="med" len="med"/>
+                    </a:lnB>
+                    <a:lnTlToBr w="12700" cmpd="sng">
+                      <a:noFill/>
+                      <a:prstDash val="solid"/>
+                    </a:lnTlToBr>
+                    <a:lnBlToTr w="12700" cmpd="sng">
+                      <a:noFill/>
+                      <a:prstDash val="solid"/>
+                    </a:lnBlToTr>
+                    <a:noFill/>
+                  </a:tcPr>
+                </a:tc>
+                <a:tc>
+                  <a:txBody>
+                    <a:bodyPr/>
+                    <a:lstStyle/>
+                    <a:p>
+                      <a:pPr algn="ctr"/>
+                      <a:r>
+                        <a:rPr lang="de-DE" sz="1200" dirty="0">
+                          <a:solidFill>
+                            <a:srgbClr val="0000FF"/>
+                          </a:solidFill>
+                        </a:rPr>
+                        <a:t>4</a:t>
+                      </a:r>
+                    </a:p>
+                  </a:txBody>
+                  <a:tcPr marL="0" marR="0" marT="0" marB="0" anchor="ctr">
+                    <a:lnL w="12700" cap="flat" cmpd="sng" algn="ctr">
+                      <a:solidFill>
+                        <a:schemeClr val="tx1"/>
+                      </a:solidFill>
+                      <a:prstDash val="solid"/>
+                      <a:round/>
+                      <a:headEnd type="none" w="med" len="med"/>
+                      <a:tailEnd type="none" w="med" len="med"/>
+                    </a:lnL>
+                    <a:lnR w="12700" cap="flat" cmpd="sng" algn="ctr">
+                      <a:solidFill>
+                        <a:schemeClr val="tx1"/>
+                      </a:solidFill>
+                      <a:prstDash val="solid"/>
+                      <a:round/>
+                      <a:headEnd type="none" w="med" len="med"/>
+                      <a:tailEnd type="none" w="med" len="med"/>
+                    </a:lnR>
+                    <a:lnT w="12700" cap="flat" cmpd="sng" algn="ctr">
+                      <a:solidFill>
+                        <a:schemeClr val="tx1"/>
+                      </a:solidFill>
+                      <a:prstDash val="solid"/>
+                      <a:round/>
+                      <a:headEnd type="none" w="med" len="med"/>
+                      <a:tailEnd type="none" w="med" len="med"/>
+                    </a:lnT>
+                    <a:lnB w="12700" cap="flat" cmpd="sng" algn="ctr">
+                      <a:solidFill>
+                        <a:schemeClr val="tx1"/>
+                      </a:solidFill>
+                      <a:prstDash val="solid"/>
+                      <a:round/>
+                      <a:headEnd type="none" w="med" len="med"/>
+                      <a:tailEnd type="none" w="med" len="med"/>
+                    </a:lnB>
+                    <a:lnTlToBr w="12700" cmpd="sng">
+                      <a:noFill/>
+                      <a:prstDash val="solid"/>
+                    </a:lnTlToBr>
+                    <a:lnBlToTr w="12700" cmpd="sng">
+                      <a:noFill/>
+                      <a:prstDash val="solid"/>
+                    </a:lnBlToTr>
+                    <a:noFill/>
+                  </a:tcPr>
+                </a:tc>
+                <a:tc>
+                  <a:txBody>
+                    <a:bodyPr/>
+                    <a:lstStyle/>
+                    <a:p>
+                      <a:pPr algn="ctr"/>
+                      <a:r>
+                        <a:rPr lang="de-DE" sz="1200" dirty="0">
+                          <a:solidFill>
+                            <a:srgbClr val="00B0F0"/>
+                          </a:solidFill>
+                        </a:rPr>
+                        <a:t>5</a:t>
+                      </a:r>
+                    </a:p>
+                  </a:txBody>
+                  <a:tcPr marL="0" marR="0" marT="0" marB="0" anchor="ctr">
+                    <a:lnL w="12700" cap="flat" cmpd="sng" algn="ctr">
+                      <a:solidFill>
+                        <a:schemeClr val="tx1"/>
+                      </a:solidFill>
+                      <a:prstDash val="solid"/>
+                      <a:round/>
+                      <a:headEnd type="none" w="med" len="med"/>
+                      <a:tailEnd type="none" w="med" len="med"/>
+                    </a:lnL>
+                    <a:lnR w="12700" cap="flat" cmpd="sng" algn="ctr">
+                      <a:solidFill>
+                        <a:schemeClr val="tx1"/>
+                      </a:solidFill>
+                      <a:prstDash val="solid"/>
+                      <a:round/>
+                      <a:headEnd type="none" w="med" len="med"/>
+                      <a:tailEnd type="none" w="med" len="med"/>
+                    </a:lnR>
+                    <a:lnT w="12700" cap="flat" cmpd="sng" algn="ctr">
+                      <a:solidFill>
+                        <a:schemeClr val="tx1"/>
+                      </a:solidFill>
+                      <a:prstDash val="solid"/>
+                      <a:round/>
+                      <a:headEnd type="none" w="med" len="med"/>
+                      <a:tailEnd type="none" w="med" len="med"/>
+                    </a:lnT>
+                    <a:lnB w="12700" cap="flat" cmpd="sng" algn="ctr">
+                      <a:solidFill>
+                        <a:schemeClr val="tx1"/>
+                      </a:solidFill>
+                      <a:prstDash val="solid"/>
+                      <a:round/>
+                      <a:headEnd type="none" w="med" len="med"/>
+                      <a:tailEnd type="none" w="med" len="med"/>
+                    </a:lnB>
+                    <a:lnTlToBr w="12700" cmpd="sng">
+                      <a:noFill/>
+                      <a:prstDash val="solid"/>
+                    </a:lnTlToBr>
+                    <a:lnBlToTr w="12700" cmpd="sng">
+                      <a:noFill/>
+                      <a:prstDash val="solid"/>
+                    </a:lnBlToTr>
+                    <a:noFill/>
+                  </a:tcPr>
+                </a:tc>
+                <a:tc>
+                  <a:txBody>
+                    <a:bodyPr/>
+                    <a:lstStyle/>
+                    <a:p>
+                      <a:pPr algn="ctr"/>
+                      <a:r>
+                        <a:rPr lang="de-DE" sz="1200" dirty="0">
+                          <a:solidFill>
+                            <a:srgbClr val="00B0F0"/>
+                          </a:solidFill>
+                        </a:rPr>
+                        <a:t>6</a:t>
+                      </a:r>
+                    </a:p>
+                  </a:txBody>
+                  <a:tcPr marL="0" marR="0" marT="0" marB="0" anchor="ctr">
+                    <a:lnL w="12700" cap="flat" cmpd="sng" algn="ctr">
+                      <a:solidFill>
+                        <a:schemeClr val="tx1"/>
+                      </a:solidFill>
+                      <a:prstDash val="solid"/>
+                      <a:round/>
+                      <a:headEnd type="none" w="med" len="med"/>
+                      <a:tailEnd type="none" w="med" len="med"/>
+                    </a:lnL>
+                    <a:lnR w="12700" cap="flat" cmpd="sng" algn="ctr">
+                      <a:solidFill>
+                        <a:schemeClr val="tx1"/>
+                      </a:solidFill>
+                      <a:prstDash val="solid"/>
+                      <a:round/>
+                      <a:headEnd type="none" w="med" len="med"/>
+                      <a:tailEnd type="none" w="med" len="med"/>
+                    </a:lnR>
+                    <a:lnT w="12700" cap="flat" cmpd="sng" algn="ctr">
+                      <a:solidFill>
+                        <a:schemeClr val="tx1"/>
+                      </a:solidFill>
+                      <a:prstDash val="solid"/>
+                      <a:round/>
+                      <a:headEnd type="none" w="med" len="med"/>
+                      <a:tailEnd type="none" w="med" len="med"/>
+                    </a:lnT>
+                    <a:lnB w="12700" cap="flat" cmpd="sng" algn="ctr">
+                      <a:solidFill>
+                        <a:schemeClr val="tx1"/>
+                      </a:solidFill>
+                      <a:prstDash val="solid"/>
+                      <a:round/>
+                      <a:headEnd type="none" w="med" len="med"/>
+                      <a:tailEnd type="none" w="med" len="med"/>
+                    </a:lnB>
+                    <a:lnTlToBr w="12700" cmpd="sng">
+                      <a:noFill/>
+                      <a:prstDash val="solid"/>
+                    </a:lnTlToBr>
+                    <a:lnBlToTr w="12700" cmpd="sng">
+                      <a:noFill/>
+                      <a:prstDash val="solid"/>
+                    </a:lnBlToTr>
+                    <a:noFill/>
+                  </a:tcPr>
+                </a:tc>
+                <a:tc>
+                  <a:txBody>
+                    <a:bodyPr/>
+                    <a:lstStyle/>
+                    <a:p>
+                      <a:pPr algn="ctr"/>
+                      <a:r>
+                        <a:rPr lang="de-DE" sz="1200" dirty="0">
+                          <a:solidFill>
+                            <a:srgbClr val="00B0F0"/>
+                          </a:solidFill>
+                        </a:rPr>
+                        <a:t>7</a:t>
+                      </a:r>
+                    </a:p>
+                  </a:txBody>
+                  <a:tcPr marL="0" marR="0" marT="0" marB="0" anchor="ctr">
+                    <a:lnL w="12700" cap="flat" cmpd="sng" algn="ctr">
+                      <a:solidFill>
+                        <a:schemeClr val="tx1"/>
+                      </a:solidFill>
+                      <a:prstDash val="solid"/>
+                      <a:round/>
+                      <a:headEnd type="none" w="med" len="med"/>
+                      <a:tailEnd type="none" w="med" len="med"/>
+                    </a:lnL>
+                    <a:lnR w="12700" cap="flat" cmpd="sng" algn="ctr">
+                      <a:solidFill>
+                        <a:schemeClr val="tx1"/>
+                      </a:solidFill>
+                      <a:prstDash val="solid"/>
+                      <a:round/>
+                      <a:headEnd type="none" w="med" len="med"/>
+                      <a:tailEnd type="none" w="med" len="med"/>
+                    </a:lnR>
+                    <a:lnT w="12700" cap="flat" cmpd="sng" algn="ctr">
+                      <a:solidFill>
+                        <a:schemeClr val="tx1"/>
+                      </a:solidFill>
+                      <a:prstDash val="solid"/>
+                      <a:round/>
+                      <a:headEnd type="none" w="med" len="med"/>
+                      <a:tailEnd type="none" w="med" len="med"/>
+                    </a:lnT>
+                    <a:lnB w="12700" cap="flat" cmpd="sng" algn="ctr">
+                      <a:solidFill>
+                        <a:schemeClr val="tx1"/>
+                      </a:solidFill>
+                      <a:prstDash val="solid"/>
+                      <a:round/>
+                      <a:headEnd type="none" w="med" len="med"/>
+                      <a:tailEnd type="none" w="med" len="med"/>
+                    </a:lnB>
+                    <a:lnTlToBr w="12700" cmpd="sng">
+                      <a:noFill/>
+                      <a:prstDash val="solid"/>
+                    </a:lnTlToBr>
+                    <a:lnBlToTr w="12700" cmpd="sng">
+                      <a:noFill/>
+                      <a:prstDash val="solid"/>
+                    </a:lnBlToTr>
+                    <a:noFill/>
+                  </a:tcPr>
+                </a:tc>
+                <a:tc>
+                  <a:txBody>
+                    <a:bodyPr/>
+                    <a:lstStyle/>
+                    <a:p>
+                      <a:pPr algn="ctr"/>
+                      <a:r>
+                        <a:rPr lang="de-DE" sz="1200" dirty="0">
+                          <a:solidFill>
+                            <a:srgbClr val="00B050"/>
+                          </a:solidFill>
+                        </a:rPr>
+                        <a:t>8</a:t>
+                      </a:r>
+                    </a:p>
+                  </a:txBody>
+                  <a:tcPr marL="0" marR="0" marT="0" marB="0" anchor="ctr">
+                    <a:lnL w="12700" cap="flat" cmpd="sng" algn="ctr">
+                      <a:solidFill>
+                        <a:schemeClr val="tx1"/>
+                      </a:solidFill>
+                      <a:prstDash val="solid"/>
+                      <a:round/>
+                      <a:headEnd type="none" w="med" len="med"/>
+                      <a:tailEnd type="none" w="med" len="med"/>
+                    </a:lnL>
+                    <a:lnR w="12700" cap="flat" cmpd="sng" algn="ctr">
+                      <a:solidFill>
+                        <a:schemeClr val="tx1"/>
+                      </a:solidFill>
+                      <a:prstDash val="solid"/>
+                      <a:round/>
+                      <a:headEnd type="none" w="med" len="med"/>
+                      <a:tailEnd type="none" w="med" len="med"/>
+                    </a:lnR>
+                    <a:lnT w="12700" cap="flat" cmpd="sng" algn="ctr">
+                      <a:solidFill>
+                        <a:schemeClr val="tx1"/>
+                      </a:solidFill>
+                      <a:prstDash val="solid"/>
+                      <a:round/>
+                      <a:headEnd type="none" w="med" len="med"/>
+                      <a:tailEnd type="none" w="med" len="med"/>
+                    </a:lnT>
+                    <a:lnB w="12700" cap="flat" cmpd="sng" algn="ctr">
+                      <a:solidFill>
+                        <a:schemeClr val="tx1"/>
+                      </a:solidFill>
+                      <a:prstDash val="solid"/>
+                      <a:round/>
+                      <a:headEnd type="none" w="med" len="med"/>
+                      <a:tailEnd type="none" w="med" len="med"/>
+                    </a:lnB>
+                    <a:lnTlToBr w="12700" cmpd="sng">
+                      <a:noFill/>
+                      <a:prstDash val="solid"/>
+                    </a:lnTlToBr>
+                    <a:lnBlToTr w="12700" cmpd="sng">
+                      <a:noFill/>
+                      <a:prstDash val="solid"/>
+                    </a:lnBlToTr>
+                    <a:noFill/>
+                  </a:tcPr>
+                </a:tc>
+                <a:tc>
+                  <a:txBody>
+                    <a:bodyPr/>
+                    <a:lstStyle/>
+                    <a:p>
+                      <a:pPr algn="ctr"/>
+                      <a:r>
+                        <a:rPr lang="de-DE" sz="1200" dirty="0">
+                          <a:solidFill>
+                            <a:srgbClr val="0000FF"/>
+                          </a:solidFill>
+                        </a:rPr>
+                        <a:t>9</a:t>
+                      </a:r>
+                    </a:p>
+                  </a:txBody>
+                  <a:tcPr marL="0" marR="0" marT="0" marB="0" anchor="ctr">
+                    <a:lnL w="12700" cap="flat" cmpd="sng" algn="ctr">
+                      <a:solidFill>
+                        <a:schemeClr val="tx1"/>
+                      </a:solidFill>
+                      <a:prstDash val="solid"/>
+                      <a:round/>
+                      <a:headEnd type="none" w="med" len="med"/>
+                      <a:tailEnd type="none" w="med" len="med"/>
+                    </a:lnL>
+                    <a:lnR w="12700" cap="flat" cmpd="sng" algn="ctr">
+                      <a:solidFill>
+                        <a:schemeClr val="tx1"/>
+                      </a:solidFill>
+                      <a:prstDash val="solid"/>
+                      <a:round/>
+                      <a:headEnd type="none" w="med" len="med"/>
+                      <a:tailEnd type="none" w="med" len="med"/>
+                    </a:lnR>
+                    <a:lnT w="12700" cap="flat" cmpd="sng" algn="ctr">
+                      <a:solidFill>
+                        <a:schemeClr val="tx1"/>
+                      </a:solidFill>
+                      <a:prstDash val="solid"/>
+                      <a:round/>
+                      <a:headEnd type="none" w="med" len="med"/>
+                      <a:tailEnd type="none" w="med" len="med"/>
+                    </a:lnT>
+                    <a:lnB w="12700" cap="flat" cmpd="sng" algn="ctr">
+                      <a:solidFill>
+                        <a:schemeClr val="tx1"/>
+                      </a:solidFill>
+                      <a:prstDash val="solid"/>
+                      <a:round/>
+                      <a:headEnd type="none" w="med" len="med"/>
+                      <a:tailEnd type="none" w="med" len="med"/>
+                    </a:lnB>
+                    <a:lnTlToBr w="12700" cmpd="sng">
+                      <a:noFill/>
+                      <a:prstDash val="solid"/>
+                    </a:lnTlToBr>
+                    <a:lnBlToTr w="12700" cmpd="sng">
+                      <a:noFill/>
+                      <a:prstDash val="solid"/>
+                    </a:lnBlToTr>
+                    <a:noFill/>
+                  </a:tcPr>
+                </a:tc>
+                <a:tc>
+                  <a:txBody>
+                    <a:bodyPr/>
+                    <a:lstStyle/>
+                    <a:p>
+                      <a:pPr algn="ctr"/>
+                      <a:r>
+                        <a:rPr lang="de-DE" sz="1200" dirty="0">
+                          <a:solidFill>
+                            <a:srgbClr val="00B0F0"/>
+                          </a:solidFill>
+                        </a:rPr>
+                        <a:t>10</a:t>
+                      </a:r>
+                    </a:p>
+                  </a:txBody>
+                  <a:tcPr marL="0" marR="0" marT="0" marB="0" anchor="ctr">
+                    <a:lnL w="12700" cap="flat" cmpd="sng" algn="ctr">
+                      <a:solidFill>
+                        <a:schemeClr val="tx1"/>
+                      </a:solidFill>
+                      <a:prstDash val="solid"/>
+                      <a:round/>
+                      <a:headEnd type="none" w="med" len="med"/>
+                      <a:tailEnd type="none" w="med" len="med"/>
+                    </a:lnL>
+                    <a:lnR w="12700" cap="flat" cmpd="sng" algn="ctr">
+                      <a:solidFill>
+                        <a:schemeClr val="tx1"/>
+                      </a:solidFill>
+                      <a:prstDash val="solid"/>
+                      <a:round/>
+                      <a:headEnd type="none" w="med" len="med"/>
+                      <a:tailEnd type="none" w="med" len="med"/>
+                    </a:lnR>
+                    <a:lnT w="12700" cap="flat" cmpd="sng" algn="ctr">
+                      <a:solidFill>
+                        <a:schemeClr val="tx1"/>
+                      </a:solidFill>
+                      <a:prstDash val="solid"/>
+                      <a:round/>
+                      <a:headEnd type="none" w="med" len="med"/>
+                      <a:tailEnd type="none" w="med" len="med"/>
+                    </a:lnT>
+                    <a:lnB w="12700" cap="flat" cmpd="sng" algn="ctr">
+                      <a:solidFill>
+                        <a:schemeClr val="tx1"/>
+                      </a:solidFill>
+                      <a:prstDash val="solid"/>
+                      <a:round/>
+                      <a:headEnd type="none" w="med" len="med"/>
+                      <a:tailEnd type="none" w="med" len="med"/>
+                    </a:lnB>
+                    <a:lnTlToBr w="12700" cmpd="sng">
+                      <a:noFill/>
+                      <a:prstDash val="solid"/>
+                    </a:lnTlToBr>
+                    <a:lnBlToTr w="12700" cmpd="sng">
+                      <a:noFill/>
+                      <a:prstDash val="solid"/>
+                    </a:lnBlToTr>
+                    <a:noFill/>
+                  </a:tcPr>
+                </a:tc>
+                <a:tc>
+                  <a:txBody>
+                    <a:bodyPr/>
+                    <a:lstStyle/>
+                    <a:p>
+                      <a:pPr algn="ctr"/>
+                      <a:r>
+                        <a:rPr lang="de-DE" sz="1200" dirty="0">
+                          <a:solidFill>
+                            <a:srgbClr val="00B0F0"/>
+                          </a:solidFill>
+                        </a:rPr>
+                        <a:t>11</a:t>
+                      </a:r>
+                    </a:p>
+                  </a:txBody>
+                  <a:tcPr marL="0" marR="0" marT="0" marB="0" anchor="ctr">
+                    <a:lnL w="12700" cap="flat" cmpd="sng" algn="ctr">
+                      <a:solidFill>
+                        <a:schemeClr val="tx1"/>
+                      </a:solidFill>
+                      <a:prstDash val="solid"/>
+                      <a:round/>
+                      <a:headEnd type="none" w="med" len="med"/>
+                      <a:tailEnd type="none" w="med" len="med"/>
+                    </a:lnL>
+                    <a:lnR w="12700" cap="flat" cmpd="sng" algn="ctr">
+                      <a:solidFill>
+                        <a:schemeClr val="tx1"/>
+                      </a:solidFill>
+                      <a:prstDash val="solid"/>
+                      <a:round/>
+                      <a:headEnd type="none" w="med" len="med"/>
+                      <a:tailEnd type="none" w="med" len="med"/>
+                    </a:lnR>
+                    <a:lnT w="12700" cap="flat" cmpd="sng" algn="ctr">
+                      <a:solidFill>
+                        <a:schemeClr val="tx1"/>
+                      </a:solidFill>
+                      <a:prstDash val="solid"/>
+                      <a:round/>
+                      <a:headEnd type="none" w="med" len="med"/>
+                      <a:tailEnd type="none" w="med" len="med"/>
+                    </a:lnT>
+                    <a:lnB w="12700" cap="flat" cmpd="sng" algn="ctr">
+                      <a:solidFill>
+                        <a:schemeClr val="tx1"/>
+                      </a:solidFill>
+                      <a:prstDash val="solid"/>
+                      <a:round/>
+                      <a:headEnd type="none" w="med" len="med"/>
+                      <a:tailEnd type="none" w="med" len="med"/>
+                    </a:lnB>
+                    <a:lnTlToBr w="12700" cmpd="sng">
+                      <a:noFill/>
+                      <a:prstDash val="solid"/>
+                    </a:lnTlToBr>
+                    <a:lnBlToTr w="12700" cmpd="sng">
+                      <a:noFill/>
+                      <a:prstDash val="solid"/>
+                    </a:lnBlToTr>
+                    <a:noFill/>
+                  </a:tcPr>
+                </a:tc>
+                <a:tc>
+                  <a:txBody>
+                    <a:bodyPr/>
+                    <a:lstStyle/>
+                    <a:p>
+                      <a:pPr algn="ctr"/>
+                      <a:r>
+                        <a:rPr lang="de-DE" sz="1200" dirty="0">
+                          <a:solidFill>
+                            <a:srgbClr val="00B0F0"/>
+                          </a:solidFill>
+                        </a:rPr>
+                        <a:t>12</a:t>
+                      </a:r>
+                    </a:p>
+                  </a:txBody>
+                  <a:tcPr marL="0" marR="0" marT="0" marB="0" anchor="ctr">
+                    <a:lnL w="12700" cap="flat" cmpd="sng" algn="ctr">
+                      <a:solidFill>
+                        <a:schemeClr val="tx1"/>
+                      </a:solidFill>
+                      <a:prstDash val="solid"/>
+                      <a:round/>
+                      <a:headEnd type="none" w="med" len="med"/>
+                      <a:tailEnd type="none" w="med" len="med"/>
+                    </a:lnL>
+                    <a:lnR w="12700" cap="flat" cmpd="sng" algn="ctr">
+                      <a:solidFill>
+                        <a:schemeClr val="tx1"/>
+                      </a:solidFill>
+                      <a:prstDash val="solid"/>
+                      <a:round/>
+                      <a:headEnd type="none" w="med" len="med"/>
+                      <a:tailEnd type="none" w="med" len="med"/>
+                    </a:lnR>
+                    <a:lnT w="12700" cap="flat" cmpd="sng" algn="ctr">
+                      <a:solidFill>
+                        <a:schemeClr val="tx1"/>
+                      </a:solidFill>
+                      <a:prstDash val="solid"/>
+                      <a:round/>
+                      <a:headEnd type="none" w="med" len="med"/>
+                      <a:tailEnd type="none" w="med" len="med"/>
+                    </a:lnT>
+                    <a:lnB w="12700" cap="flat" cmpd="sng" algn="ctr">
+                      <a:solidFill>
+                        <a:schemeClr val="tx1"/>
+                      </a:solidFill>
+                      <a:prstDash val="solid"/>
+                      <a:round/>
+                      <a:headEnd type="none" w="med" len="med"/>
+                      <a:tailEnd type="none" w="med" len="med"/>
+                    </a:lnB>
+                    <a:lnTlToBr w="12700" cmpd="sng">
+                      <a:noFill/>
+                      <a:prstDash val="solid"/>
+                    </a:lnTlToBr>
+                    <a:lnBlToTr w="12700" cmpd="sng">
+                      <a:noFill/>
+                      <a:prstDash val="solid"/>
+                    </a:lnBlToTr>
+                    <a:noFill/>
+                  </a:tcPr>
+                </a:tc>
+                <a:tc>
+                  <a:txBody>
+                    <a:bodyPr/>
+                    <a:lstStyle/>
+                    <a:p>
+                      <a:pPr algn="ctr"/>
+                      <a:r>
+                        <a:rPr lang="de-DE" sz="1200" dirty="0">
+                          <a:solidFill>
+                            <a:srgbClr val="00B050"/>
+                          </a:solidFill>
+                        </a:rPr>
+                        <a:t>13</a:t>
+                      </a:r>
+                    </a:p>
+                  </a:txBody>
+                  <a:tcPr marL="0" marR="0" marT="0" marB="0" anchor="ctr">
+                    <a:lnL w="12700" cap="flat" cmpd="sng" algn="ctr">
+                      <a:solidFill>
+                        <a:schemeClr val="tx1"/>
+                      </a:solidFill>
+                      <a:prstDash val="solid"/>
+                      <a:round/>
+                      <a:headEnd type="none" w="med" len="med"/>
+                      <a:tailEnd type="none" w="med" len="med"/>
+                    </a:lnL>
+                    <a:lnR w="12700" cap="flat" cmpd="sng" algn="ctr">
+                      <a:solidFill>
+                        <a:schemeClr val="tx1"/>
+                      </a:solidFill>
+                      <a:prstDash val="solid"/>
+                      <a:round/>
+                      <a:headEnd type="none" w="med" len="med"/>
+                      <a:tailEnd type="none" w="med" len="med"/>
+                    </a:lnR>
+                    <a:lnT w="12700" cap="flat" cmpd="sng" algn="ctr">
+                      <a:solidFill>
+                        <a:schemeClr val="tx1"/>
+                      </a:solidFill>
+                      <a:prstDash val="solid"/>
+                      <a:round/>
+                      <a:headEnd type="none" w="med" len="med"/>
+                      <a:tailEnd type="none" w="med" len="med"/>
+                    </a:lnT>
+                    <a:lnB w="12700" cap="flat" cmpd="sng" algn="ctr">
+                      <a:solidFill>
+                        <a:schemeClr val="tx1"/>
+                      </a:solidFill>
+                      <a:prstDash val="solid"/>
+                      <a:round/>
+                      <a:headEnd type="none" w="med" len="med"/>
+                      <a:tailEnd type="none" w="med" len="med"/>
+                    </a:lnB>
+                    <a:lnTlToBr w="12700" cmpd="sng">
+                      <a:noFill/>
+                      <a:prstDash val="solid"/>
+                    </a:lnTlToBr>
+                    <a:lnBlToTr w="12700" cmpd="sng">
+                      <a:noFill/>
+                      <a:prstDash val="solid"/>
+                    </a:lnBlToTr>
+                    <a:noFill/>
+                  </a:tcPr>
+                </a:tc>
+                <a:tc>
+                  <a:txBody>
+                    <a:bodyPr/>
+                    <a:lstStyle/>
+                    <a:p>
+                      <a:pPr algn="ctr"/>
+                      <a:r>
+                        <a:rPr lang="de-DE" sz="1200" dirty="0">
+                          <a:solidFill>
+                            <a:srgbClr val="0000FF"/>
+                          </a:solidFill>
+                        </a:rPr>
+                        <a:t>14</a:t>
+                      </a:r>
+                    </a:p>
+                  </a:txBody>
+                  <a:tcPr marL="0" marR="0" marT="0" marB="0" anchor="ctr">
+                    <a:lnL w="12700" cap="flat" cmpd="sng" algn="ctr">
+                      <a:solidFill>
+                        <a:schemeClr val="tx1"/>
+                      </a:solidFill>
+                      <a:prstDash val="solid"/>
+                      <a:round/>
+                      <a:headEnd type="none" w="med" len="med"/>
+                      <a:tailEnd type="none" w="med" len="med"/>
+                    </a:lnL>
+                    <a:lnR w="12700" cap="flat" cmpd="sng" algn="ctr">
+                      <a:solidFill>
+                        <a:schemeClr val="tx1"/>
+                      </a:solidFill>
+                      <a:prstDash val="solid"/>
+                      <a:round/>
+                      <a:headEnd type="none" w="med" len="med"/>
+                      <a:tailEnd type="none" w="med" len="med"/>
+                    </a:lnR>
+                    <a:lnT w="12700" cap="flat" cmpd="sng" algn="ctr">
+                      <a:solidFill>
+                        <a:schemeClr val="tx1"/>
+                      </a:solidFill>
+                      <a:prstDash val="solid"/>
+                      <a:round/>
+                      <a:headEnd type="none" w="med" len="med"/>
+                      <a:tailEnd type="none" w="med" len="med"/>
+                    </a:lnT>
+                    <a:lnB w="12700" cap="flat" cmpd="sng" algn="ctr">
+                      <a:solidFill>
+                        <a:schemeClr val="tx1"/>
+                      </a:solidFill>
+                      <a:prstDash val="solid"/>
+                      <a:round/>
+                      <a:headEnd type="none" w="med" len="med"/>
+                      <a:tailEnd type="none" w="med" len="med"/>
+                    </a:lnB>
+                    <a:lnTlToBr w="12700" cmpd="sng">
+                      <a:noFill/>
+                      <a:prstDash val="solid"/>
+                    </a:lnTlToBr>
+                    <a:lnBlToTr w="12700" cmpd="sng">
+                      <a:noFill/>
+                      <a:prstDash val="solid"/>
+                    </a:lnBlToTr>
+                    <a:noFill/>
+                  </a:tcPr>
+                </a:tc>
+                <a:tc>
+                  <a:txBody>
+                    <a:bodyPr/>
+                    <a:lstStyle/>
+                    <a:p>
+                      <a:pPr algn="ctr"/>
+                      <a:r>
+                        <a:rPr lang="de-DE" sz="1200" dirty="0">
+                          <a:solidFill>
+                            <a:srgbClr val="00B0F0"/>
+                          </a:solidFill>
+                        </a:rPr>
+                        <a:t>15</a:t>
+                      </a:r>
+                    </a:p>
+                  </a:txBody>
+                  <a:tcPr marL="0" marR="0" marT="0" marB="0" anchor="ctr">
+                    <a:lnL w="12700" cap="flat" cmpd="sng" algn="ctr">
+                      <a:solidFill>
+                        <a:schemeClr val="tx1"/>
+                      </a:solidFill>
+                      <a:prstDash val="solid"/>
+                      <a:round/>
+                      <a:headEnd type="none" w="med" len="med"/>
+                      <a:tailEnd type="none" w="med" len="med"/>
+                    </a:lnL>
+                    <a:lnR w="12700" cap="flat" cmpd="sng" algn="ctr">
+                      <a:solidFill>
+                        <a:schemeClr val="tx1"/>
+                      </a:solidFill>
+                      <a:prstDash val="solid"/>
+                      <a:round/>
+                      <a:headEnd type="none" w="med" len="med"/>
+                      <a:tailEnd type="none" w="med" len="med"/>
+                    </a:lnR>
+                    <a:lnT w="12700" cap="flat" cmpd="sng" algn="ctr">
+                      <a:solidFill>
+                        <a:schemeClr val="tx1"/>
+                      </a:solidFill>
+                      <a:prstDash val="solid"/>
+                      <a:round/>
+                      <a:headEnd type="none" w="med" len="med"/>
+                      <a:tailEnd type="none" w="med" len="med"/>
+                    </a:lnT>
+                    <a:lnB w="12700" cap="flat" cmpd="sng" algn="ctr">
+                      <a:solidFill>
+                        <a:schemeClr val="tx1"/>
+                      </a:solidFill>
+                      <a:prstDash val="solid"/>
+                      <a:round/>
+                      <a:headEnd type="none" w="med" len="med"/>
+                      <a:tailEnd type="none" w="med" len="med"/>
+                    </a:lnB>
+                    <a:lnTlToBr w="12700" cmpd="sng">
+                      <a:noFill/>
+                      <a:prstDash val="solid"/>
+                    </a:lnTlToBr>
+                    <a:lnBlToTr w="12700" cmpd="sng">
+                      <a:noFill/>
+                      <a:prstDash val="solid"/>
+                    </a:lnBlToTr>
+                    <a:noFill/>
+                  </a:tcPr>
+                </a:tc>
+                <a:tc>
+                  <a:txBody>
+                    <a:bodyPr/>
+                    <a:lstStyle/>
+                    <a:p>
+                      <a:pPr algn="ctr"/>
+                      <a:r>
+                        <a:rPr lang="de-DE" sz="1200" dirty="0">
+                          <a:solidFill>
+                            <a:srgbClr val="00B0F0"/>
+                          </a:solidFill>
+                        </a:rPr>
+                        <a:t>16</a:t>
+                      </a:r>
+                    </a:p>
+                  </a:txBody>
+                  <a:tcPr marL="0" marR="0" marT="0" marB="0" anchor="ctr">
+                    <a:lnL w="12700" cap="flat" cmpd="sng" algn="ctr">
+                      <a:solidFill>
+                        <a:schemeClr val="tx1"/>
+                      </a:solidFill>
+                      <a:prstDash val="solid"/>
+                      <a:round/>
+                      <a:headEnd type="none" w="med" len="med"/>
+                      <a:tailEnd type="none" w="med" len="med"/>
+                    </a:lnL>
+                    <a:lnR w="12700" cap="flat" cmpd="sng" algn="ctr">
+                      <a:solidFill>
+                        <a:schemeClr val="tx1"/>
+                      </a:solidFill>
+                      <a:prstDash val="solid"/>
+                      <a:round/>
+                      <a:headEnd type="none" w="med" len="med"/>
+                      <a:tailEnd type="none" w="med" len="med"/>
+                    </a:lnR>
+                    <a:lnT w="12700" cap="flat" cmpd="sng" algn="ctr">
+                      <a:solidFill>
+                        <a:schemeClr val="tx1"/>
+                      </a:solidFill>
+                      <a:prstDash val="solid"/>
+                      <a:round/>
+                      <a:headEnd type="none" w="med" len="med"/>
+                      <a:tailEnd type="none" w="med" len="med"/>
+                    </a:lnT>
+                    <a:lnB w="12700" cap="flat" cmpd="sng" algn="ctr">
+                      <a:solidFill>
+                        <a:schemeClr val="tx1"/>
+                      </a:solidFill>
+                      <a:prstDash val="solid"/>
+                      <a:round/>
+                      <a:headEnd type="none" w="med" len="med"/>
+                      <a:tailEnd type="none" w="med" len="med"/>
+                    </a:lnB>
+                    <a:lnTlToBr w="12700" cmpd="sng">
+                      <a:noFill/>
+                      <a:prstDash val="solid"/>
+                    </a:lnTlToBr>
+                    <a:lnBlToTr w="12700" cmpd="sng">
+                      <a:noFill/>
+                      <a:prstDash val="solid"/>
+                    </a:lnBlToTr>
+                    <a:noFill/>
+                  </a:tcPr>
+                </a:tc>
+                <a:extLst>
+                  <a:ext uri="{0D108BD9-81ED-4DB2-BD59-A6C34878D82A}">
+                    <a16:rowId xmlns:a16="http://schemas.microsoft.com/office/drawing/2014/main" val="2337893598"/>
+                  </a:ext>
+                </a:extLst>
+              </a:tr>
+            </a:tbl>
+          </a:graphicData>
+        </a:graphic>
+      </p:graphicFrame>
+      <p:sp>
+        <p:nvSpPr>
+          <p:cNvPr id="331" name="TextBox 62">
+            <a:extLst>
+              <a:ext uri="{FF2B5EF4-FFF2-40B4-BE49-F238E27FC236}">
+                <a16:creationId xmlns:a16="http://schemas.microsoft.com/office/drawing/2014/main" id="{1D71E21F-4AB1-4161-92C6-1AF65238C6B7}"/>
+              </a:ext>
+            </a:extLst>
+          </p:cNvPr>
+          <p:cNvSpPr txBox="1"/>
+          <p:nvPr/>
+        </p:nvSpPr>
+        <p:spPr>
+          <a:xfrm>
+            <a:off x="1007465" y="6097012"/>
+            <a:ext cx="2117239" cy="253916"/>
+          </a:xfrm>
+          <a:prstGeom prst="rect">
+            <a:avLst/>
+          </a:prstGeom>
+          <a:noFill/>
+        </p:spPr>
+        <p:txBody>
+          <a:bodyPr wrap="square" rtlCol="0">
+            <a:spAutoFit/>
+          </a:bodyPr>
+          <a:lstStyle/>
+          <a:p>
+            <a:r>
+              <a:rPr lang="en-GB" sz="1050" b="1" dirty="0"/>
+              <a:t>Tree Array (nested hierarchy):</a:t>
+            </a:r>
+            <a:endParaRPr lang="en-GB" sz="1050" dirty="0"/>
+          </a:p>
+        </p:txBody>
+      </p:sp>
+      <p:sp>
+        <p:nvSpPr>
+          <p:cNvPr id="333" name="TextBox 62">
+            <a:extLst>
+              <a:ext uri="{FF2B5EF4-FFF2-40B4-BE49-F238E27FC236}">
+                <a16:creationId xmlns:a16="http://schemas.microsoft.com/office/drawing/2014/main" id="{1D71E21F-4AB1-4161-92C6-1AF65238C6B7}"/>
+              </a:ext>
+            </a:extLst>
+          </p:cNvPr>
+          <p:cNvSpPr txBox="1"/>
+          <p:nvPr/>
+        </p:nvSpPr>
+        <p:spPr>
+          <a:xfrm>
+            <a:off x="6856158" y="6097679"/>
+            <a:ext cx="837910" cy="253916"/>
+          </a:xfrm>
+          <a:prstGeom prst="rect">
+            <a:avLst/>
+          </a:prstGeom>
+          <a:noFill/>
+        </p:spPr>
+        <p:txBody>
+          <a:bodyPr wrap="square" rtlCol="0">
+            <a:spAutoFit/>
+          </a:bodyPr>
+          <a:lstStyle/>
+          <a:p>
+            <a:r>
+              <a:rPr lang="en-GB" sz="1050" b="1" dirty="0"/>
+              <a:t>Path Array:</a:t>
+            </a:r>
+            <a:endParaRPr lang="en-GB" sz="1050" dirty="0"/>
+          </a:p>
+        </p:txBody>
+      </p:sp>
+      <p:sp>
+        <p:nvSpPr>
+          <p:cNvPr id="334" name="TextBox 62">
+            <a:extLst>
+              <a:ext uri="{FF2B5EF4-FFF2-40B4-BE49-F238E27FC236}">
+                <a16:creationId xmlns:a16="http://schemas.microsoft.com/office/drawing/2014/main" id="{1D71E21F-4AB1-4161-92C6-1AF65238C6B7}"/>
+              </a:ext>
+            </a:extLst>
+          </p:cNvPr>
+          <p:cNvSpPr txBox="1"/>
+          <p:nvPr/>
+        </p:nvSpPr>
+        <p:spPr>
+          <a:xfrm>
+            <a:off x="2089079" y="1509847"/>
+            <a:ext cx="2167037" cy="369332"/>
+          </a:xfrm>
+          <a:prstGeom prst="rect">
+            <a:avLst/>
+          </a:prstGeom>
+          <a:noFill/>
+        </p:spPr>
+        <p:txBody>
+          <a:bodyPr wrap="square" rtlCol="0">
+            <a:spAutoFit/>
+          </a:bodyPr>
+          <a:lstStyle/>
+          <a:p>
+            <a:pPr algn="ctr"/>
+            <a:r>
+              <a:rPr lang="en-GB" i="1" dirty="0" err="1"/>
+              <a:t>nodeTree</a:t>
+            </a:r>
+            <a:endParaRPr lang="en-GB" i="1" dirty="0"/>
+          </a:p>
+        </p:txBody>
+      </p:sp>
+      <p:sp>
+        <p:nvSpPr>
+          <p:cNvPr id="335" name="TextBox 62">
+            <a:extLst>
+              <a:ext uri="{FF2B5EF4-FFF2-40B4-BE49-F238E27FC236}">
+                <a16:creationId xmlns:a16="http://schemas.microsoft.com/office/drawing/2014/main" id="{1D71E21F-4AB1-4161-92C6-1AF65238C6B7}"/>
+              </a:ext>
+            </a:extLst>
+          </p:cNvPr>
+          <p:cNvSpPr txBox="1"/>
+          <p:nvPr/>
+        </p:nvSpPr>
+        <p:spPr>
+          <a:xfrm>
+            <a:off x="7531332" y="1570294"/>
+            <a:ext cx="2759824" cy="646331"/>
+          </a:xfrm>
+          <a:prstGeom prst="rect">
+            <a:avLst/>
+          </a:prstGeom>
+          <a:noFill/>
+        </p:spPr>
+        <p:txBody>
+          <a:bodyPr wrap="square" rtlCol="0">
+            <a:spAutoFit/>
+          </a:bodyPr>
+          <a:lstStyle/>
+          <a:p>
+            <a:pPr algn="ctr"/>
+            <a:r>
+              <a:rPr lang="en-GB" i="1" dirty="0"/>
+              <a:t>path</a:t>
+            </a:r>
+            <a:r>
+              <a:rPr lang="en-GB" dirty="0"/>
+              <a:t> </a:t>
+            </a:r>
+          </a:p>
+          <a:p>
+            <a:pPr algn="ctr"/>
+            <a:r>
+              <a:rPr lang="en-GB" dirty="0"/>
+              <a:t>(for vertex placement)</a:t>
+            </a:r>
+          </a:p>
+        </p:txBody>
+      </p:sp>
+      <p:sp>
+        <p:nvSpPr>
+          <p:cNvPr id="336" name="Pfeil nach rechts 335"/>
+          <p:cNvSpPr/>
+          <p:nvPr/>
+        </p:nvSpPr>
+        <p:spPr>
+          <a:xfrm>
+            <a:off x="5801759" y="3607723"/>
+            <a:ext cx="422779" cy="382385"/>
+          </a:xfrm>
+          <a:prstGeom prst="rightArrow">
+            <a:avLst/>
+          </a:prstGeom>
+          <a:solidFill>
+            <a:srgbClr val="FF0000"/>
+          </a:solidFill>
+          <a:ln>
+            <a:solidFill>
+              <a:srgbClr val="FF0000"/>
+            </a:solidFill>
+          </a:ln>
+        </p:spPr>
+        <p:style>
+          <a:lnRef idx="2">
+            <a:schemeClr val="accent1">
+              <a:shade val="50000"/>
+            </a:schemeClr>
+          </a:lnRef>
+          <a:fillRef idx="1">
+            <a:schemeClr val="accent1"/>
+          </a:fillRef>
+          <a:effectRef idx="0">
+            <a:schemeClr val="accent1"/>
+          </a:effectRef>
+          <a:fontRef idx="minor">
+            <a:schemeClr val="lt1"/>
+          </a:fontRef>
+        </p:style>
+        <p:txBody>
+          <a:bodyPr rtlCol="0" anchor="ctr"/>
+          <a:lstStyle/>
+          <a:p>
+            <a:pPr algn="ctr"/>
+            <a:endParaRPr lang="de-DE">
+              <a:ln>
+                <a:solidFill>
+                  <a:sysClr val="windowText" lastClr="000000"/>
+                </a:solidFill>
+              </a:ln>
+              <a:solidFill>
+                <a:schemeClr val="tx1"/>
+              </a:solidFill>
+            </a:endParaRPr>
+          </a:p>
+        </p:txBody>
+      </p:sp>
+      <p:graphicFrame>
+        <p:nvGraphicFramePr>
+          <p:cNvPr id="338" name="Tabelle 337"/>
+          <p:cNvGraphicFramePr>
+            <a:graphicFrameLocks noGrp="1"/>
+          </p:cNvGraphicFramePr>
+          <p:nvPr>
+            <p:extLst/>
+          </p:nvPr>
+        </p:nvGraphicFramePr>
+        <p:xfrm>
+          <a:off x="6924249" y="6328776"/>
+          <a:ext cx="3975072" cy="247812"/>
+        </p:xfrm>
+        <a:graphic>
+          <a:graphicData uri="http://schemas.openxmlformats.org/drawingml/2006/table">
+            <a:tbl>
+              <a:tblPr firstRow="1" bandRow="1">
+                <a:tableStyleId>{5C22544A-7EE6-4342-B048-85BDC9FD1C3A}</a:tableStyleId>
+              </a:tblPr>
+              <a:tblGrid>
+                <a:gridCol w="248442">
+                  <a:extLst>
+                    <a:ext uri="{9D8B030D-6E8A-4147-A177-3AD203B41FA5}">
+                      <a16:colId xmlns:a16="http://schemas.microsoft.com/office/drawing/2014/main" val="2590193884"/>
+                    </a:ext>
+                  </a:extLst>
+                </a:gridCol>
+                <a:gridCol w="248442">
+                  <a:extLst>
+                    <a:ext uri="{9D8B030D-6E8A-4147-A177-3AD203B41FA5}">
+                      <a16:colId xmlns:a16="http://schemas.microsoft.com/office/drawing/2014/main" val="4236785171"/>
+                    </a:ext>
+                  </a:extLst>
+                </a:gridCol>
+                <a:gridCol w="248442">
+                  <a:extLst>
+                    <a:ext uri="{9D8B030D-6E8A-4147-A177-3AD203B41FA5}">
+                      <a16:colId xmlns:a16="http://schemas.microsoft.com/office/drawing/2014/main" val="2393414214"/>
+                    </a:ext>
+                  </a:extLst>
+                </a:gridCol>
+                <a:gridCol w="248442">
+                  <a:extLst>
+                    <a:ext uri="{9D8B030D-6E8A-4147-A177-3AD203B41FA5}">
+                      <a16:colId xmlns:a16="http://schemas.microsoft.com/office/drawing/2014/main" val="4101219277"/>
+                    </a:ext>
+                  </a:extLst>
+                </a:gridCol>
+                <a:gridCol w="248442">
+                  <a:extLst>
+                    <a:ext uri="{9D8B030D-6E8A-4147-A177-3AD203B41FA5}">
+                      <a16:colId xmlns:a16="http://schemas.microsoft.com/office/drawing/2014/main" val="2547806980"/>
+                    </a:ext>
+                  </a:extLst>
+                </a:gridCol>
+                <a:gridCol w="248442">
+                  <a:extLst>
+                    <a:ext uri="{9D8B030D-6E8A-4147-A177-3AD203B41FA5}">
+                      <a16:colId xmlns:a16="http://schemas.microsoft.com/office/drawing/2014/main" val="3320730676"/>
+                    </a:ext>
+                  </a:extLst>
+                </a:gridCol>
+                <a:gridCol w="248442">
+                  <a:extLst>
+                    <a:ext uri="{9D8B030D-6E8A-4147-A177-3AD203B41FA5}">
+                      <a16:colId xmlns:a16="http://schemas.microsoft.com/office/drawing/2014/main" val="190447142"/>
+                    </a:ext>
+                  </a:extLst>
+                </a:gridCol>
+                <a:gridCol w="248442">
+                  <a:extLst>
+                    <a:ext uri="{9D8B030D-6E8A-4147-A177-3AD203B41FA5}">
+                      <a16:colId xmlns:a16="http://schemas.microsoft.com/office/drawing/2014/main" val="3885206293"/>
+                    </a:ext>
+                  </a:extLst>
+                </a:gridCol>
+                <a:gridCol w="248442">
+                  <a:extLst>
+                    <a:ext uri="{9D8B030D-6E8A-4147-A177-3AD203B41FA5}">
+                      <a16:colId xmlns:a16="http://schemas.microsoft.com/office/drawing/2014/main" val="1915350709"/>
+                    </a:ext>
+                  </a:extLst>
+                </a:gridCol>
+                <a:gridCol w="248442">
+                  <a:extLst>
+                    <a:ext uri="{9D8B030D-6E8A-4147-A177-3AD203B41FA5}">
+                      <a16:colId xmlns:a16="http://schemas.microsoft.com/office/drawing/2014/main" val="388499111"/>
+                    </a:ext>
+                  </a:extLst>
+                </a:gridCol>
+                <a:gridCol w="248442">
+                  <a:extLst>
+                    <a:ext uri="{9D8B030D-6E8A-4147-A177-3AD203B41FA5}">
+                      <a16:colId xmlns:a16="http://schemas.microsoft.com/office/drawing/2014/main" val="2256177202"/>
+                    </a:ext>
+                  </a:extLst>
+                </a:gridCol>
+                <a:gridCol w="248442">
+                  <a:extLst>
+                    <a:ext uri="{9D8B030D-6E8A-4147-A177-3AD203B41FA5}">
+                      <a16:colId xmlns:a16="http://schemas.microsoft.com/office/drawing/2014/main" val="1831062878"/>
+                    </a:ext>
+                  </a:extLst>
+                </a:gridCol>
+                <a:gridCol w="248442">
+                  <a:extLst>
+                    <a:ext uri="{9D8B030D-6E8A-4147-A177-3AD203B41FA5}">
+                      <a16:colId xmlns:a16="http://schemas.microsoft.com/office/drawing/2014/main" val="3598981215"/>
+                    </a:ext>
+                  </a:extLst>
+                </a:gridCol>
+                <a:gridCol w="248442">
+                  <a:extLst>
+                    <a:ext uri="{9D8B030D-6E8A-4147-A177-3AD203B41FA5}">
+                      <a16:colId xmlns:a16="http://schemas.microsoft.com/office/drawing/2014/main" val="278214951"/>
+                    </a:ext>
+                  </a:extLst>
+                </a:gridCol>
+                <a:gridCol w="248442">
+                  <a:extLst>
+                    <a:ext uri="{9D8B030D-6E8A-4147-A177-3AD203B41FA5}">
+                      <a16:colId xmlns:a16="http://schemas.microsoft.com/office/drawing/2014/main" val="1369092313"/>
+                    </a:ext>
+                  </a:extLst>
+                </a:gridCol>
+                <a:gridCol w="248442">
+                  <a:extLst>
+                    <a:ext uri="{9D8B030D-6E8A-4147-A177-3AD203B41FA5}">
+                      <a16:colId xmlns:a16="http://schemas.microsoft.com/office/drawing/2014/main" val="143899768"/>
+                    </a:ext>
+                  </a:extLst>
+                </a:gridCol>
+              </a:tblGrid>
+              <a:tr h="247812">
+                <a:tc>
+                  <a:txBody>
+                    <a:bodyPr/>
+                    <a:lstStyle/>
+                    <a:p>
+                      <a:pPr algn="ctr"/>
+                      <a:r>
+                        <a:rPr lang="de-DE" sz="1200" dirty="0">
+                          <a:solidFill>
+                            <a:srgbClr val="00B0F0"/>
+                          </a:solidFill>
+                        </a:rPr>
+                        <a:t>1</a:t>
+                      </a:r>
+                    </a:p>
+                  </a:txBody>
+                  <a:tcPr marL="0" marR="0" marT="0" marB="0" anchor="ctr">
+                    <a:lnL w="12700" cap="flat" cmpd="sng" algn="ctr">
+                      <a:solidFill>
+                        <a:schemeClr val="tx1"/>
+                      </a:solidFill>
+                      <a:prstDash val="solid"/>
+                      <a:round/>
+                      <a:headEnd type="none" w="med" len="med"/>
+                      <a:tailEnd type="none" w="med" len="med"/>
+                    </a:lnL>
+                    <a:lnR w="12700" cap="flat" cmpd="sng" algn="ctr">
+                      <a:solidFill>
+                        <a:schemeClr val="tx1"/>
+                      </a:solidFill>
+                      <a:prstDash val="solid"/>
+                      <a:round/>
+                      <a:headEnd type="none" w="med" len="med"/>
+                      <a:tailEnd type="none" w="med" len="med"/>
+                    </a:lnR>
+                    <a:lnT w="12700" cap="flat" cmpd="sng" algn="ctr">
+                      <a:solidFill>
+                        <a:schemeClr val="tx1"/>
+                      </a:solidFill>
+                      <a:prstDash val="solid"/>
+                      <a:round/>
+                      <a:headEnd type="none" w="med" len="med"/>
+                      <a:tailEnd type="none" w="med" len="med"/>
+                    </a:lnT>
+                    <a:lnB w="12700" cap="flat" cmpd="sng" algn="ctr">
+                      <a:solidFill>
+                        <a:schemeClr val="tx1"/>
+                      </a:solidFill>
+                      <a:prstDash val="solid"/>
+                      <a:round/>
+                      <a:headEnd type="none" w="med" len="med"/>
+                      <a:tailEnd type="none" w="med" len="med"/>
+                    </a:lnB>
+                    <a:lnTlToBr w="12700" cmpd="sng">
+                      <a:noFill/>
+                      <a:prstDash val="solid"/>
+                    </a:lnTlToBr>
+                    <a:lnBlToTr w="12700" cmpd="sng">
+                      <a:noFill/>
+                      <a:prstDash val="solid"/>
+                    </a:lnBlToTr>
+                    <a:noFill/>
+                  </a:tcPr>
+                </a:tc>
+                <a:tc>
+                  <a:txBody>
+                    <a:bodyPr/>
+                    <a:lstStyle/>
+                    <a:p>
+                      <a:pPr algn="ctr"/>
+                      <a:r>
+                        <a:rPr lang="de-DE" sz="1200" dirty="0">
+                          <a:solidFill>
+                            <a:srgbClr val="00B0F0"/>
+                          </a:solidFill>
+                        </a:rPr>
+                        <a:t>2</a:t>
+                      </a:r>
+                    </a:p>
+                  </a:txBody>
+                  <a:tcPr marL="0" marR="0" marT="0" marB="0" anchor="ctr">
+                    <a:lnL w="12700" cap="flat" cmpd="sng" algn="ctr">
+                      <a:solidFill>
+                        <a:schemeClr val="tx1"/>
+                      </a:solidFill>
+                      <a:prstDash val="solid"/>
+                      <a:round/>
+                      <a:headEnd type="none" w="med" len="med"/>
+                      <a:tailEnd type="none" w="med" len="med"/>
+                    </a:lnL>
+                    <a:lnR w="12700" cap="flat" cmpd="sng" algn="ctr">
+                      <a:solidFill>
+                        <a:schemeClr val="tx1"/>
+                      </a:solidFill>
+                      <a:prstDash val="solid"/>
+                      <a:round/>
+                      <a:headEnd type="none" w="med" len="med"/>
+                      <a:tailEnd type="none" w="med" len="med"/>
+                    </a:lnR>
+                    <a:lnT w="12700" cap="flat" cmpd="sng" algn="ctr">
+                      <a:solidFill>
+                        <a:schemeClr val="tx1"/>
+                      </a:solidFill>
+                      <a:prstDash val="solid"/>
+                      <a:round/>
+                      <a:headEnd type="none" w="med" len="med"/>
+                      <a:tailEnd type="none" w="med" len="med"/>
+                    </a:lnT>
+                    <a:lnB w="12700" cap="flat" cmpd="sng" algn="ctr">
+                      <a:solidFill>
+                        <a:schemeClr val="tx1"/>
+                      </a:solidFill>
+                      <a:prstDash val="solid"/>
+                      <a:round/>
+                      <a:headEnd type="none" w="med" len="med"/>
+                      <a:tailEnd type="none" w="med" len="med"/>
+                    </a:lnB>
+                    <a:lnTlToBr w="12700" cmpd="sng">
+                      <a:noFill/>
+                      <a:prstDash val="solid"/>
+                    </a:lnTlToBr>
+                    <a:lnBlToTr w="12700" cmpd="sng">
+                      <a:noFill/>
+                      <a:prstDash val="solid"/>
+                    </a:lnBlToTr>
+                    <a:noFill/>
+                  </a:tcPr>
+                </a:tc>
+                <a:tc>
+                  <a:txBody>
+                    <a:bodyPr/>
+                    <a:lstStyle/>
+                    <a:p>
+                      <a:pPr algn="ctr"/>
+                      <a:r>
+                        <a:rPr lang="de-DE" sz="1200" dirty="0">
+                          <a:solidFill>
+                            <a:srgbClr val="0000FF"/>
+                          </a:solidFill>
+                        </a:rPr>
+                        <a:t>3</a:t>
+                      </a:r>
+                    </a:p>
+                  </a:txBody>
+                  <a:tcPr marL="0" marR="0" marT="0" marB="0" anchor="ctr">
+                    <a:lnL w="12700" cap="flat" cmpd="sng" algn="ctr">
+                      <a:solidFill>
+                        <a:schemeClr val="tx1"/>
+                      </a:solidFill>
+                      <a:prstDash val="solid"/>
+                      <a:round/>
+                      <a:headEnd type="none" w="med" len="med"/>
+                      <a:tailEnd type="none" w="med" len="med"/>
+                    </a:lnL>
+                    <a:lnR w="12700" cap="flat" cmpd="sng" algn="ctr">
+                      <a:solidFill>
+                        <a:schemeClr val="tx1"/>
+                      </a:solidFill>
+                      <a:prstDash val="solid"/>
+                      <a:round/>
+                      <a:headEnd type="none" w="med" len="med"/>
+                      <a:tailEnd type="none" w="med" len="med"/>
+                    </a:lnR>
+                    <a:lnT w="12700" cap="flat" cmpd="sng" algn="ctr">
+                      <a:solidFill>
+                        <a:schemeClr val="tx1"/>
+                      </a:solidFill>
+                      <a:prstDash val="solid"/>
+                      <a:round/>
+                      <a:headEnd type="none" w="med" len="med"/>
+                      <a:tailEnd type="none" w="med" len="med"/>
+                    </a:lnT>
+                    <a:lnB w="12700" cap="flat" cmpd="sng" algn="ctr">
+                      <a:solidFill>
+                        <a:schemeClr val="tx1"/>
+                      </a:solidFill>
+                      <a:prstDash val="solid"/>
+                      <a:round/>
+                      <a:headEnd type="none" w="med" len="med"/>
+                      <a:tailEnd type="none" w="med" len="med"/>
+                    </a:lnB>
+                    <a:lnTlToBr w="12700" cmpd="sng">
+                      <a:noFill/>
+                      <a:prstDash val="solid"/>
+                    </a:lnTlToBr>
+                    <a:lnBlToTr w="12700" cmpd="sng">
+                      <a:noFill/>
+                      <a:prstDash val="solid"/>
+                    </a:lnBlToTr>
+                    <a:noFill/>
+                  </a:tcPr>
+                </a:tc>
+                <a:tc>
+                  <a:txBody>
+                    <a:bodyPr/>
+                    <a:lstStyle/>
+                    <a:p>
+                      <a:pPr algn="ctr"/>
+                      <a:r>
+                        <a:rPr lang="de-DE" sz="1200" dirty="0">
+                          <a:solidFill>
+                            <a:srgbClr val="00B0F0"/>
+                          </a:solidFill>
+                        </a:rPr>
+                        <a:t>4</a:t>
+                      </a:r>
+                    </a:p>
+                  </a:txBody>
+                  <a:tcPr marL="0" marR="0" marT="0" marB="0" anchor="ctr">
+                    <a:lnL w="12700" cap="flat" cmpd="sng" algn="ctr">
+                      <a:solidFill>
+                        <a:schemeClr val="tx1"/>
+                      </a:solidFill>
+                      <a:prstDash val="solid"/>
+                      <a:round/>
+                      <a:headEnd type="none" w="med" len="med"/>
+                      <a:tailEnd type="none" w="med" len="med"/>
+                    </a:lnL>
+                    <a:lnR w="12700" cap="flat" cmpd="sng" algn="ctr">
+                      <a:solidFill>
+                        <a:schemeClr val="tx1"/>
+                      </a:solidFill>
+                      <a:prstDash val="solid"/>
+                      <a:round/>
+                      <a:headEnd type="none" w="med" len="med"/>
+                      <a:tailEnd type="none" w="med" len="med"/>
+                    </a:lnR>
+                    <a:lnT w="12700" cap="flat" cmpd="sng" algn="ctr">
+                      <a:solidFill>
+                        <a:schemeClr val="tx1"/>
+                      </a:solidFill>
+                      <a:prstDash val="solid"/>
+                      <a:round/>
+                      <a:headEnd type="none" w="med" len="med"/>
+                      <a:tailEnd type="none" w="med" len="med"/>
+                    </a:lnT>
+                    <a:lnB w="12700" cap="flat" cmpd="sng" algn="ctr">
+                      <a:solidFill>
+                        <a:schemeClr val="tx1"/>
+                      </a:solidFill>
+                      <a:prstDash val="solid"/>
+                      <a:round/>
+                      <a:headEnd type="none" w="med" len="med"/>
+                      <a:tailEnd type="none" w="med" len="med"/>
+                    </a:lnB>
+                    <a:lnTlToBr w="12700" cmpd="sng">
+                      <a:noFill/>
+                      <a:prstDash val="solid"/>
+                    </a:lnTlToBr>
+                    <a:lnBlToTr w="12700" cmpd="sng">
+                      <a:noFill/>
+                      <a:prstDash val="solid"/>
+                    </a:lnBlToTr>
+                    <a:noFill/>
+                  </a:tcPr>
+                </a:tc>
+                <a:tc>
+                  <a:txBody>
+                    <a:bodyPr/>
+                    <a:lstStyle/>
+                    <a:p>
+                      <a:pPr algn="ctr"/>
+                      <a:r>
+                        <a:rPr lang="de-DE" sz="1200" dirty="0">
+                          <a:solidFill>
+                            <a:srgbClr val="00B050"/>
+                          </a:solidFill>
+                        </a:rPr>
+                        <a:t>5</a:t>
+                      </a:r>
+                    </a:p>
+                  </a:txBody>
+                  <a:tcPr marL="0" marR="0" marT="0" marB="0" anchor="ctr">
+                    <a:lnL w="12700" cap="flat" cmpd="sng" algn="ctr">
+                      <a:solidFill>
+                        <a:schemeClr val="tx1"/>
+                      </a:solidFill>
+                      <a:prstDash val="solid"/>
+                      <a:round/>
+                      <a:headEnd type="none" w="med" len="med"/>
+                      <a:tailEnd type="none" w="med" len="med"/>
+                    </a:lnL>
+                    <a:lnR w="12700" cap="flat" cmpd="sng" algn="ctr">
+                      <a:solidFill>
+                        <a:schemeClr val="tx1"/>
+                      </a:solidFill>
+                      <a:prstDash val="solid"/>
+                      <a:round/>
+                      <a:headEnd type="none" w="med" len="med"/>
+                      <a:tailEnd type="none" w="med" len="med"/>
+                    </a:lnR>
+                    <a:lnT w="12700" cap="flat" cmpd="sng" algn="ctr">
+                      <a:solidFill>
+                        <a:schemeClr val="tx1"/>
+                      </a:solidFill>
+                      <a:prstDash val="solid"/>
+                      <a:round/>
+                      <a:headEnd type="none" w="med" len="med"/>
+                      <a:tailEnd type="none" w="med" len="med"/>
+                    </a:lnT>
+                    <a:lnB w="12700" cap="flat" cmpd="sng" algn="ctr">
+                      <a:solidFill>
+                        <a:schemeClr val="tx1"/>
+                      </a:solidFill>
+                      <a:prstDash val="solid"/>
+                      <a:round/>
+                      <a:headEnd type="none" w="med" len="med"/>
+                      <a:tailEnd type="none" w="med" len="med"/>
+                    </a:lnB>
+                    <a:lnTlToBr w="12700" cmpd="sng">
+                      <a:noFill/>
+                      <a:prstDash val="solid"/>
+                    </a:lnTlToBr>
+                    <a:lnBlToTr w="12700" cmpd="sng">
+                      <a:noFill/>
+                      <a:prstDash val="solid"/>
+                    </a:lnBlToTr>
+                    <a:noFill/>
+                  </a:tcPr>
+                </a:tc>
+                <a:tc>
+                  <a:txBody>
+                    <a:bodyPr/>
+                    <a:lstStyle/>
+                    <a:p>
+                      <a:pPr algn="ctr"/>
+                      <a:r>
+                        <a:rPr lang="de-DE" sz="1200" dirty="0">
+                          <a:solidFill>
+                            <a:srgbClr val="00B0F0"/>
+                          </a:solidFill>
+                        </a:rPr>
+                        <a:t>6</a:t>
+                      </a:r>
+                    </a:p>
+                  </a:txBody>
+                  <a:tcPr marL="0" marR="0" marT="0" marB="0" anchor="ctr">
+                    <a:lnL w="12700" cap="flat" cmpd="sng" algn="ctr">
+                      <a:solidFill>
+                        <a:schemeClr val="tx1"/>
+                      </a:solidFill>
+                      <a:prstDash val="solid"/>
+                      <a:round/>
+                      <a:headEnd type="none" w="med" len="med"/>
+                      <a:tailEnd type="none" w="med" len="med"/>
+                    </a:lnL>
+                    <a:lnR w="12700" cap="flat" cmpd="sng" algn="ctr">
+                      <a:solidFill>
+                        <a:schemeClr val="tx1"/>
+                      </a:solidFill>
+                      <a:prstDash val="solid"/>
+                      <a:round/>
+                      <a:headEnd type="none" w="med" len="med"/>
+                      <a:tailEnd type="none" w="med" len="med"/>
+                    </a:lnR>
+                    <a:lnT w="12700" cap="flat" cmpd="sng" algn="ctr">
+                      <a:solidFill>
+                        <a:schemeClr val="tx1"/>
+                      </a:solidFill>
+                      <a:prstDash val="solid"/>
+                      <a:round/>
+                      <a:headEnd type="none" w="med" len="med"/>
+                      <a:tailEnd type="none" w="med" len="med"/>
+                    </a:lnT>
+                    <a:lnB w="12700" cap="flat" cmpd="sng" algn="ctr">
+                      <a:solidFill>
+                        <a:schemeClr val="tx1"/>
+                      </a:solidFill>
+                      <a:prstDash val="solid"/>
+                      <a:round/>
+                      <a:headEnd type="none" w="med" len="med"/>
+                      <a:tailEnd type="none" w="med" len="med"/>
+                    </a:lnB>
+                    <a:lnTlToBr w="12700" cmpd="sng">
+                      <a:noFill/>
+                      <a:prstDash val="solid"/>
+                    </a:lnTlToBr>
+                    <a:lnBlToTr w="12700" cmpd="sng">
+                      <a:noFill/>
+                      <a:prstDash val="solid"/>
+                    </a:lnBlToTr>
+                    <a:noFill/>
+                  </a:tcPr>
+                </a:tc>
+                <a:tc>
+                  <a:txBody>
+                    <a:bodyPr/>
+                    <a:lstStyle/>
+                    <a:p>
+                      <a:pPr algn="ctr"/>
+                      <a:r>
+                        <a:rPr lang="de-DE" sz="1200" dirty="0">
+                          <a:solidFill>
+                            <a:srgbClr val="00B0F0"/>
+                          </a:solidFill>
+                        </a:rPr>
+                        <a:t>7</a:t>
+                      </a:r>
+                    </a:p>
+                  </a:txBody>
+                  <a:tcPr marL="0" marR="0" marT="0" marB="0" anchor="ctr">
+                    <a:lnL w="12700" cap="flat" cmpd="sng" algn="ctr">
+                      <a:solidFill>
+                        <a:schemeClr val="tx1"/>
+                      </a:solidFill>
+                      <a:prstDash val="solid"/>
+                      <a:round/>
+                      <a:headEnd type="none" w="med" len="med"/>
+                      <a:tailEnd type="none" w="med" len="med"/>
+                    </a:lnL>
+                    <a:lnR w="12700" cap="flat" cmpd="sng" algn="ctr">
+                      <a:solidFill>
+                        <a:schemeClr val="tx1"/>
+                      </a:solidFill>
+                      <a:prstDash val="solid"/>
+                      <a:round/>
+                      <a:headEnd type="none" w="med" len="med"/>
+                      <a:tailEnd type="none" w="med" len="med"/>
+                    </a:lnR>
+                    <a:lnT w="12700" cap="flat" cmpd="sng" algn="ctr">
+                      <a:solidFill>
+                        <a:schemeClr val="tx1"/>
+                      </a:solidFill>
+                      <a:prstDash val="solid"/>
+                      <a:round/>
+                      <a:headEnd type="none" w="med" len="med"/>
+                      <a:tailEnd type="none" w="med" len="med"/>
+                    </a:lnT>
+                    <a:lnB w="12700" cap="flat" cmpd="sng" algn="ctr">
+                      <a:solidFill>
+                        <a:schemeClr val="tx1"/>
+                      </a:solidFill>
+                      <a:prstDash val="solid"/>
+                      <a:round/>
+                      <a:headEnd type="none" w="med" len="med"/>
+                      <a:tailEnd type="none" w="med" len="med"/>
+                    </a:lnB>
+                    <a:lnTlToBr w="12700" cmpd="sng">
+                      <a:noFill/>
+                      <a:prstDash val="solid"/>
+                    </a:lnTlToBr>
+                    <a:lnBlToTr w="12700" cmpd="sng">
+                      <a:noFill/>
+                      <a:prstDash val="solid"/>
+                    </a:lnBlToTr>
+                    <a:noFill/>
+                  </a:tcPr>
+                </a:tc>
+                <a:tc>
+                  <a:txBody>
+                    <a:bodyPr/>
+                    <a:lstStyle/>
+                    <a:p>
+                      <a:pPr algn="ctr"/>
+                      <a:r>
+                        <a:rPr lang="de-DE" sz="1200" dirty="0">
+                          <a:solidFill>
+                            <a:srgbClr val="0000FF"/>
+                          </a:solidFill>
+                        </a:rPr>
+                        <a:t>8</a:t>
+                      </a:r>
+                    </a:p>
+                  </a:txBody>
+                  <a:tcPr marL="0" marR="0" marT="0" marB="0" anchor="ctr">
+                    <a:lnL w="12700" cap="flat" cmpd="sng" algn="ctr">
+                      <a:solidFill>
+                        <a:schemeClr val="tx1"/>
+                      </a:solidFill>
+                      <a:prstDash val="solid"/>
+                      <a:round/>
+                      <a:headEnd type="none" w="med" len="med"/>
+                      <a:tailEnd type="none" w="med" len="med"/>
+                    </a:lnL>
+                    <a:lnR w="12700" cap="flat" cmpd="sng" algn="ctr">
+                      <a:solidFill>
+                        <a:schemeClr val="tx1"/>
+                      </a:solidFill>
+                      <a:prstDash val="solid"/>
+                      <a:round/>
+                      <a:headEnd type="none" w="med" len="med"/>
+                      <a:tailEnd type="none" w="med" len="med"/>
+                    </a:lnR>
+                    <a:lnT w="12700" cap="flat" cmpd="sng" algn="ctr">
+                      <a:solidFill>
+                        <a:schemeClr val="tx1"/>
+                      </a:solidFill>
+                      <a:prstDash val="solid"/>
+                      <a:round/>
+                      <a:headEnd type="none" w="med" len="med"/>
+                      <a:tailEnd type="none" w="med" len="med"/>
+                    </a:lnT>
+                    <a:lnB w="12700" cap="flat" cmpd="sng" algn="ctr">
+                      <a:solidFill>
+                        <a:schemeClr val="tx1"/>
+                      </a:solidFill>
+                      <a:prstDash val="solid"/>
+                      <a:round/>
+                      <a:headEnd type="none" w="med" len="med"/>
+                      <a:tailEnd type="none" w="med" len="med"/>
+                    </a:lnB>
+                    <a:lnTlToBr w="12700" cmpd="sng">
+                      <a:noFill/>
+                      <a:prstDash val="solid"/>
+                    </a:lnTlToBr>
+                    <a:lnBlToTr w="12700" cmpd="sng">
+                      <a:noFill/>
+                      <a:prstDash val="solid"/>
+                    </a:lnBlToTr>
+                    <a:noFill/>
+                  </a:tcPr>
+                </a:tc>
+                <a:tc>
+                  <a:txBody>
+                    <a:bodyPr/>
+                    <a:lstStyle/>
+                    <a:p>
+                      <a:pPr algn="ctr"/>
+                      <a:r>
+                        <a:rPr lang="de-DE" sz="1200" dirty="0">
+                          <a:solidFill>
+                            <a:srgbClr val="00B0F0"/>
+                          </a:solidFill>
+                        </a:rPr>
+                        <a:t>9</a:t>
+                      </a:r>
+                    </a:p>
+                  </a:txBody>
+                  <a:tcPr marL="0" marR="0" marT="0" marB="0" anchor="ctr">
+                    <a:lnL w="12700" cap="flat" cmpd="sng" algn="ctr">
+                      <a:solidFill>
+                        <a:schemeClr val="tx1"/>
+                      </a:solidFill>
+                      <a:prstDash val="solid"/>
+                      <a:round/>
+                      <a:headEnd type="none" w="med" len="med"/>
+                      <a:tailEnd type="none" w="med" len="med"/>
+                    </a:lnL>
+                    <a:lnR w="12700" cap="flat" cmpd="sng" algn="ctr">
+                      <a:solidFill>
+                        <a:schemeClr val="tx1"/>
+                      </a:solidFill>
+                      <a:prstDash val="solid"/>
+                      <a:round/>
+                      <a:headEnd type="none" w="med" len="med"/>
+                      <a:tailEnd type="none" w="med" len="med"/>
+                    </a:lnR>
+                    <a:lnT w="12700" cap="flat" cmpd="sng" algn="ctr">
+                      <a:solidFill>
+                        <a:schemeClr val="tx1"/>
+                      </a:solidFill>
+                      <a:prstDash val="solid"/>
+                      <a:round/>
+                      <a:headEnd type="none" w="med" len="med"/>
+                      <a:tailEnd type="none" w="med" len="med"/>
+                    </a:lnT>
+                    <a:lnB w="12700" cap="flat" cmpd="sng" algn="ctr">
+                      <a:solidFill>
+                        <a:schemeClr val="tx1"/>
+                      </a:solidFill>
+                      <a:prstDash val="solid"/>
+                      <a:round/>
+                      <a:headEnd type="none" w="med" len="med"/>
+                      <a:tailEnd type="none" w="med" len="med"/>
+                    </a:lnB>
+                    <a:lnTlToBr w="12700" cmpd="sng">
+                      <a:noFill/>
+                      <a:prstDash val="solid"/>
+                    </a:lnTlToBr>
+                    <a:lnBlToTr w="12700" cmpd="sng">
+                      <a:noFill/>
+                      <a:prstDash val="solid"/>
+                    </a:lnBlToTr>
+                    <a:noFill/>
+                  </a:tcPr>
+                </a:tc>
+                <a:tc>
+                  <a:txBody>
+                    <a:bodyPr/>
+                    <a:lstStyle/>
+                    <a:p>
+                      <a:pPr algn="ctr"/>
+                      <a:r>
+                        <a:rPr lang="de-DE" sz="1200" dirty="0">
+                          <a:solidFill>
+                            <a:srgbClr val="00B050"/>
+                          </a:solidFill>
+                        </a:rPr>
+                        <a:t>10</a:t>
+                      </a:r>
+                    </a:p>
+                  </a:txBody>
+                  <a:tcPr marL="0" marR="0" marT="0" marB="0" anchor="ctr">
+                    <a:lnL w="12700" cap="flat" cmpd="sng" algn="ctr">
+                      <a:solidFill>
+                        <a:schemeClr val="tx1"/>
+                      </a:solidFill>
+                      <a:prstDash val="solid"/>
+                      <a:round/>
+                      <a:headEnd type="none" w="med" len="med"/>
+                      <a:tailEnd type="none" w="med" len="med"/>
+                    </a:lnL>
+                    <a:lnR w="12700" cap="flat" cmpd="sng" algn="ctr">
+                      <a:solidFill>
+                        <a:schemeClr val="tx1"/>
+                      </a:solidFill>
+                      <a:prstDash val="solid"/>
+                      <a:round/>
+                      <a:headEnd type="none" w="med" len="med"/>
+                      <a:tailEnd type="none" w="med" len="med"/>
+                    </a:lnR>
+                    <a:lnT w="12700" cap="flat" cmpd="sng" algn="ctr">
+                      <a:solidFill>
+                        <a:schemeClr val="tx1"/>
+                      </a:solidFill>
+                      <a:prstDash val="solid"/>
+                      <a:round/>
+                      <a:headEnd type="none" w="med" len="med"/>
+                      <a:tailEnd type="none" w="med" len="med"/>
+                    </a:lnT>
+                    <a:lnB w="12700" cap="flat" cmpd="sng" algn="ctr">
+                      <a:solidFill>
+                        <a:schemeClr val="tx1"/>
+                      </a:solidFill>
+                      <a:prstDash val="solid"/>
+                      <a:round/>
+                      <a:headEnd type="none" w="med" len="med"/>
+                      <a:tailEnd type="none" w="med" len="med"/>
+                    </a:lnB>
+                    <a:lnTlToBr w="12700" cmpd="sng">
+                      <a:noFill/>
+                      <a:prstDash val="solid"/>
+                    </a:lnTlToBr>
+                    <a:lnBlToTr w="12700" cmpd="sng">
+                      <a:noFill/>
+                      <a:prstDash val="solid"/>
+                    </a:lnBlToTr>
+                    <a:noFill/>
+                  </a:tcPr>
+                </a:tc>
+                <a:tc>
+                  <a:txBody>
+                    <a:bodyPr/>
+                    <a:lstStyle/>
+                    <a:p>
+                      <a:pPr algn="ctr"/>
+                      <a:r>
+                        <a:rPr lang="de-DE" sz="1200" dirty="0">
+                          <a:solidFill>
+                            <a:srgbClr val="00B0F0"/>
+                          </a:solidFill>
+                        </a:rPr>
+                        <a:t>11</a:t>
+                      </a:r>
+                    </a:p>
+                  </a:txBody>
+                  <a:tcPr marL="0" marR="0" marT="0" marB="0" anchor="ctr">
+                    <a:lnL w="12700" cap="flat" cmpd="sng" algn="ctr">
+                      <a:solidFill>
+                        <a:schemeClr val="tx1"/>
+                      </a:solidFill>
+                      <a:prstDash val="solid"/>
+                      <a:round/>
+                      <a:headEnd type="none" w="med" len="med"/>
+                      <a:tailEnd type="none" w="med" len="med"/>
+                    </a:lnL>
+                    <a:lnR w="12700" cap="flat" cmpd="sng" algn="ctr">
+                      <a:solidFill>
+                        <a:schemeClr val="tx1"/>
+                      </a:solidFill>
+                      <a:prstDash val="solid"/>
+                      <a:round/>
+                      <a:headEnd type="none" w="med" len="med"/>
+                      <a:tailEnd type="none" w="med" len="med"/>
+                    </a:lnR>
+                    <a:lnT w="12700" cap="flat" cmpd="sng" algn="ctr">
+                      <a:solidFill>
+                        <a:schemeClr val="tx1"/>
+                      </a:solidFill>
+                      <a:prstDash val="solid"/>
+                      <a:round/>
+                      <a:headEnd type="none" w="med" len="med"/>
+                      <a:tailEnd type="none" w="med" len="med"/>
+                    </a:lnT>
+                    <a:lnB w="12700" cap="flat" cmpd="sng" algn="ctr">
+                      <a:solidFill>
+                        <a:schemeClr val="tx1"/>
+                      </a:solidFill>
+                      <a:prstDash val="solid"/>
+                      <a:round/>
+                      <a:headEnd type="none" w="med" len="med"/>
+                      <a:tailEnd type="none" w="med" len="med"/>
+                    </a:lnB>
+                    <a:lnTlToBr w="12700" cmpd="sng">
+                      <a:noFill/>
+                      <a:prstDash val="solid"/>
+                    </a:lnTlToBr>
+                    <a:lnBlToTr w="12700" cmpd="sng">
+                      <a:noFill/>
+                      <a:prstDash val="solid"/>
+                    </a:lnBlToTr>
+                    <a:noFill/>
+                  </a:tcPr>
+                </a:tc>
+                <a:tc>
+                  <a:txBody>
+                    <a:bodyPr/>
+                    <a:lstStyle/>
+                    <a:p>
+                      <a:pPr algn="ctr"/>
+                      <a:r>
+                        <a:rPr lang="de-DE" sz="1200" dirty="0">
+                          <a:solidFill>
+                            <a:srgbClr val="00B0F0"/>
+                          </a:solidFill>
+                        </a:rPr>
+                        <a:t>12</a:t>
+                      </a:r>
+                    </a:p>
+                  </a:txBody>
+                  <a:tcPr marL="0" marR="0" marT="0" marB="0" anchor="ctr">
+                    <a:lnL w="12700" cap="flat" cmpd="sng" algn="ctr">
+                      <a:solidFill>
+                        <a:schemeClr val="tx1"/>
+                      </a:solidFill>
+                      <a:prstDash val="solid"/>
+                      <a:round/>
+                      <a:headEnd type="none" w="med" len="med"/>
+                      <a:tailEnd type="none" w="med" len="med"/>
+                    </a:lnL>
+                    <a:lnR w="12700" cap="flat" cmpd="sng" algn="ctr">
+                      <a:solidFill>
+                        <a:schemeClr val="tx1"/>
+                      </a:solidFill>
+                      <a:prstDash val="solid"/>
+                      <a:round/>
+                      <a:headEnd type="none" w="med" len="med"/>
+                      <a:tailEnd type="none" w="med" len="med"/>
+                    </a:lnR>
+                    <a:lnT w="12700" cap="flat" cmpd="sng" algn="ctr">
+                      <a:solidFill>
+                        <a:schemeClr val="tx1"/>
+                      </a:solidFill>
+                      <a:prstDash val="solid"/>
+                      <a:round/>
+                      <a:headEnd type="none" w="med" len="med"/>
+                      <a:tailEnd type="none" w="med" len="med"/>
+                    </a:lnT>
+                    <a:lnB w="12700" cap="flat" cmpd="sng" algn="ctr">
+                      <a:solidFill>
+                        <a:schemeClr val="tx1"/>
+                      </a:solidFill>
+                      <a:prstDash val="solid"/>
+                      <a:round/>
+                      <a:headEnd type="none" w="med" len="med"/>
+                      <a:tailEnd type="none" w="med" len="med"/>
+                    </a:lnB>
+                    <a:lnTlToBr w="12700" cmpd="sng">
+                      <a:noFill/>
+                      <a:prstDash val="solid"/>
+                    </a:lnTlToBr>
+                    <a:lnBlToTr w="12700" cmpd="sng">
+                      <a:noFill/>
+                      <a:prstDash val="solid"/>
+                    </a:lnBlToTr>
+                    <a:noFill/>
+                  </a:tcPr>
+                </a:tc>
+                <a:tc>
+                  <a:txBody>
+                    <a:bodyPr/>
+                    <a:lstStyle/>
+                    <a:p>
+                      <a:pPr algn="ctr"/>
+                      <a:r>
+                        <a:rPr lang="de-DE" sz="1200" dirty="0">
+                          <a:solidFill>
+                            <a:srgbClr val="0000FF"/>
+                          </a:solidFill>
+                        </a:rPr>
+                        <a:t>13</a:t>
+                      </a:r>
+                    </a:p>
+                  </a:txBody>
+                  <a:tcPr marL="0" marR="0" marT="0" marB="0" anchor="ctr">
+                    <a:lnL w="12700" cap="flat" cmpd="sng" algn="ctr">
+                      <a:solidFill>
+                        <a:schemeClr val="tx1"/>
+                      </a:solidFill>
+                      <a:prstDash val="solid"/>
+                      <a:round/>
+                      <a:headEnd type="none" w="med" len="med"/>
+                      <a:tailEnd type="none" w="med" len="med"/>
+                    </a:lnL>
+                    <a:lnR w="12700" cap="flat" cmpd="sng" algn="ctr">
+                      <a:solidFill>
+                        <a:schemeClr val="tx1"/>
+                      </a:solidFill>
+                      <a:prstDash val="solid"/>
+                      <a:round/>
+                      <a:headEnd type="none" w="med" len="med"/>
+                      <a:tailEnd type="none" w="med" len="med"/>
+                    </a:lnR>
+                    <a:lnT w="12700" cap="flat" cmpd="sng" algn="ctr">
+                      <a:solidFill>
+                        <a:schemeClr val="tx1"/>
+                      </a:solidFill>
+                      <a:prstDash val="solid"/>
+                      <a:round/>
+                      <a:headEnd type="none" w="med" len="med"/>
+                      <a:tailEnd type="none" w="med" len="med"/>
+                    </a:lnT>
+                    <a:lnB w="12700" cap="flat" cmpd="sng" algn="ctr">
+                      <a:solidFill>
+                        <a:schemeClr val="tx1"/>
+                      </a:solidFill>
+                      <a:prstDash val="solid"/>
+                      <a:round/>
+                      <a:headEnd type="none" w="med" len="med"/>
+                      <a:tailEnd type="none" w="med" len="med"/>
+                    </a:lnB>
+                    <a:lnTlToBr w="12700" cmpd="sng">
+                      <a:noFill/>
+                      <a:prstDash val="solid"/>
+                    </a:lnTlToBr>
+                    <a:lnBlToTr w="12700" cmpd="sng">
+                      <a:noFill/>
+                      <a:prstDash val="solid"/>
+                    </a:lnBlToTr>
+                    <a:noFill/>
+                  </a:tcPr>
+                </a:tc>
+                <a:tc>
+                  <a:txBody>
+                    <a:bodyPr/>
+                    <a:lstStyle/>
+                    <a:p>
+                      <a:pPr algn="ctr"/>
+                      <a:r>
+                        <a:rPr lang="de-DE" sz="1200" dirty="0">
+                          <a:solidFill>
+                            <a:srgbClr val="00B050"/>
+                          </a:solidFill>
+                        </a:rPr>
+                        <a:t>14</a:t>
+                      </a:r>
+                    </a:p>
+                  </a:txBody>
+                  <a:tcPr marL="0" marR="0" marT="0" marB="0" anchor="ctr">
+                    <a:lnL w="12700" cap="flat" cmpd="sng" algn="ctr">
+                      <a:solidFill>
+                        <a:schemeClr val="tx1"/>
+                      </a:solidFill>
+                      <a:prstDash val="solid"/>
+                      <a:round/>
+                      <a:headEnd type="none" w="med" len="med"/>
+                      <a:tailEnd type="none" w="med" len="med"/>
+                    </a:lnL>
+                    <a:lnR w="12700" cap="flat" cmpd="sng" algn="ctr">
+                      <a:solidFill>
+                        <a:schemeClr val="tx1"/>
+                      </a:solidFill>
+                      <a:prstDash val="solid"/>
+                      <a:round/>
+                      <a:headEnd type="none" w="med" len="med"/>
+                      <a:tailEnd type="none" w="med" len="med"/>
+                    </a:lnR>
+                    <a:lnT w="12700" cap="flat" cmpd="sng" algn="ctr">
+                      <a:solidFill>
+                        <a:schemeClr val="tx1"/>
+                      </a:solidFill>
+                      <a:prstDash val="solid"/>
+                      <a:round/>
+                      <a:headEnd type="none" w="med" len="med"/>
+                      <a:tailEnd type="none" w="med" len="med"/>
+                    </a:lnT>
+                    <a:lnB w="12700" cap="flat" cmpd="sng" algn="ctr">
+                      <a:solidFill>
+                        <a:schemeClr val="tx1"/>
+                      </a:solidFill>
+                      <a:prstDash val="solid"/>
+                      <a:round/>
+                      <a:headEnd type="none" w="med" len="med"/>
+                      <a:tailEnd type="none" w="med" len="med"/>
+                    </a:lnB>
+                    <a:lnTlToBr w="12700" cmpd="sng">
+                      <a:noFill/>
+                      <a:prstDash val="solid"/>
+                    </a:lnTlToBr>
+                    <a:lnBlToTr w="12700" cmpd="sng">
+                      <a:noFill/>
+                      <a:prstDash val="solid"/>
+                    </a:lnBlToTr>
+                    <a:noFill/>
+                  </a:tcPr>
+                </a:tc>
+                <a:tc>
+                  <a:txBody>
+                    <a:bodyPr/>
+                    <a:lstStyle/>
+                    <a:p>
+                      <a:pPr algn="ctr"/>
+                      <a:r>
+                        <a:rPr lang="de-DE" sz="1200" dirty="0">
+                          <a:solidFill>
+                            <a:srgbClr val="00B0F0"/>
+                          </a:solidFill>
+                        </a:rPr>
+                        <a:t>15</a:t>
+                      </a:r>
+                    </a:p>
+                  </a:txBody>
+                  <a:tcPr marL="0" marR="0" marT="0" marB="0" anchor="ctr">
+                    <a:lnL w="12700" cap="flat" cmpd="sng" algn="ctr">
+                      <a:solidFill>
+                        <a:schemeClr val="tx1"/>
+                      </a:solidFill>
+                      <a:prstDash val="solid"/>
+                      <a:round/>
+                      <a:headEnd type="none" w="med" len="med"/>
+                      <a:tailEnd type="none" w="med" len="med"/>
+                    </a:lnL>
+                    <a:lnR w="12700" cap="flat" cmpd="sng" algn="ctr">
+                      <a:solidFill>
+                        <a:schemeClr val="tx1"/>
+                      </a:solidFill>
+                      <a:prstDash val="solid"/>
+                      <a:round/>
+                      <a:headEnd type="none" w="med" len="med"/>
+                      <a:tailEnd type="none" w="med" len="med"/>
+                    </a:lnR>
+                    <a:lnT w="12700" cap="flat" cmpd="sng" algn="ctr">
+                      <a:solidFill>
+                        <a:schemeClr val="tx1"/>
+                      </a:solidFill>
+                      <a:prstDash val="solid"/>
+                      <a:round/>
+                      <a:headEnd type="none" w="med" len="med"/>
+                      <a:tailEnd type="none" w="med" len="med"/>
+                    </a:lnT>
+                    <a:lnB w="12700" cap="flat" cmpd="sng" algn="ctr">
+                      <a:solidFill>
+                        <a:schemeClr val="tx1"/>
+                      </a:solidFill>
+                      <a:prstDash val="solid"/>
+                      <a:round/>
+                      <a:headEnd type="none" w="med" len="med"/>
+                      <a:tailEnd type="none" w="med" len="med"/>
+                    </a:lnB>
+                    <a:lnTlToBr w="12700" cmpd="sng">
+                      <a:noFill/>
+                      <a:prstDash val="solid"/>
+                    </a:lnTlToBr>
+                    <a:lnBlToTr w="12700" cmpd="sng">
+                      <a:noFill/>
+                      <a:prstDash val="solid"/>
+                    </a:lnBlToTr>
+                    <a:noFill/>
+                  </a:tcPr>
+                </a:tc>
+                <a:tc>
+                  <a:txBody>
+                    <a:bodyPr/>
+                    <a:lstStyle/>
+                    <a:p>
+                      <a:pPr algn="ctr"/>
+                      <a:r>
+                        <a:rPr lang="de-DE" sz="1200" dirty="0">
+                          <a:solidFill>
+                            <a:srgbClr val="00B0F0"/>
+                          </a:solidFill>
+                        </a:rPr>
+                        <a:t>16</a:t>
+                      </a:r>
+                    </a:p>
+                  </a:txBody>
+                  <a:tcPr marL="0" marR="0" marT="0" marB="0" anchor="ctr">
+                    <a:lnL w="12700" cap="flat" cmpd="sng" algn="ctr">
+                      <a:solidFill>
+                        <a:schemeClr val="tx1"/>
+                      </a:solidFill>
+                      <a:prstDash val="solid"/>
+                      <a:round/>
+                      <a:headEnd type="none" w="med" len="med"/>
+                      <a:tailEnd type="none" w="med" len="med"/>
+                    </a:lnL>
+                    <a:lnR w="12700" cap="flat" cmpd="sng" algn="ctr">
+                      <a:solidFill>
+                        <a:schemeClr val="tx1"/>
+                      </a:solidFill>
+                      <a:prstDash val="solid"/>
+                      <a:round/>
+                      <a:headEnd type="none" w="med" len="med"/>
+                      <a:tailEnd type="none" w="med" len="med"/>
+                    </a:lnR>
+                    <a:lnT w="12700" cap="flat" cmpd="sng" algn="ctr">
+                      <a:solidFill>
+                        <a:schemeClr val="tx1"/>
+                      </a:solidFill>
+                      <a:prstDash val="solid"/>
+                      <a:round/>
+                      <a:headEnd type="none" w="med" len="med"/>
+                      <a:tailEnd type="none" w="med" len="med"/>
+                    </a:lnT>
+                    <a:lnB w="12700" cap="flat" cmpd="sng" algn="ctr">
+                      <a:solidFill>
+                        <a:schemeClr val="tx1"/>
+                      </a:solidFill>
+                      <a:prstDash val="solid"/>
+                      <a:round/>
+                      <a:headEnd type="none" w="med" len="med"/>
+                      <a:tailEnd type="none" w="med" len="med"/>
+                    </a:lnB>
+                    <a:lnTlToBr w="12700" cmpd="sng">
+                      <a:noFill/>
+                      <a:prstDash val="solid"/>
+                    </a:lnTlToBr>
+                    <a:lnBlToTr w="12700" cmpd="sng">
+                      <a:noFill/>
+                      <a:prstDash val="solid"/>
+                    </a:lnBlToTr>
+                    <a:noFill/>
+                  </a:tcPr>
+                </a:tc>
+                <a:extLst>
+                  <a:ext uri="{0D108BD9-81ED-4DB2-BD59-A6C34878D82A}">
+                    <a16:rowId xmlns:a16="http://schemas.microsoft.com/office/drawing/2014/main" val="2337893598"/>
+                  </a:ext>
+                </a:extLst>
+              </a:tr>
+            </a:tbl>
+          </a:graphicData>
+        </a:graphic>
+      </p:graphicFrame>
+      <p:sp>
+        <p:nvSpPr>
+          <p:cNvPr id="13" name="TextBox 62">
+            <a:extLst>
+              <a:ext uri="{FF2B5EF4-FFF2-40B4-BE49-F238E27FC236}">
+                <a16:creationId xmlns:a16="http://schemas.microsoft.com/office/drawing/2014/main" id="{1D71E21F-4AB1-4161-92C6-1AF65238C6B7}"/>
+              </a:ext>
+            </a:extLst>
+          </p:cNvPr>
+          <p:cNvSpPr txBox="1"/>
+          <p:nvPr/>
+        </p:nvSpPr>
+        <p:spPr>
+          <a:xfrm>
+            <a:off x="4366109" y="3238391"/>
+            <a:ext cx="2947855" cy="369332"/>
+          </a:xfrm>
+          <a:prstGeom prst="rect">
+            <a:avLst/>
+          </a:prstGeom>
+          <a:noFill/>
+        </p:spPr>
+        <p:txBody>
+          <a:bodyPr wrap="square" rtlCol="0">
+            <a:spAutoFit/>
+          </a:bodyPr>
+          <a:lstStyle/>
+          <a:p>
+            <a:pPr algn="ctr"/>
+            <a:r>
+              <a:rPr lang="en-GB" b="1" i="1" dirty="0" err="1"/>
+              <a:t>placeVertices</a:t>
+            </a:r>
+            <a:r>
+              <a:rPr lang="en-GB" b="1" i="1"/>
+              <a:t>(</a:t>
+            </a:r>
+            <a:r>
+              <a:rPr lang="en-GB" i="1"/>
+              <a:t>path</a:t>
+            </a:r>
+            <a:r>
+              <a:rPr lang="en-GB" b="1" i="1"/>
+              <a:t>)</a:t>
+            </a:r>
+            <a:endParaRPr lang="en-GB" b="1" i="1" dirty="0"/>
+          </a:p>
+        </p:txBody>
+      </p:sp>
+      <p:sp>
+        <p:nvSpPr>
+          <p:cNvPr id="14" name="TextBox 62">
+            <a:extLst>
+              <a:ext uri="{FF2B5EF4-FFF2-40B4-BE49-F238E27FC236}">
+                <a16:creationId xmlns:a16="http://schemas.microsoft.com/office/drawing/2014/main" id="{1D71E21F-4AB1-4161-92C6-1AF65238C6B7}"/>
+              </a:ext>
+            </a:extLst>
+          </p:cNvPr>
+          <p:cNvSpPr txBox="1"/>
+          <p:nvPr/>
+        </p:nvSpPr>
+        <p:spPr>
+          <a:xfrm>
+            <a:off x="852068" y="5740254"/>
+            <a:ext cx="710725" cy="369332"/>
+          </a:xfrm>
+          <a:prstGeom prst="rect">
+            <a:avLst/>
+          </a:prstGeom>
+          <a:noFill/>
+        </p:spPr>
+        <p:txBody>
+          <a:bodyPr wrap="square" rtlCol="0">
+            <a:spAutoFit/>
+          </a:bodyPr>
+          <a:lstStyle/>
+          <a:p>
+            <a:pPr algn="ctr"/>
+            <a:r>
+              <a:rPr lang="en-GB" b="1" dirty="0">
+                <a:solidFill>
+                  <a:srgbClr val="FF0000"/>
+                </a:solidFill>
+              </a:rPr>
+              <a:t>Input</a:t>
+            </a:r>
+            <a:endParaRPr lang="en-GB" dirty="0">
+              <a:solidFill>
+                <a:srgbClr val="FF0000"/>
+              </a:solidFill>
+            </a:endParaRPr>
+          </a:p>
+        </p:txBody>
+      </p:sp>
+      <p:sp>
+        <p:nvSpPr>
+          <p:cNvPr id="15" name="TextBox 62">
+            <a:extLst>
+              <a:ext uri="{FF2B5EF4-FFF2-40B4-BE49-F238E27FC236}">
+                <a16:creationId xmlns:a16="http://schemas.microsoft.com/office/drawing/2014/main" id="{1D71E21F-4AB1-4161-92C6-1AF65238C6B7}"/>
+              </a:ext>
+            </a:extLst>
+          </p:cNvPr>
+          <p:cNvSpPr txBox="1"/>
+          <p:nvPr/>
+        </p:nvSpPr>
+        <p:spPr>
+          <a:xfrm>
+            <a:off x="6686137" y="5740254"/>
+            <a:ext cx="936634" cy="369332"/>
+          </a:xfrm>
+          <a:prstGeom prst="rect">
+            <a:avLst/>
+          </a:prstGeom>
+          <a:noFill/>
+        </p:spPr>
+        <p:txBody>
+          <a:bodyPr wrap="square" rtlCol="0">
+            <a:spAutoFit/>
+          </a:bodyPr>
+          <a:lstStyle/>
+          <a:p>
+            <a:pPr algn="ctr"/>
+            <a:r>
+              <a:rPr lang="en-GB" b="1" dirty="0">
+                <a:solidFill>
+                  <a:srgbClr val="FF0000"/>
+                </a:solidFill>
+              </a:rPr>
+              <a:t>Output</a:t>
+            </a:r>
+            <a:endParaRPr lang="en-GB" dirty="0">
+              <a:solidFill>
+                <a:srgbClr val="FF0000"/>
+              </a:solidFill>
+            </a:endParaRPr>
+          </a:p>
+        </p:txBody>
+      </p:sp>
+    </p:spTree>
+    <p:extLst>
+      <p:ext uri="{BB962C8B-B14F-4D97-AF65-F5344CB8AC3E}">
+        <p14:creationId xmlns:p14="http://schemas.microsoft.com/office/powerpoint/2010/main" val="3137911081"/>
+      </p:ext>
+    </p:extLst>
+  </p:cSld>
+  <p:clrMapOvr>
+    <a:masterClrMapping/>
+  </p:clrMapOvr>
+</p:sld>
+</file>
+
+<file path=ppt/slides/slide13.xml><?xml version="1.0" encoding="utf-8"?>
+<p:sld xmlns:a="http://schemas.openxmlformats.org/drawingml/2006/main" xmlns:r="http://schemas.openxmlformats.org/officeDocument/2006/relationships" xmlns:p="http://schemas.openxmlformats.org/presentationml/2006/main">
+  <p:cSld>
+    <p:spTree>
+      <p:nvGrpSpPr>
+        <p:cNvPr id="1" name=""/>
+        <p:cNvGrpSpPr/>
+        <p:nvPr/>
+      </p:nvGrpSpPr>
+      <p:grpSpPr>
+        <a:xfrm>
+          <a:off x="0" y="0"/>
+          <a:ext cx="0" cy="0"/>
+          <a:chOff x="0" y="0"/>
+          <a:chExt cx="0" cy="0"/>
+        </a:xfrm>
+      </p:grpSpPr>
+      <p:sp>
+        <p:nvSpPr>
+          <p:cNvPr id="2" name="Title 1">
+            <a:extLst>
+              <a:ext uri="{FF2B5EF4-FFF2-40B4-BE49-F238E27FC236}">
+                <a16:creationId xmlns:a16="http://schemas.microsoft.com/office/drawing/2014/main" id="{8AEB4669-5D9E-428A-9F10-64DC2B65A45E}"/>
+              </a:ext>
+            </a:extLst>
+          </p:cNvPr>
+          <p:cNvSpPr>
+            <a:spLocks noGrp="1"/>
+          </p:cNvSpPr>
+          <p:nvPr>
+            <p:ph type="title"/>
+          </p:nvPr>
+        </p:nvSpPr>
+        <p:spPr>
+          <a:xfrm>
+            <a:off x="0" y="18255"/>
+            <a:ext cx="12192000" cy="991939"/>
+          </a:xfrm>
+        </p:spPr>
+        <p:txBody>
+          <a:bodyPr>
+            <a:normAutofit/>
+          </a:bodyPr>
+          <a:lstStyle/>
+          <a:p>
+            <a:r>
+              <a:rPr lang="en-GB" sz="3200" b="1" dirty="0" err="1">
+                <a:solidFill>
+                  <a:srgbClr val="339966"/>
+                </a:solidFill>
+              </a:rPr>
+              <a:t>vertexPlacement</a:t>
+            </a:r>
+            <a:r>
+              <a:rPr lang="en-GB" sz="3200" b="1" dirty="0">
+                <a:solidFill>
+                  <a:srgbClr val="339966"/>
+                </a:solidFill>
+              </a:rPr>
+              <a:t>()</a:t>
+            </a:r>
+            <a:br>
+              <a:rPr lang="en-GB" sz="3200" b="1" dirty="0">
                 <a:solidFill>
                   <a:srgbClr val="339966"/>
                 </a:solidFill>
@@ -6920,18 +12504,13 @@
                     <a:p>
                       <a:pPr algn="ctr"/>
                       <a:r>
-                        <a:rPr lang="de-DE" sz="1200" dirty="0" smtClean="0">
+                        <a:rPr lang="de-DE" sz="1200" dirty="0">
                           <a:solidFill>
                             <a:srgbClr val="00B0F0"/>
                           </a:solidFill>
                         </a:rPr>
                         <a:t>1</a:t>
                       </a:r>
-                      <a:endParaRPr lang="de-DE" sz="1200" dirty="0">
-                        <a:solidFill>
-                          <a:srgbClr val="00B0F0"/>
-                        </a:solidFill>
-                      </a:endParaRPr>
                     </a:p>
                   </a:txBody>
                   <a:tcPr marL="0" marR="0" marT="0" marB="0" anchor="ctr">
@@ -6989,18 +12568,13 @@
                     <a:p>
                       <a:pPr algn="ctr"/>
                       <a:r>
-                        <a:rPr lang="de-DE" sz="1200" dirty="0" smtClean="0">
+                        <a:rPr lang="de-DE" sz="1200" dirty="0">
                           <a:solidFill>
                             <a:srgbClr val="00B0F0"/>
                           </a:solidFill>
                         </a:rPr>
                         <a:t>2</a:t>
                       </a:r>
-                      <a:endParaRPr lang="de-DE" sz="1200" dirty="0">
-                        <a:solidFill>
-                          <a:srgbClr val="00B0F0"/>
-                        </a:solidFill>
-                      </a:endParaRPr>
                     </a:p>
                   </a:txBody>
                   <a:tcPr marL="0" marR="0" marT="0" marB="0" anchor="ctr">
@@ -7058,18 +12632,13 @@
                     <a:p>
                       <a:pPr algn="ctr"/>
                       <a:r>
-                        <a:rPr lang="de-DE" sz="1200" dirty="0" smtClean="0">
+                        <a:rPr lang="de-DE" sz="1200" dirty="0">
                           <a:solidFill>
                             <a:srgbClr val="00B0F0"/>
                           </a:solidFill>
                         </a:rPr>
                         <a:t>3</a:t>
                       </a:r>
-                      <a:endParaRPr lang="de-DE" sz="1200" dirty="0">
-                        <a:solidFill>
-                          <a:srgbClr val="00B0F0"/>
-                        </a:solidFill>
-                      </a:endParaRPr>
                     </a:p>
                   </a:txBody>
                   <a:tcPr marL="0" marR="0" marT="0" marB="0" anchor="ctr">
@@ -7127,18 +12696,13 @@
                     <a:p>
                       <a:pPr algn="ctr"/>
                       <a:r>
-                        <a:rPr lang="de-DE" sz="1200" dirty="0" smtClean="0">
+                        <a:rPr lang="de-DE" sz="1200" dirty="0">
                           <a:solidFill>
                             <a:srgbClr val="00B0F0"/>
                           </a:solidFill>
                         </a:rPr>
                         <a:t>4</a:t>
                       </a:r>
-                      <a:endParaRPr lang="de-DE" sz="1200" dirty="0">
-                        <a:solidFill>
-                          <a:srgbClr val="00B0F0"/>
-                        </a:solidFill>
-                      </a:endParaRPr>
                     </a:p>
                   </a:txBody>
                   <a:tcPr marL="0" marR="0" marT="0" marB="0" anchor="ctr">
@@ -7196,18 +12760,13 @@
                     <a:p>
                       <a:pPr algn="ctr"/>
                       <a:r>
-                        <a:rPr lang="de-DE" sz="1200" dirty="0" smtClean="0">
+                        <a:rPr lang="de-DE" sz="1200" dirty="0">
                           <a:solidFill>
                             <a:srgbClr val="00B0F0"/>
                           </a:solidFill>
                         </a:rPr>
                         <a:t>5</a:t>
                       </a:r>
-                      <a:endParaRPr lang="de-DE" sz="1200" dirty="0">
-                        <a:solidFill>
-                          <a:srgbClr val="00B0F0"/>
-                        </a:solidFill>
-                      </a:endParaRPr>
                     </a:p>
                   </a:txBody>
                   <a:tcPr marL="0" marR="0" marT="0" marB="0" anchor="ctr">
@@ -7265,18 +12824,13 @@
                     <a:p>
                       <a:pPr algn="ctr"/>
                       <a:r>
-                        <a:rPr lang="de-DE" sz="1200" dirty="0" smtClean="0">
+                        <a:rPr lang="de-DE" sz="1200" dirty="0">
                           <a:solidFill>
                             <a:srgbClr val="0000FF"/>
                           </a:solidFill>
                         </a:rPr>
                         <a:t>6</a:t>
                       </a:r>
-                      <a:endParaRPr lang="de-DE" sz="1200" dirty="0">
-                        <a:solidFill>
-                          <a:srgbClr val="0000FF"/>
-                        </a:solidFill>
-                      </a:endParaRPr>
                     </a:p>
                   </a:txBody>
                   <a:tcPr marL="0" marR="0" marT="0" marB="0" anchor="ctr">
@@ -7334,18 +12888,13 @@
                     <a:p>
                       <a:pPr algn="ctr"/>
                       <a:r>
-                        <a:rPr lang="de-DE" sz="1200" dirty="0" smtClean="0">
+                        <a:rPr lang="de-DE" sz="1200" dirty="0">
                           <a:solidFill>
                             <a:srgbClr val="00B0F0"/>
                           </a:solidFill>
                         </a:rPr>
                         <a:t>7</a:t>
                       </a:r>
-                      <a:endParaRPr lang="de-DE" sz="1200" dirty="0">
-                        <a:solidFill>
-                          <a:srgbClr val="00B0F0"/>
-                        </a:solidFill>
-                      </a:endParaRPr>
                     </a:p>
                   </a:txBody>
                   <a:tcPr marL="0" marR="0" marT="0" marB="0" anchor="ctr">
@@ -7403,18 +12952,13 @@
                     <a:p>
                       <a:pPr algn="ctr"/>
                       <a:r>
-                        <a:rPr lang="de-DE" sz="1200" dirty="0" smtClean="0">
+                        <a:rPr lang="de-DE" sz="1200" dirty="0">
                           <a:solidFill>
                             <a:srgbClr val="00B0F0"/>
                           </a:solidFill>
                         </a:rPr>
                         <a:t>8</a:t>
                       </a:r>
-                      <a:endParaRPr lang="de-DE" sz="1200" dirty="0">
-                        <a:solidFill>
-                          <a:srgbClr val="00B0F0"/>
-                        </a:solidFill>
-                      </a:endParaRPr>
                     </a:p>
                   </a:txBody>
                   <a:tcPr marL="0" marR="0" marT="0" marB="0" anchor="ctr">
@@ -7472,18 +13016,13 @@
                     <a:p>
                       <a:pPr algn="ctr"/>
                       <a:r>
-                        <a:rPr lang="de-DE" sz="1200" dirty="0" smtClean="0">
+                        <a:rPr lang="de-DE" sz="1200" dirty="0">
                           <a:solidFill>
                             <a:srgbClr val="00B0F0"/>
                           </a:solidFill>
                         </a:rPr>
                         <a:t>9</a:t>
                       </a:r>
-                      <a:endParaRPr lang="de-DE" sz="1200" dirty="0">
-                        <a:solidFill>
-                          <a:srgbClr val="00B0F0"/>
-                        </a:solidFill>
-                      </a:endParaRPr>
                     </a:p>
                   </a:txBody>
                   <a:tcPr marL="0" marR="0" marT="0" marB="0" anchor="ctr">
@@ -7541,18 +13080,13 @@
                     <a:p>
                       <a:pPr algn="ctr"/>
                       <a:r>
-                        <a:rPr lang="de-DE" sz="1200" dirty="0" smtClean="0">
+                        <a:rPr lang="de-DE" sz="1200" dirty="0">
                           <a:solidFill>
                             <a:schemeClr val="tx1"/>
                           </a:solidFill>
                         </a:rPr>
                         <a:t>…</a:t>
                       </a:r>
-                      <a:endParaRPr lang="de-DE" sz="1200" dirty="0">
-                        <a:solidFill>
-                          <a:schemeClr val="tx1"/>
-                        </a:solidFill>
-                      </a:endParaRPr>
                     </a:p>
                   </a:txBody>
                   <a:tcPr marL="0" marR="0" marT="0" marB="0" anchor="ctr">
@@ -7642,7 +13176,7 @@
           <a:lstStyle/>
           <a:p>
             <a:r>
-              <a:rPr lang="en-GB" sz="1050" b="1" dirty="0" smtClean="0"/>
+              <a:rPr lang="en-GB" sz="1050" b="1" dirty="0"/>
               <a:t>Path Array:</a:t>
             </a:r>
             <a:endParaRPr lang="en-GB" sz="1050" dirty="0"/>
@@ -7678,7 +13212,7 @@
           <a:lstStyle/>
           <a:p>
             <a:r>
-              <a:rPr lang="en-GB" sz="1050" b="1" dirty="0" smtClean="0"/>
+              <a:rPr lang="en-GB" sz="1050" b="1" dirty="0"/>
               <a:t>Siblings Array:</a:t>
             </a:r>
             <a:endParaRPr lang="en-GB" sz="1050" dirty="0"/>
@@ -7775,18 +13309,13 @@
                     <a:p>
                       <a:pPr algn="ctr"/>
                       <a:r>
-                        <a:rPr lang="de-DE" sz="1200" dirty="0" smtClean="0">
+                        <a:rPr lang="de-DE" sz="1200" dirty="0">
                           <a:solidFill>
                             <a:srgbClr val="00B0F0"/>
                           </a:solidFill>
                         </a:rPr>
                         <a:t>1</a:t>
                       </a:r>
-                      <a:endParaRPr lang="de-DE" sz="1200" dirty="0">
-                        <a:solidFill>
-                          <a:srgbClr val="00B0F0"/>
-                        </a:solidFill>
-                      </a:endParaRPr>
                     </a:p>
                   </a:txBody>
                   <a:tcPr marL="0" marR="0" marT="0" marB="0" anchor="ctr">
@@ -7844,18 +13373,13 @@
                     <a:p>
                       <a:pPr algn="ctr"/>
                       <a:r>
-                        <a:rPr lang="de-DE" sz="1200" dirty="0" smtClean="0">
+                        <a:rPr lang="de-DE" sz="1200" dirty="0">
                           <a:solidFill>
                             <a:srgbClr val="0000FF"/>
                           </a:solidFill>
                         </a:rPr>
                         <a:t>6</a:t>
                       </a:r>
-                      <a:endParaRPr lang="de-DE" sz="1200" dirty="0">
-                        <a:solidFill>
-                          <a:srgbClr val="0000FF"/>
-                        </a:solidFill>
-                      </a:endParaRPr>
                     </a:p>
                   </a:txBody>
                   <a:tcPr marL="0" marR="0" marT="0" marB="0" anchor="ctr">
@@ -7913,18 +13437,13 @@
                     <a:p>
                       <a:pPr algn="ctr"/>
                       <a:r>
-                        <a:rPr lang="de-DE" sz="1200" dirty="0" smtClean="0">
+                        <a:rPr lang="de-DE" sz="1200" dirty="0">
                           <a:solidFill>
                             <a:srgbClr val="00B0F0"/>
                           </a:solidFill>
                         </a:rPr>
                         <a:t>7</a:t>
                       </a:r>
-                      <a:endParaRPr lang="de-DE" sz="1200" dirty="0">
-                        <a:solidFill>
-                          <a:srgbClr val="00B0F0"/>
-                        </a:solidFill>
-                      </a:endParaRPr>
                     </a:p>
                   </a:txBody>
                   <a:tcPr marL="0" marR="0" marT="0" marB="0" anchor="ctr">
@@ -7982,18 +13501,13 @@
                     <a:p>
                       <a:pPr algn="ctr"/>
                       <a:r>
-                        <a:rPr lang="de-DE" sz="1200" dirty="0" smtClean="0">
+                        <a:rPr lang="de-DE" sz="1200" dirty="0">
                           <a:solidFill>
                             <a:srgbClr val="0000FF"/>
                           </a:solidFill>
                         </a:rPr>
                         <a:t>12</a:t>
                       </a:r>
-                      <a:endParaRPr lang="de-DE" sz="1200" dirty="0">
-                        <a:solidFill>
-                          <a:srgbClr val="0000FF"/>
-                        </a:solidFill>
-                      </a:endParaRPr>
                     </a:p>
                   </a:txBody>
                   <a:tcPr marL="0" marR="0" marT="0" marB="0" anchor="ctr">
@@ -8051,18 +13565,13 @@
                     <a:p>
                       <a:pPr algn="ctr"/>
                       <a:r>
-                        <a:rPr lang="de-DE" sz="1200" dirty="0" smtClean="0">
+                        <a:rPr lang="de-DE" sz="1200" dirty="0">
                           <a:solidFill>
                             <a:srgbClr val="00B050"/>
                           </a:solidFill>
                         </a:rPr>
                         <a:t>13</a:t>
                       </a:r>
-                      <a:endParaRPr lang="de-DE" sz="1200" dirty="0">
-                        <a:solidFill>
-                          <a:srgbClr val="00B050"/>
-                        </a:solidFill>
-                      </a:endParaRPr>
                     </a:p>
                   </a:txBody>
                   <a:tcPr marL="0" marR="0" marT="0" marB="0" anchor="ctr">
@@ -8120,18 +13629,13 @@
                     <a:p>
                       <a:pPr algn="ctr"/>
                       <a:r>
-                        <a:rPr lang="de-DE" sz="1200" dirty="0" smtClean="0">
+                        <a:rPr lang="de-DE" sz="1200" dirty="0">
                           <a:solidFill>
                             <a:srgbClr val="0000FF"/>
                           </a:solidFill>
                         </a:rPr>
                         <a:t>14</a:t>
                       </a:r>
-                      <a:endParaRPr lang="de-DE" sz="1200" dirty="0">
-                        <a:solidFill>
-                          <a:srgbClr val="0000FF"/>
-                        </a:solidFill>
-                      </a:endParaRPr>
                     </a:p>
                   </a:txBody>
                   <a:tcPr marL="0" marR="0" marT="0" marB="0" anchor="ctr">
@@ -8189,18 +13693,13 @@
                     <a:p>
                       <a:pPr algn="ctr"/>
                       <a:r>
-                        <a:rPr lang="de-DE" sz="1200" dirty="0" smtClean="0">
+                        <a:rPr lang="de-DE" sz="1200" dirty="0">
                           <a:solidFill>
                             <a:srgbClr val="0000FF"/>
                           </a:solidFill>
                         </a:rPr>
                         <a:t>15</a:t>
                       </a:r>
-                      <a:endParaRPr lang="de-DE" sz="1200" dirty="0">
-                        <a:solidFill>
-                          <a:srgbClr val="0000FF"/>
-                        </a:solidFill>
-                      </a:endParaRPr>
                     </a:p>
                   </a:txBody>
                   <a:tcPr marL="0" marR="0" marT="0" marB="0" anchor="ctr">
@@ -8258,18 +13757,13 @@
                     <a:p>
                       <a:pPr algn="ctr"/>
                       <a:r>
-                        <a:rPr lang="de-DE" sz="1200" dirty="0" smtClean="0">
+                        <a:rPr lang="de-DE" sz="1200" dirty="0">
                           <a:solidFill>
                             <a:schemeClr val="tx1"/>
                           </a:solidFill>
                         </a:rPr>
                         <a:t>…</a:t>
                       </a:r>
-                      <a:endParaRPr lang="de-DE" sz="1200" dirty="0">
-                        <a:solidFill>
-                          <a:schemeClr val="tx1"/>
-                        </a:solidFill>
-                      </a:endParaRPr>
                     </a:p>
                   </a:txBody>
                   <a:tcPr marL="0" marR="0" marT="0" marB="0" anchor="ctr">
@@ -8434,18 +13928,13 @@
                     <a:p>
                       <a:pPr algn="ctr"/>
                       <a:r>
-                        <a:rPr lang="de-DE" sz="1200" b="1" i="0" dirty="0" smtClean="0">
+                        <a:rPr lang="de-DE" sz="1200" b="1" i="0" dirty="0">
                           <a:solidFill>
                             <a:srgbClr val="00B0F0"/>
                           </a:solidFill>
                         </a:rPr>
                         <a:t>1</a:t>
                       </a:r>
-                      <a:endParaRPr lang="de-DE" sz="1200" b="1" i="0" dirty="0">
-                        <a:solidFill>
-                          <a:srgbClr val="00B0F0"/>
-                        </a:solidFill>
-                      </a:endParaRPr>
                     </a:p>
                   </a:txBody>
                   <a:tcPr marL="0" marR="0" marT="0" marB="0" anchor="ctr">
@@ -8503,18 +13992,13 @@
                     <a:p>
                       <a:pPr algn="ctr"/>
                       <a:r>
-                        <a:rPr lang="de-DE" sz="1200" b="1" i="0" dirty="0" smtClean="0">
+                        <a:rPr lang="de-DE" sz="1200" b="1" i="0" dirty="0">
                           <a:solidFill>
                             <a:srgbClr val="00B0F0"/>
                           </a:solidFill>
                         </a:rPr>
                         <a:t>2</a:t>
                       </a:r>
-                      <a:endParaRPr lang="de-DE" sz="1200" b="1" i="0" dirty="0">
-                        <a:solidFill>
-                          <a:srgbClr val="00B0F0"/>
-                        </a:solidFill>
-                      </a:endParaRPr>
                     </a:p>
                   </a:txBody>
                   <a:tcPr marL="0" marR="0" marT="0" marB="0" anchor="ctr">
@@ -8572,18 +14056,13 @@
                     <a:p>
                       <a:pPr algn="ctr"/>
                       <a:r>
-                        <a:rPr lang="de-DE" sz="1200" b="1" i="0" dirty="0" smtClean="0">
+                        <a:rPr lang="de-DE" sz="1200" b="1" i="0" dirty="0">
                           <a:solidFill>
                             <a:srgbClr val="00B0F0"/>
                           </a:solidFill>
                         </a:rPr>
                         <a:t>3</a:t>
                       </a:r>
-                      <a:endParaRPr lang="de-DE" sz="1200" b="1" i="0" dirty="0">
-                        <a:solidFill>
-                          <a:srgbClr val="00B0F0"/>
-                        </a:solidFill>
-                      </a:endParaRPr>
                     </a:p>
                   </a:txBody>
                   <a:tcPr marL="0" marR="0" marT="0" marB="0" anchor="ctr">
@@ -8641,18 +14120,13 @@
                     <a:p>
                       <a:pPr algn="ctr"/>
                       <a:r>
-                        <a:rPr lang="de-DE" sz="1200" b="1" i="0" dirty="0" smtClean="0">
+                        <a:rPr lang="de-DE" sz="1200" b="1" i="0" dirty="0">
                           <a:solidFill>
                             <a:srgbClr val="00B0F0"/>
                           </a:solidFill>
                         </a:rPr>
                         <a:t>4</a:t>
                       </a:r>
-                      <a:endParaRPr lang="de-DE" sz="1200" b="1" i="0" dirty="0">
-                        <a:solidFill>
-                          <a:srgbClr val="00B0F0"/>
-                        </a:solidFill>
-                      </a:endParaRPr>
                     </a:p>
                   </a:txBody>
                   <a:tcPr marL="0" marR="0" marT="0" marB="0" anchor="ctr">
@@ -8710,18 +14184,13 @@
                     <a:p>
                       <a:pPr algn="ctr"/>
                       <a:r>
-                        <a:rPr lang="de-DE" sz="1200" b="1" i="0" dirty="0" smtClean="0">
+                        <a:rPr lang="de-DE" sz="1200" b="1" i="0" dirty="0">
                           <a:solidFill>
                             <a:srgbClr val="00B0F0"/>
                           </a:solidFill>
                         </a:rPr>
                         <a:t>5</a:t>
                       </a:r>
-                      <a:endParaRPr lang="de-DE" sz="1200" b="1" i="0" dirty="0">
-                        <a:solidFill>
-                          <a:srgbClr val="00B0F0"/>
-                        </a:solidFill>
-                      </a:endParaRPr>
                     </a:p>
                   </a:txBody>
                   <a:tcPr marL="0" marR="0" marT="0" marB="0" anchor="ctr">
@@ -8779,18 +14248,13 @@
                     <a:p>
                       <a:pPr algn="ctr"/>
                       <a:r>
-                        <a:rPr lang="de-DE" sz="1200" b="1" i="0" dirty="0" smtClean="0">
+                        <a:rPr lang="de-DE" sz="1200" b="1" i="0" dirty="0">
                           <a:solidFill>
                             <a:srgbClr val="0000FF"/>
                           </a:solidFill>
                         </a:rPr>
                         <a:t>6</a:t>
                       </a:r>
-                      <a:endParaRPr lang="de-DE" sz="1200" b="1" i="0" dirty="0">
-                        <a:solidFill>
-                          <a:srgbClr val="0000FF"/>
-                        </a:solidFill>
-                      </a:endParaRPr>
                     </a:p>
                   </a:txBody>
                   <a:tcPr marL="0" marR="0" marT="0" marB="0" anchor="ctr">
@@ -8848,18 +14312,13 @@
                     <a:p>
                       <a:pPr algn="ctr"/>
                       <a:r>
-                        <a:rPr lang="de-DE" sz="1200" b="1" i="0" dirty="0" smtClean="0">
+                        <a:rPr lang="de-DE" sz="1200" b="1" i="0" dirty="0">
                           <a:solidFill>
                             <a:srgbClr val="00B0F0"/>
                           </a:solidFill>
                         </a:rPr>
                         <a:t>7</a:t>
                       </a:r>
-                      <a:endParaRPr lang="de-DE" sz="1200" b="1" i="0" dirty="0">
-                        <a:solidFill>
-                          <a:srgbClr val="00B0F0"/>
-                        </a:solidFill>
-                      </a:endParaRPr>
                     </a:p>
                   </a:txBody>
                   <a:tcPr marL="0" marR="0" marT="0" marB="0" anchor="ctr">
@@ -8917,18 +14376,13 @@
                     <a:p>
                       <a:pPr algn="ctr"/>
                       <a:r>
-                        <a:rPr lang="de-DE" sz="1200" b="1" i="0" dirty="0" smtClean="0">
+                        <a:rPr lang="de-DE" sz="1200" b="1" i="0" dirty="0">
                           <a:solidFill>
                             <a:srgbClr val="00B0F0"/>
                           </a:solidFill>
                         </a:rPr>
                         <a:t>8</a:t>
                       </a:r>
-                      <a:endParaRPr lang="de-DE" sz="1200" b="1" i="0" dirty="0">
-                        <a:solidFill>
-                          <a:srgbClr val="00B0F0"/>
-                        </a:solidFill>
-                      </a:endParaRPr>
                     </a:p>
                   </a:txBody>
                   <a:tcPr marL="0" marR="0" marT="0" marB="0" anchor="ctr">
@@ -8986,18 +14440,13 @@
                     <a:p>
                       <a:pPr algn="ctr"/>
                       <a:r>
-                        <a:rPr lang="de-DE" sz="1200" b="1" i="0" dirty="0" smtClean="0">
+                        <a:rPr lang="de-DE" sz="1200" b="1" i="0" dirty="0">
                           <a:solidFill>
                             <a:srgbClr val="00B0F0"/>
                           </a:solidFill>
                         </a:rPr>
                         <a:t>9</a:t>
                       </a:r>
-                      <a:endParaRPr lang="de-DE" sz="1200" b="1" i="0" dirty="0">
-                        <a:solidFill>
-                          <a:srgbClr val="00B0F0"/>
-                        </a:solidFill>
-                      </a:endParaRPr>
                     </a:p>
                   </a:txBody>
                   <a:tcPr marL="0" marR="0" marT="0" marB="0" anchor="ctr">
@@ -9055,18 +14504,13 @@
                     <a:p>
                       <a:pPr algn="ctr"/>
                       <a:r>
-                        <a:rPr lang="de-DE" sz="1200" b="1" i="0" dirty="0" smtClean="0">
+                        <a:rPr lang="de-DE" sz="1200" b="1" i="0" dirty="0">
                           <a:solidFill>
                             <a:schemeClr val="tx1"/>
                           </a:solidFill>
                         </a:rPr>
                         <a:t>…</a:t>
                       </a:r>
-                      <a:endParaRPr lang="de-DE" sz="1200" b="1" i="0" dirty="0">
-                        <a:solidFill>
-                          <a:schemeClr val="tx1"/>
-                        </a:solidFill>
-                      </a:endParaRPr>
                     </a:p>
                   </a:txBody>
                   <a:tcPr marL="0" marR="0" marT="0" marB="0" anchor="ctr">
@@ -9131,18 +14575,13 @@
                     <a:p>
                       <a:pPr algn="ctr"/>
                       <a:r>
-                        <a:rPr lang="de-DE" sz="1200" b="1" i="0" dirty="0" smtClean="0">
+                        <a:rPr lang="de-DE" sz="1200" b="1" i="0" dirty="0">
                           <a:solidFill>
                             <a:srgbClr val="00B0F0"/>
                           </a:solidFill>
                         </a:rPr>
                         <a:t>7</a:t>
                       </a:r>
-                      <a:endParaRPr lang="de-DE" sz="1200" b="1" i="0" dirty="0">
-                        <a:solidFill>
-                          <a:srgbClr val="00B0F0"/>
-                        </a:solidFill>
-                      </a:endParaRPr>
                     </a:p>
                   </a:txBody>
                   <a:tcPr marL="0" marR="0" marT="0" marB="0" anchor="ctr">
@@ -9200,18 +14639,13 @@
                     <a:p>
                       <a:pPr algn="ctr"/>
                       <a:r>
-                        <a:rPr lang="de-DE" sz="1200" b="1" i="0" dirty="0" smtClean="0">
+                        <a:rPr lang="de-DE" sz="1200" b="1" i="0" dirty="0">
                           <a:solidFill>
                             <a:srgbClr val="00B0F0"/>
                           </a:solidFill>
                         </a:rPr>
                         <a:t>8</a:t>
                       </a:r>
-                      <a:endParaRPr lang="de-DE" sz="1200" b="1" i="0" dirty="0">
-                        <a:solidFill>
-                          <a:srgbClr val="00B0F0"/>
-                        </a:solidFill>
-                      </a:endParaRPr>
                     </a:p>
                   </a:txBody>
                   <a:tcPr marL="0" marR="0" marT="0" marB="0" anchor="ctr">
@@ -9269,18 +14703,13 @@
                     <a:p>
                       <a:pPr algn="ctr"/>
                       <a:r>
-                        <a:rPr lang="de-DE" sz="1200" b="1" i="0" dirty="0" smtClean="0">
+                        <a:rPr lang="de-DE" sz="1200" b="1" i="0" dirty="0">
                           <a:solidFill>
                             <a:srgbClr val="00B0F0"/>
                           </a:solidFill>
                         </a:rPr>
                         <a:t>9</a:t>
                       </a:r>
-                      <a:endParaRPr lang="de-DE" sz="1200" b="1" i="0" dirty="0">
-                        <a:solidFill>
-                          <a:srgbClr val="00B0F0"/>
-                        </a:solidFill>
-                      </a:endParaRPr>
                     </a:p>
                   </a:txBody>
                   <a:tcPr marL="0" marR="0" marT="0" marB="0" anchor="ctr">
@@ -9338,18 +14767,13 @@
                     <a:p>
                       <a:pPr algn="ctr"/>
                       <a:r>
-                        <a:rPr lang="de-DE" sz="1200" b="1" i="0" dirty="0" smtClean="0">
+                        <a:rPr lang="de-DE" sz="1200" b="1" i="0" dirty="0">
                           <a:solidFill>
                             <a:srgbClr val="00B0F0"/>
                           </a:solidFill>
                         </a:rPr>
                         <a:t>10</a:t>
                       </a:r>
-                      <a:endParaRPr lang="de-DE" sz="1200" b="1" i="0" dirty="0">
-                        <a:solidFill>
-                          <a:srgbClr val="00B0F0"/>
-                        </a:solidFill>
-                      </a:endParaRPr>
                     </a:p>
                   </a:txBody>
                   <a:tcPr marL="0" marR="0" marT="0" marB="0" anchor="ctr">
@@ -10641,18 +16065,13 @@
                     <a:p>
                       <a:pPr algn="ctr"/>
                       <a:r>
-                        <a:rPr lang="de-DE" sz="1200" b="1" i="0" dirty="0" smtClean="0">
+                        <a:rPr lang="de-DE" sz="1200" b="1" i="0" dirty="0">
                           <a:solidFill>
                             <a:srgbClr val="00B0F0"/>
                           </a:solidFill>
                         </a:rPr>
                         <a:t>?</a:t>
                       </a:r>
-                      <a:endParaRPr lang="de-DE" sz="1200" b="1" i="0" dirty="0">
-                        <a:solidFill>
-                          <a:srgbClr val="00B0F0"/>
-                        </a:solidFill>
-                      </a:endParaRPr>
                     </a:p>
                   </a:txBody>
                   <a:tcPr marL="0" marR="0" marT="0" marB="0" anchor="ctr">
@@ -12898,7 +18317,7 @@
           <a:lstStyle/>
           <a:p>
             <a:r>
-              <a:rPr lang="en-GB" sz="1050" b="1" dirty="0" smtClean="0"/>
+              <a:rPr lang="en-GB" sz="1050" b="1" dirty="0"/>
               <a:t>Families Arrays:</a:t>
             </a:r>
             <a:endParaRPr lang="en-GB" sz="1050" dirty="0"/>
@@ -12948,7 +18367,7 @@
 </p:sld>
 </file>
 
-<file path=ppt/slides/slide12.xml><?xml version="1.0" encoding="utf-8"?>
+<file path=ppt/slides/slide14.xml><?xml version="1.0" encoding="utf-8"?>
 <p:sld xmlns:a="http://schemas.openxmlformats.org/drawingml/2006/main" xmlns:r="http://schemas.openxmlformats.org/officeDocument/2006/relationships" xmlns:p="http://schemas.openxmlformats.org/presentationml/2006/main">
   <p:cSld>
     <p:spTree>
@@ -13009,23 +18428,15 @@
               </a:rPr>
               <a:t>()</a:t>
             </a:r>
-            <a:r>
-              <a:rPr lang="en-GB" sz="3200" b="1" dirty="0" smtClean="0">
-                <a:solidFill>
-                  <a:srgbClr val="339966"/>
-                </a:solidFill>
-              </a:rPr>
-              <a:t/>
-            </a:r>
             <a:br>
-              <a:rPr lang="en-GB" sz="3200" b="1" dirty="0" smtClean="0">
+              <a:rPr lang="en-GB" sz="3200" b="1" dirty="0">
                 <a:solidFill>
                   <a:srgbClr val="339966"/>
                 </a:solidFill>
               </a:rPr>
             </a:br>
             <a:r>
-              <a:rPr lang="en-GB" sz="1600" b="1" dirty="0" smtClean="0">
+              <a:rPr lang="en-GB" sz="1600" b="1" dirty="0">
                 <a:solidFill>
                   <a:schemeClr val="bg1">
                     <a:lumMod val="50000"/>
@@ -13114,7 +18525,7 @@
           <a:lstStyle/>
           <a:p>
             <a:r>
-              <a:rPr lang="en-US" sz="1200" b="1" dirty="0" smtClean="0">
+              <a:rPr lang="en-US" sz="1200" b="1" dirty="0">
                 <a:solidFill>
                   <a:srgbClr val="0000FF"/>
                 </a:solidFill>
@@ -13122,33 +18533,33 @@
               <a:t>forEach</a:t>
             </a:r>
             <a:r>
-              <a:rPr lang="en-US" sz="1200" dirty="0" smtClean="0"/>
+              <a:rPr lang="en-US" sz="1200" dirty="0"/>
               <a:t> </a:t>
             </a:r>
             <a:r>
-              <a:rPr lang="en-US" sz="1200" b="1" i="1" dirty="0" smtClean="0"/>
+              <a:rPr lang="en-US" sz="1200" b="1" i="1" dirty="0"/>
               <a:t>vertex</a:t>
             </a:r>
             <a:r>
-              <a:rPr lang="en-US" sz="1200" dirty="0" smtClean="0"/>
+              <a:rPr lang="en-US" sz="1200" dirty="0"/>
               <a:t> in </a:t>
             </a:r>
             <a:r>
-              <a:rPr lang="en-US" sz="1200" b="1" i="1" dirty="0" smtClean="0"/>
+              <a:rPr lang="en-US" sz="1200" b="1" i="1" dirty="0"/>
               <a:t>pidVertices</a:t>
             </a:r>
             <a:r>
-              <a:rPr lang="en-US" sz="1200" dirty="0" smtClean="0"/>
+              <a:rPr lang="en-US" sz="1200" dirty="0"/>
               <a:t>:</a:t>
             </a:r>
           </a:p>
           <a:p>
             <a:r>
-              <a:rPr lang="en-US" sz="1200" dirty="0" smtClean="0"/>
+              <a:rPr lang="en-US" sz="1200" dirty="0"/>
               <a:t>     </a:t>
             </a:r>
             <a:r>
-              <a:rPr lang="en-US" sz="1200" b="1" dirty="0" smtClean="0">
+              <a:rPr lang="en-US" sz="1200" b="1" dirty="0">
                 <a:solidFill>
                   <a:srgbClr val="C00000"/>
                 </a:solidFill>
@@ -13156,115 +18567,115 @@
               <a:t>if</a:t>
             </a:r>
             <a:r>
-              <a:rPr lang="en-US" sz="1200" dirty="0" smtClean="0"/>
+              <a:rPr lang="en-US" sz="1200" dirty="0"/>
               <a:t> (not group):</a:t>
             </a:r>
           </a:p>
           <a:p>
             <a:r>
-              <a:rPr lang="en-US" sz="1200" dirty="0" smtClean="0"/>
+              <a:rPr lang="en-US" sz="1200" dirty="0"/>
               <a:t>          </a:t>
             </a:r>
             <a:r>
-              <a:rPr lang="en-US" sz="1200" b="1" dirty="0" smtClean="0"/>
+              <a:rPr lang="en-US" sz="1200" b="1" dirty="0"/>
               <a:t>calculate</a:t>
             </a:r>
             <a:r>
-              <a:rPr lang="en-US" sz="1200" dirty="0" smtClean="0"/>
+              <a:rPr lang="en-US" sz="1200" dirty="0"/>
               <a:t> cell area</a:t>
             </a:r>
           </a:p>
           <a:p>
             <a:r>
-              <a:rPr lang="en-US" sz="1200" dirty="0" smtClean="0"/>
+              <a:rPr lang="en-US" sz="1200" dirty="0"/>
               <a:t>          </a:t>
             </a:r>
             <a:r>
-              <a:rPr lang="en-US" sz="1200" b="1" dirty="0" smtClean="0"/>
+              <a:rPr lang="en-US" sz="1200" b="1" dirty="0"/>
               <a:t>store</a:t>
             </a:r>
             <a:r>
-              <a:rPr lang="en-US" sz="1200" dirty="0" smtClean="0"/>
+              <a:rPr lang="en-US" sz="1200" dirty="0"/>
               <a:t> cell area</a:t>
             </a:r>
           </a:p>
           <a:p>
             <a:r>
-              <a:rPr lang="en-US" sz="1200" dirty="0" smtClean="0"/>
+              <a:rPr lang="en-US" sz="1200" dirty="0"/>
               <a:t>          </a:t>
             </a:r>
             <a:r>
-              <a:rPr lang="en-US" sz="1200" b="1" dirty="0" smtClean="0"/>
+              <a:rPr lang="en-US" sz="1200" b="1" dirty="0"/>
               <a:t>position</a:t>
             </a:r>
             <a:r>
-              <a:rPr lang="en-US" sz="1200" dirty="0" smtClean="0"/>
+              <a:rPr lang="en-US" sz="1200" dirty="0"/>
               <a:t> current vertex:</a:t>
             </a:r>
           </a:p>
           <a:p>
             <a:r>
-              <a:rPr lang="en-US" sz="1200" dirty="0" smtClean="0"/>
+              <a:rPr lang="en-US" sz="1200" dirty="0"/>
               <a:t>                </a:t>
             </a:r>
             <a:r>
-              <a:rPr lang="en-US" sz="1200" b="1" dirty="0" smtClean="0"/>
+              <a:rPr lang="en-US" sz="1200" b="1" dirty="0"/>
               <a:t>get</a:t>
             </a:r>
             <a:r>
-              <a:rPr lang="en-US" sz="1200" dirty="0" smtClean="0"/>
+              <a:rPr lang="en-US" sz="1200" dirty="0"/>
               <a:t> previous vertex position (x, y values)</a:t>
             </a:r>
           </a:p>
           <a:p>
             <a:r>
-              <a:rPr lang="en-US" sz="1200" dirty="0" smtClean="0"/>
+              <a:rPr lang="en-US" sz="1200" dirty="0"/>
               <a:t>                </a:t>
             </a:r>
             <a:r>
-              <a:rPr lang="en-US" sz="1200" b="1" dirty="0" smtClean="0"/>
+              <a:rPr lang="en-US" sz="1200" b="1" dirty="0"/>
               <a:t>apply</a:t>
             </a:r>
             <a:r>
-              <a:rPr lang="en-US" sz="1200" dirty="0" smtClean="0"/>
+              <a:rPr lang="en-US" sz="1200" dirty="0"/>
               <a:t> positioning rules</a:t>
             </a:r>
           </a:p>
           <a:p>
             <a:r>
-              <a:rPr lang="en-US" sz="1200" dirty="0" smtClean="0"/>
+              <a:rPr lang="en-US" sz="1200" dirty="0"/>
               <a:t>                </a:t>
             </a:r>
             <a:r>
-              <a:rPr lang="en-US" sz="1200" b="1" dirty="0" smtClean="0"/>
+              <a:rPr lang="en-US" sz="1200" b="1" dirty="0"/>
               <a:t>set</a:t>
             </a:r>
             <a:r>
-              <a:rPr lang="en-US" sz="1200" dirty="0" smtClean="0"/>
+              <a:rPr lang="en-US" sz="1200" dirty="0"/>
               <a:t> current vertex position</a:t>
             </a:r>
           </a:p>
           <a:p>
             <a:r>
-              <a:rPr lang="en-US" sz="1200" dirty="0" smtClean="0"/>
+              <a:rPr lang="en-US" sz="1200" dirty="0"/>
               <a:t>          </a:t>
             </a:r>
             <a:r>
-              <a:rPr lang="en-US" sz="1200" b="1" dirty="0" smtClean="0"/>
+              <a:rPr lang="en-US" sz="1200" b="1" dirty="0"/>
               <a:t>update</a:t>
             </a:r>
             <a:r>
-              <a:rPr lang="en-US" sz="1200" dirty="0" smtClean="0"/>
+              <a:rPr lang="en-US" sz="1200" dirty="0"/>
               <a:t> value of previous x, y values</a:t>
             </a:r>
           </a:p>
           <a:p>
             <a:r>
-              <a:rPr lang="en-US" sz="1200" dirty="0" smtClean="0"/>
+              <a:rPr lang="en-US" sz="1200" dirty="0"/>
               <a:t>     </a:t>
             </a:r>
             <a:r>
-              <a:rPr lang="en-US" sz="1200" b="1" dirty="0" smtClean="0">
+              <a:rPr lang="en-US" sz="1200" b="1" dirty="0">
                 <a:solidFill>
                   <a:srgbClr val="C00000"/>
                 </a:solidFill>
@@ -13272,21 +18683,21 @@
               <a:t>else if </a:t>
             </a:r>
             <a:r>
-              <a:rPr lang="en-US" sz="1200" dirty="0" smtClean="0"/>
+              <a:rPr lang="en-US" sz="1200" dirty="0"/>
               <a:t>(group):</a:t>
             </a:r>
           </a:p>
           <a:p>
             <a:r>
-              <a:rPr lang="en-US" sz="1200" dirty="0" smtClean="0"/>
+              <a:rPr lang="en-US" sz="1200" dirty="0"/>
               <a:t>          </a:t>
             </a:r>
             <a:r>
-              <a:rPr lang="en-US" sz="1200" b="1" dirty="0" smtClean="0"/>
+              <a:rPr lang="en-US" sz="1200" b="1" dirty="0"/>
               <a:t>sum</a:t>
             </a:r>
             <a:r>
-              <a:rPr lang="en-US" sz="1200" dirty="0" smtClean="0"/>
+              <a:rPr lang="en-US" sz="1200" dirty="0"/>
               <a:t> areas of contained cells</a:t>
             </a:r>
           </a:p>
@@ -13308,7 +18719,7 @@
 </p:sld>
 </file>
 
-<file path=ppt/slides/slide13.xml><?xml version="1.0" encoding="utf-8"?>
+<file path=ppt/slides/slide15.xml><?xml version="1.0" encoding="utf-8"?>
 <p:sld xmlns:a="http://schemas.openxmlformats.org/drawingml/2006/main" xmlns:r="http://schemas.openxmlformats.org/officeDocument/2006/relationships" xmlns:p="http://schemas.openxmlformats.org/presentationml/2006/main">
   <p:cSld>
     <p:spTree>
@@ -13354,20 +18765,12 @@
           <a:lstStyle/>
           <a:p>
             <a:r>
-              <a:rPr lang="en-US" sz="3200" b="1" dirty="0" smtClean="0">
-                <a:solidFill>
-                  <a:srgbClr val="339966"/>
-                </a:solidFill>
-              </a:rPr>
-              <a:t>Next </a:t>
-            </a:r>
-            <a:r>
               <a:rPr lang="en-US" sz="3200" b="1" dirty="0">
                 <a:solidFill>
                   <a:srgbClr val="339966"/>
                 </a:solidFill>
               </a:rPr>
-              <a:t>Sprint – </a:t>
+              <a:t>Next Sprint – </a:t>
             </a:r>
             <a:r>
               <a:rPr lang="en-US" sz="3200" b="1" dirty="0" err="1">
@@ -13376,14 +18779,6 @@
                 </a:solidFill>
               </a:rPr>
               <a:t>ToDos</a:t>
-            </a:r>
-            <a:r>
-              <a:rPr lang="en-US" sz="3200" b="1" dirty="0">
-                <a:solidFill>
-                  <a:srgbClr val="339966"/>
-                </a:solidFill>
-              </a:rPr>
-              <a:t/>
             </a:r>
             <a:br>
               <a:rPr lang="en-US" sz="3200" b="1" dirty="0">
@@ -13548,28 +18943,12 @@
               <a:buChar char="§"/>
             </a:pPr>
             <a:r>
-              <a:rPr lang="en-GB" sz="1600" dirty="0" smtClean="0">
-                <a:solidFill>
-                  <a:srgbClr val="00B050"/>
-                </a:solidFill>
-              </a:rPr>
-              <a:t>Design </a:t>
-            </a:r>
-            <a:r>
               <a:rPr lang="en-GB" sz="1600" dirty="0">
                 <a:solidFill>
                   <a:srgbClr val="00B050"/>
                 </a:solidFill>
               </a:rPr>
-              <a:t>of root-node-selection input </a:t>
-            </a:r>
-            <a:r>
-              <a:rPr lang="en-GB" sz="1600" dirty="0" smtClean="0">
-                <a:solidFill>
-                  <a:srgbClr val="00B050"/>
-                </a:solidFill>
-              </a:rPr>
-              <a:t>field</a:t>
+              <a:t>Design of root-node-selection input field</a:t>
             </a:r>
           </a:p>
           <a:p>
@@ -13581,10 +18960,9 @@
               <a:buChar char="§"/>
             </a:pPr>
             <a:r>
-              <a:rPr lang="en-GB" sz="1600" dirty="0" smtClean="0"/>
+              <a:rPr lang="en-GB" sz="1600" dirty="0"/>
               <a:t>Fix query of siblings when selecting one root node</a:t>
             </a:r>
-            <a:endParaRPr lang="en-GB" sz="1600" dirty="0"/>
           </a:p>
           <a:p>
             <a:pPr algn="just">
@@ -13730,21 +19108,8 @@
                   <a:srgbClr val="00B050"/>
                 </a:solidFill>
               </a:rPr>
-              <a:t> </a:t>
-            </a:r>
-            <a:r>
-              <a:rPr lang="en-GB" sz="1600" dirty="0" smtClean="0">
-                <a:solidFill>
-                  <a:srgbClr val="00B050"/>
-                </a:solidFill>
-              </a:rPr>
-              <a:t>query</a:t>
-            </a:r>
-            <a:endParaRPr lang="en-GB" sz="1600" dirty="0">
-              <a:solidFill>
-                <a:srgbClr val="00B050"/>
-              </a:solidFill>
-            </a:endParaRPr>
+              <a:t> query</a:t>
+            </a:r>
           </a:p>
           <a:p>
             <a:pPr lvl="1" algn="just">
@@ -13755,7 +19120,7 @@
               <a:buChar char="§"/>
             </a:pPr>
             <a:r>
-              <a:rPr lang="en-GB" sz="1600" dirty="0" err="1" smtClean="0">
+              <a:rPr lang="en-GB" sz="1600" dirty="0" err="1">
                 <a:solidFill>
                   <a:srgbClr val="00B050"/>
                 </a:solidFill>
@@ -13781,11 +19146,7 @@
             </a:pPr>
             <a:r>
               <a:rPr lang="en-GB" sz="1600" dirty="0"/>
-              <a:t>Process Variables </a:t>
-            </a:r>
-            <a:r>
-              <a:rPr lang="en-GB" sz="1600" dirty="0" smtClean="0"/>
-              <a:t>query</a:t>
+              <a:t>Process Variables query</a:t>
             </a:r>
           </a:p>
           <a:p>
@@ -13797,7 +19158,7 @@
               <a:buChar char="§"/>
             </a:pPr>
             <a:r>
-              <a:rPr lang="en-GB" sz="2000" dirty="0" smtClean="0"/>
+              <a:rPr lang="en-GB" sz="2000" dirty="0"/>
               <a:t>Animations via sapient-bind</a:t>
             </a:r>
           </a:p>
@@ -13810,12 +19171,8 @@
               <a:buChar char="§"/>
             </a:pPr>
             <a:r>
-              <a:rPr lang="en-GB" sz="2000" dirty="0" smtClean="0"/>
-              <a:t>Documentation </a:t>
-            </a:r>
-            <a:r>
               <a:rPr lang="en-GB" sz="2000" dirty="0"/>
-              <a:t>and Commenting</a:t>
+              <a:t>Documentation and Commenting</a:t>
             </a:r>
           </a:p>
           <a:p>
@@ -13882,17 +19239,10 @@
   <p:clrMapOvr>
     <a:masterClrMapping/>
   </p:clrMapOvr>
-  <p:timing>
-    <p:tnLst>
-      <p:par>
-        <p:cTn id="1" dur="indefinite" restart="never" nodeType="tmRoot"/>
-      </p:par>
-    </p:tnLst>
-  </p:timing>
 </p:sld>
 </file>
 
-<file path=ppt/slides/slide14.xml><?xml version="1.0" encoding="utf-8"?>
+<file path=ppt/slides/slide16.xml><?xml version="1.0" encoding="utf-8"?>
 <p:sld xmlns:a="http://schemas.openxmlformats.org/drawingml/2006/main" xmlns:r="http://schemas.openxmlformats.org/officeDocument/2006/relationships" xmlns:p="http://schemas.openxmlformats.org/presentationml/2006/main">
   <p:cSld>
     <p:spTree>
@@ -14075,13 +19425,6 @@
   <p:clrMapOvr>
     <a:masterClrMapping/>
   </p:clrMapOvr>
-  <p:timing>
-    <p:tnLst>
-      <p:par>
-        <p:cTn id="1" dur="indefinite" restart="never" nodeType="tmRoot"/>
-      </p:par>
-    </p:tnLst>
-  </p:timing>
 </p:sld>
 </file>
 
@@ -14153,25 +19496,8 @@
                   </a:schemeClr>
                 </a:solidFill>
               </a:rPr>
-              <a:t>Overview of tasks: Week </a:t>
-            </a:r>
-            <a:r>
-              <a:rPr lang="en-US" sz="1600" b="1" dirty="0" smtClean="0">
-                <a:solidFill>
-                  <a:schemeClr val="bg1">
-                    <a:lumMod val="50000"/>
-                  </a:schemeClr>
-                </a:solidFill>
-              </a:rPr>
-              <a:t>11 </a:t>
-            </a:r>
-            <a:endParaRPr lang="en-US" sz="1600" b="1" dirty="0">
-              <a:solidFill>
-                <a:schemeClr val="bg1">
-                  <a:lumMod val="50000"/>
-                </a:schemeClr>
-              </a:solidFill>
-            </a:endParaRPr>
+              <a:t>Overview of tasks: Week 11 </a:t>
+            </a:r>
           </a:p>
         </p:txBody>
       </p:sp>
@@ -14330,13 +19656,6 @@
   <p:clrMapOvr>
     <a:masterClrMapping/>
   </p:clrMapOvr>
-  <p:timing>
-    <p:tnLst>
-      <p:par>
-        <p:cTn id="1" dur="indefinite" restart="never" nodeType="tmRoot"/>
-      </p:par>
-    </p:tnLst>
-  </p:timing>
 </p:sld>
 </file>
 
@@ -14620,13 +19939,6 @@
   <p:clrMapOvr>
     <a:masterClrMapping/>
   </p:clrMapOvr>
-  <p:timing>
-    <p:tnLst>
-      <p:par>
-        <p:cTn id="1" dur="indefinite" restart="never" nodeType="tmRoot"/>
-      </p:par>
-    </p:tnLst>
-  </p:timing>
 </p:sld>
 </file>
 
@@ -14690,14 +20002,6 @@
                 </a:solidFill>
               </a:rPr>
               <a:t>Boardlet</a:t>
-            </a:r>
-            <a:r>
-              <a:rPr lang="en-US" sz="3200" b="1" dirty="0">
-                <a:solidFill>
-                  <a:srgbClr val="339966"/>
-                </a:solidFill>
-              </a:rPr>
-              <a:t/>
             </a:r>
             <a:br>
               <a:rPr lang="en-US" sz="3200" b="1" dirty="0">
@@ -14866,13 +20170,6 @@
   <p:clrMapOvr>
     <a:masterClrMapping/>
   </p:clrMapOvr>
-  <p:timing>
-    <p:tnLst>
-      <p:par>
-        <p:cTn id="1" dur="indefinite" restart="never" nodeType="tmRoot"/>
-      </p:par>
-    </p:tnLst>
-  </p:timing>
 </p:sld>
 </file>
 
@@ -14922,7 +20219,7 @@
           <a:lstStyle/>
           <a:p>
             <a:r>
-              <a:rPr lang="en-US" sz="3200" b="1" dirty="0" smtClean="0">
+              <a:rPr lang="en-US" sz="3200" b="1" dirty="0">
                 <a:solidFill>
                   <a:srgbClr val="339966"/>
                 </a:solidFill>
@@ -15246,13 +20543,6 @@
   <p:clrMapOvr>
     <a:masterClrMapping/>
   </p:clrMapOvr>
-  <p:timing>
-    <p:tnLst>
-      <p:par>
-        <p:cTn id="1" dur="indefinite" restart="never" nodeType="tmRoot"/>
-      </p:par>
-    </p:tnLst>
-  </p:timing>
 </p:sld>
 </file>
 
@@ -15302,20 +20592,12 @@
           <a:lstStyle/>
           <a:p>
             <a:r>
-              <a:rPr lang="en-US" sz="3200" b="1" dirty="0" smtClean="0">
+              <a:rPr lang="en-US" sz="3200" b="1" dirty="0">
                 <a:solidFill>
                   <a:srgbClr val="339966"/>
                 </a:solidFill>
               </a:rPr>
               <a:t>SQL Queries</a:t>
-            </a:r>
-            <a:r>
-              <a:rPr lang="en-US" sz="3200" b="1" dirty="0">
-                <a:solidFill>
-                  <a:srgbClr val="339966"/>
-                </a:solidFill>
-              </a:rPr>
-              <a:t/>
             </a:r>
             <a:br>
               <a:rPr lang="en-US" sz="3200" b="1" dirty="0">
@@ -15332,17 +20614,7 @@
                   </a:schemeClr>
                 </a:solidFill>
               </a:rPr>
-              <a:t>Weekly Sprint </a:t>
-            </a:r>
-            <a:r>
-              <a:rPr lang="en-US" sz="1600" b="1" dirty="0" smtClean="0">
-                <a:solidFill>
-                  <a:schemeClr val="bg1">
-                    <a:lumMod val="50000"/>
-                  </a:schemeClr>
-                </a:solidFill>
-              </a:rPr>
-              <a:t>10</a:t>
+              <a:t>Weekly Sprint 10</a:t>
             </a:r>
             <a:endParaRPr lang="en-US" sz="3200" dirty="0">
               <a:solidFill>
@@ -15815,10 +21087,9 @@
           <a:p>
             <a:pPr algn="just"/>
             <a:r>
-              <a:rPr lang="en-GB" sz="2000" dirty="0" smtClean="0"/>
+              <a:rPr lang="en-GB" sz="2000" dirty="0"/>
               <a:t>Complex SQL Query with LEFT JOIN</a:t>
             </a:r>
-            <a:endParaRPr lang="en-GB" sz="2000" dirty="0"/>
           </a:p>
           <a:p>
             <a:pPr algn="just"/>
@@ -15912,15 +21183,7 @@
                   <a:srgbClr val="FF0000"/>
                 </a:solidFill>
               </a:rPr>
-              <a:t>l</a:t>
-            </a:r>
-            <a:r>
-              <a:rPr lang="de-DE" dirty="0" err="1" smtClean="0">
-                <a:solidFill>
-                  <a:srgbClr val="FF0000"/>
-                </a:solidFill>
-              </a:rPr>
-              <a:t>_nodes</a:t>
+              <a:t>l_nodes</a:t>
             </a:r>
             <a:endParaRPr lang="de-DE" dirty="0">
               <a:solidFill>
@@ -15954,11 +21217,11 @@
           <a:p>
             <a:pPr algn="ctr"/>
             <a:r>
-              <a:rPr lang="de-DE" dirty="0" smtClean="0"/>
+              <a:rPr lang="de-DE" dirty="0"/>
               <a:t>LEFT JOIN ON  tree.id = </a:t>
             </a:r>
             <a:r>
-              <a:rPr lang="de-DE" dirty="0" err="1" smtClean="0"/>
+              <a:rPr lang="de-DE" dirty="0" err="1"/>
               <a:t>vertex.node</a:t>
             </a:r>
             <a:endParaRPr lang="de-DE" dirty="0"/>
@@ -16012,7 +21275,7 @@
           <a:p>
             <a:pPr algn="ctr"/>
             <a:r>
-              <a:rPr lang="de-DE" dirty="0" err="1" smtClean="0">
+              <a:rPr lang="de-DE" dirty="0" err="1">
                 <a:solidFill>
                   <a:srgbClr val="00B050"/>
                 </a:solidFill>
@@ -16020,7 +21283,7 @@
               <a:t>Wanted</a:t>
             </a:r>
             <a:r>
-              <a:rPr lang="de-DE" dirty="0" smtClean="0">
+              <a:rPr lang="de-DE" dirty="0">
                 <a:solidFill>
                   <a:srgbClr val="00B050"/>
                 </a:solidFill>
@@ -16034,7 +21297,7 @@
           </a:p>
           <a:p>
             <a:pPr algn="ctr"/>
-            <a:endParaRPr lang="de-DE" dirty="0" smtClean="0"/>
+            <a:endParaRPr lang="de-DE" dirty="0"/>
           </a:p>
           <a:p>
             <a:pPr algn="ctr"/>
@@ -16042,7 +21305,7 @@
           </a:p>
           <a:p>
             <a:pPr algn="ctr"/>
-            <a:endParaRPr lang="de-DE" dirty="0" smtClean="0"/>
+            <a:endParaRPr lang="de-DE" dirty="0"/>
           </a:p>
           <a:p>
             <a:pPr algn="ctr"/>
@@ -16050,7 +21313,7 @@
           </a:p>
           <a:p>
             <a:pPr algn="ctr"/>
-            <a:endParaRPr lang="de-DE" dirty="0" smtClean="0"/>
+            <a:endParaRPr lang="de-DE" dirty="0"/>
           </a:p>
           <a:p>
             <a:pPr algn="ctr"/>
@@ -16150,15 +21413,7 @@
                   <a:srgbClr val="0000FF"/>
                 </a:solidFill>
               </a:rPr>
-              <a:t>v</a:t>
-            </a:r>
-            <a:r>
-              <a:rPr lang="de-DE" dirty="0" err="1" smtClean="0">
-                <a:solidFill>
-                  <a:srgbClr val="0000FF"/>
-                </a:solidFill>
-              </a:rPr>
-              <a:t>isu_vertices</a:t>
+              <a:t>visu_vertices</a:t>
             </a:r>
             <a:endParaRPr lang="de-DE" dirty="0">
               <a:solidFill>
@@ -16178,13 +21433,6 @@
   <p:clrMapOvr>
     <a:masterClrMapping/>
   </p:clrMapOvr>
-  <p:timing>
-    <p:tnLst>
-      <p:par>
-        <p:cTn id="1" dur="indefinite" restart="never" nodeType="tmRoot"/>
-      </p:par>
-    </p:tnLst>
-  </p:timing>
 </p:sld>
 </file>
 
@@ -16234,7 +21482,7 @@
           <a:lstStyle/>
           <a:p>
             <a:r>
-              <a:rPr lang="en-US" sz="3200" b="1" dirty="0" err="1" smtClean="0">
+              <a:rPr lang="en-US" sz="3200" b="1" dirty="0" err="1">
                 <a:solidFill>
                   <a:srgbClr val="339966"/>
                 </a:solidFill>
@@ -16249,23 +21497,15 @@
               </a:rPr>
               <a:t>()</a:t>
             </a:r>
-            <a:r>
-              <a:rPr lang="en-US" sz="3200" b="1" dirty="0" smtClean="0">
-                <a:solidFill>
-                  <a:srgbClr val="339966"/>
-                </a:solidFill>
-              </a:rPr>
-              <a:t/>
-            </a:r>
             <a:br>
-              <a:rPr lang="en-US" sz="3200" b="1" dirty="0" smtClean="0">
+              <a:rPr lang="en-US" sz="3200" b="1" dirty="0">
                 <a:solidFill>
                   <a:srgbClr val="339966"/>
                 </a:solidFill>
               </a:rPr>
             </a:br>
             <a:r>
-              <a:rPr lang="en-US" sz="1600" b="1" dirty="0" smtClean="0">
+              <a:rPr lang="en-US" sz="1600" b="1" dirty="0">
                 <a:solidFill>
                   <a:schemeClr val="bg1">
                     <a:lumMod val="50000"/>
@@ -16591,13 +21831,6 @@
   <p:clrMapOvr>
     <a:masterClrMapping/>
   </p:clrMapOvr>
-  <p:timing>
-    <p:tnLst>
-      <p:par>
-        <p:cTn id="1" dur="indefinite" restart="never" nodeType="tmRoot"/>
-      </p:par>
-    </p:tnLst>
-  </p:timing>
 </p:sld>
 </file>
 
@@ -16647,7 +21880,7 @@
           <a:lstStyle/>
           <a:p>
             <a:r>
-              <a:rPr lang="en-US" sz="3200" b="1" dirty="0" err="1" smtClean="0">
+              <a:rPr lang="en-US" sz="3200" b="1" dirty="0" err="1">
                 <a:solidFill>
                   <a:srgbClr val="339966"/>
                 </a:solidFill>
@@ -16655,7 +21888,7 @@
               <a:t>mapConnectionsToShapes</a:t>
             </a:r>
             <a:r>
-              <a:rPr lang="en-US" sz="3200" b="1" dirty="0" smtClean="0">
+              <a:rPr lang="en-US" sz="3200" b="1" dirty="0">
                 <a:solidFill>
                   <a:srgbClr val="339966"/>
                 </a:solidFill>
@@ -17133,33 +22366,33 @@
           <a:p>
             <a:pPr algn="just"/>
             <a:r>
-              <a:rPr lang="en-GB" sz="2000" dirty="0" smtClean="0"/>
+              <a:rPr lang="en-GB" sz="2000" dirty="0"/>
               <a:t>P&amp;ID Rules to determine </a:t>
             </a:r>
             <a:r>
-              <a:rPr lang="en-GB" sz="2000" dirty="0" err="1" smtClean="0"/>
+              <a:rPr lang="en-GB" sz="2000" dirty="0" err="1"/>
               <a:t>shapeName</a:t>
             </a:r>
             <a:r>
-              <a:rPr lang="en-GB" sz="2000" dirty="0" smtClean="0"/>
+              <a:rPr lang="en-GB" sz="2000" dirty="0"/>
               <a:t> according to </a:t>
             </a:r>
             <a:r>
-              <a:rPr lang="en-GB" sz="2000" dirty="0" err="1" smtClean="0"/>
+              <a:rPr lang="en-GB" sz="2000" dirty="0" err="1"/>
               <a:t>pidClass</a:t>
             </a:r>
             <a:r>
-              <a:rPr lang="en-GB" sz="2000" dirty="0" smtClean="0"/>
+              <a:rPr lang="en-GB" sz="2000" dirty="0"/>
               <a:t> of source and target shapes of connection. </a:t>
             </a:r>
           </a:p>
           <a:p>
             <a:pPr algn="just"/>
             <a:r>
-              <a:rPr lang="en-GB" sz="2000" dirty="0" smtClean="0"/>
+              <a:rPr lang="en-GB" sz="2000" dirty="0"/>
               <a:t>Rules as Adjacency Matrix:</a:t>
             </a:r>
-            <a:endParaRPr lang="en-GB" sz="1600" dirty="0" smtClean="0"/>
+            <a:endParaRPr lang="en-GB" sz="1600" dirty="0"/>
           </a:p>
           <a:p>
             <a:pPr algn="just"/>
@@ -17241,13 +22474,6 @@
   <p:clrMapOvr>
     <a:masterClrMapping/>
   </p:clrMapOvr>
-  <p:timing>
-    <p:tnLst>
-      <p:par>
-        <p:cTn id="1" dur="indefinite" restart="never" nodeType="tmRoot"/>
-      </p:par>
-    </p:tnLst>
-  </p:timing>
 </p:sld>
 </file>
 
@@ -17376,7 +22602,7 @@
             <a:lstStyle/>
             <a:p>
               <a:r>
-                <a:rPr lang="en-GB" sz="1100" b="1" dirty="0" smtClean="0"/>
+                <a:rPr lang="en-GB" sz="1100" b="1" dirty="0"/>
                 <a:t>14</a:t>
               </a:r>
               <a:endParaRPr lang="en-GB" b="1" dirty="0"/>
@@ -17413,7 +22639,7 @@
           <a:lstStyle/>
           <a:p>
             <a:r>
-              <a:rPr lang="en-GB" sz="3200" b="1" dirty="0" err="1" smtClean="0">
+              <a:rPr lang="en-GB" sz="3200" b="1" dirty="0" err="1">
                 <a:solidFill>
                   <a:srgbClr val="339966"/>
                 </a:solidFill>
@@ -17421,7 +22647,7 @@
               <a:t>vertexPlacement</a:t>
             </a:r>
             <a:r>
-              <a:rPr lang="en-GB" sz="3200" b="1" dirty="0" smtClean="0">
+              <a:rPr lang="en-GB" sz="3200" b="1" dirty="0">
                 <a:solidFill>
                   <a:srgbClr val="339966"/>
                 </a:solidFill>
@@ -17429,14 +22655,14 @@
               <a:t>()</a:t>
             </a:r>
             <a:br>
-              <a:rPr lang="en-GB" sz="3200" b="1" dirty="0" smtClean="0">
+              <a:rPr lang="en-GB" sz="3200" b="1" dirty="0">
                 <a:solidFill>
                   <a:srgbClr val="339966"/>
                 </a:solidFill>
               </a:rPr>
             </a:br>
             <a:r>
-              <a:rPr lang="en-GB" sz="1600" b="1" dirty="0" smtClean="0">
+              <a:rPr lang="en-GB" sz="1600" b="1" dirty="0">
                 <a:solidFill>
                   <a:schemeClr val="bg1">
                     <a:lumMod val="50000"/>
@@ -18821,14 +24047,13 @@
           <a:p>
             <a:pPr algn="just"/>
             <a:r>
-              <a:rPr lang="en-GB" sz="1400" b="1" dirty="0" smtClean="0"/>
+              <a:rPr lang="en-GB" sz="1400" b="1" dirty="0"/>
               <a:t>DFS Pathfinder </a:t>
             </a:r>
             <a:r>
-              <a:rPr lang="en-GB" sz="1400" dirty="0" smtClean="0"/>
+              <a:rPr lang="en-GB" sz="1400" dirty="0"/>
               <a:t>traversal returns traversal path (ordered array of vertices)</a:t>
             </a:r>
-            <a:endParaRPr lang="en-GB" sz="1400" dirty="0"/>
           </a:p>
           <a:p>
             <a:pPr algn="just"/>
@@ -18906,12 +24131,8 @@
           <a:p>
             <a:pPr algn="just"/>
             <a:r>
-              <a:rPr lang="en-GB" sz="1400" dirty="0" smtClean="0"/>
-              <a:t>Rules </a:t>
-            </a:r>
-            <a:r>
               <a:rPr lang="en-GB" sz="1400" dirty="0"/>
-              <a:t>for example: if (valve to instrument) : instrument above valve</a:t>
+              <a:t>Rules for example: if (valve to instrument) : instrument above valve</a:t>
             </a:r>
           </a:p>
           <a:p>
@@ -19381,7 +24602,7 @@
           <a:p>
             <a:pPr algn="ctr"/>
             <a:r>
-              <a:rPr lang="en-GB" sz="1200" b="1" dirty="0" smtClean="0">
+              <a:rPr lang="en-GB" sz="1200" b="1" dirty="0">
                 <a:solidFill>
                   <a:schemeClr val="tx1"/>
                 </a:solidFill>
@@ -19445,7 +24666,7 @@
           <a:p>
             <a:pPr algn="ctr"/>
             <a:r>
-              <a:rPr lang="en-GB" sz="1200" b="1" dirty="0" smtClean="0">
+              <a:rPr lang="en-GB" sz="1200" b="1" dirty="0">
                 <a:solidFill>
                   <a:schemeClr val="tx1"/>
                 </a:solidFill>
@@ -19509,7 +24730,7 @@
           <a:p>
             <a:pPr algn="ctr"/>
             <a:r>
-              <a:rPr lang="en-GB" sz="1200" b="1" dirty="0" smtClean="0">
+              <a:rPr lang="en-GB" sz="1200" b="1" dirty="0">
                 <a:solidFill>
                   <a:schemeClr val="tx1"/>
                 </a:solidFill>
@@ -19573,7 +24794,7 @@
           <a:p>
             <a:pPr algn="ctr"/>
             <a:r>
-              <a:rPr lang="en-GB" sz="1200" b="1" dirty="0" smtClean="0">
+              <a:rPr lang="en-GB" sz="1200" b="1" dirty="0">
                 <a:solidFill>
                   <a:schemeClr val="tx1"/>
                 </a:solidFill>
@@ -19637,7 +24858,7 @@
           <a:p>
             <a:pPr algn="ctr"/>
             <a:r>
-              <a:rPr lang="en-GB" sz="1200" b="1" dirty="0" smtClean="0">
+              <a:rPr lang="en-GB" sz="1200" b="1" dirty="0">
                 <a:solidFill>
                   <a:schemeClr val="tx1"/>
                 </a:solidFill>
@@ -20149,7 +25370,7 @@
           <a:p>
             <a:pPr algn="ctr"/>
             <a:r>
-              <a:rPr lang="en-GB" sz="1200" b="1" dirty="0" smtClean="0">
+              <a:rPr lang="en-GB" sz="1200" b="1" dirty="0">
                 <a:solidFill>
                   <a:schemeClr val="tx1"/>
                 </a:solidFill>
@@ -20213,7 +25434,7 @@
           <a:p>
             <a:pPr algn="ctr"/>
             <a:r>
-              <a:rPr lang="en-GB" sz="1200" b="1" dirty="0" smtClean="0">
+              <a:rPr lang="en-GB" sz="1200" b="1" dirty="0">
                 <a:solidFill>
                   <a:schemeClr val="tx1"/>
                 </a:solidFill>
@@ -20277,7 +25498,7 @@
           <a:p>
             <a:pPr algn="ctr"/>
             <a:r>
-              <a:rPr lang="en-GB" sz="1200" b="1" dirty="0" smtClean="0">
+              <a:rPr lang="en-GB" sz="1200" b="1" dirty="0">
                 <a:solidFill>
                   <a:schemeClr val="tx1"/>
                 </a:solidFill>
@@ -20400,7 +25621,7 @@
             <a:lstStyle/>
             <a:p>
               <a:r>
-                <a:rPr lang="en-GB" sz="1100" b="1" dirty="0" smtClean="0"/>
+                <a:rPr lang="en-GB" sz="1100" b="1" dirty="0"/>
                 <a:t>10</a:t>
               </a:r>
               <a:endParaRPr lang="en-GB" b="1" dirty="0"/>
@@ -20695,7 +25916,7 @@
             <a:lstStyle/>
             <a:p>
               <a:r>
-                <a:rPr lang="en-GB" sz="1100" b="1" dirty="0" smtClean="0"/>
+                <a:rPr lang="en-GB" sz="1100" b="1" dirty="0"/>
                 <a:t>12</a:t>
               </a:r>
               <a:endParaRPr lang="en-GB" b="1" dirty="0"/>
@@ -22114,7 +27335,7 @@
           <a:lstStyle/>
           <a:p>
             <a:r>
-              <a:rPr lang="en-GB" sz="1100" b="1" dirty="0" smtClean="0"/>
+              <a:rPr lang="en-GB" sz="1100" b="1" dirty="0"/>
               <a:t>13</a:t>
             </a:r>
             <a:endParaRPr lang="en-GB" b="1" dirty="0"/>
@@ -22153,7 +27374,7 @@
           <a:lstStyle/>
           <a:p>
             <a:r>
-              <a:rPr lang="en-GB" sz="1100" b="1" dirty="0" smtClean="0"/>
+              <a:rPr lang="en-GB" sz="1100" b="1" dirty="0"/>
               <a:t>17</a:t>
             </a:r>
             <a:endParaRPr lang="en-GB" b="1" dirty="0"/>
@@ -22192,7 +27413,7 @@
           <a:lstStyle/>
           <a:p>
             <a:r>
-              <a:rPr lang="en-GB" sz="1100" b="1" dirty="0" smtClean="0"/>
+              <a:rPr lang="en-GB" sz="1100" b="1" dirty="0"/>
               <a:t>15</a:t>
             </a:r>
             <a:endParaRPr lang="en-GB" b="1" dirty="0"/>
@@ -22231,7 +27452,7 @@
           <a:lstStyle/>
           <a:p>
             <a:r>
-              <a:rPr lang="en-GB" sz="1100" b="1" dirty="0" smtClean="0"/>
+              <a:rPr lang="en-GB" sz="1100" b="1" dirty="0"/>
               <a:t>16</a:t>
             </a:r>
             <a:endParaRPr lang="en-GB" b="1" dirty="0"/>
@@ -22346,7 +27567,7 @@
             <a:lstStyle/>
             <a:p>
               <a:r>
-                <a:rPr lang="en-GB" sz="1100" b="1" dirty="0" smtClean="0"/>
+                <a:rPr lang="en-GB" sz="1100" b="1" dirty="0"/>
                 <a:t>11</a:t>
               </a:r>
               <a:endParaRPr lang="en-GB" b="1" dirty="0"/>
@@ -22479,18 +27700,13 @@
           <a:p>
             <a:pPr algn="ctr"/>
             <a:r>
-              <a:rPr lang="en-GB" sz="900" dirty="0" smtClean="0">
+              <a:rPr lang="en-GB" sz="900" dirty="0">
                 <a:solidFill>
                   <a:srgbClr val="00B0F0"/>
                 </a:solidFill>
               </a:rPr>
               <a:t>Siblings (in level)</a:t>
             </a:r>
-            <a:endParaRPr lang="en-GB" sz="900" dirty="0">
-              <a:solidFill>
-                <a:srgbClr val="00B0F0"/>
-              </a:solidFill>
-            </a:endParaRPr>
           </a:p>
         </p:txBody>
       </p:sp>
@@ -22524,15 +27740,11 @@
           <a:p>
             <a:pPr algn="r"/>
             <a:r>
-              <a:rPr lang="en-GB" sz="1050" b="1" dirty="0" smtClean="0"/>
-              <a:t>Process Cell </a:t>
-            </a:r>
-            <a:r>
               <a:rPr lang="en-GB" sz="1050" b="1" dirty="0"/>
-              <a:t>: </a:t>
-            </a:r>
-            <a:r>
-              <a:rPr lang="en-GB" sz="1050" dirty="0" err="1" smtClean="0"/>
+              <a:t>Process Cell : </a:t>
+            </a:r>
+            <a:r>
+              <a:rPr lang="en-GB" sz="1050" dirty="0" err="1"/>
               <a:t>Brewhouse</a:t>
             </a:r>
             <a:endParaRPr lang="en-GB" sz="1050" b="1" dirty="0"/>
@@ -22562,84 +27774,44 @@
           <a:lstStyle/>
           <a:p>
             <a:r>
-              <a:rPr lang="en-US" sz="1200" b="1" dirty="0" err="1" smtClean="0"/>
+              <a:rPr lang="en-US" sz="1200" b="1" dirty="0" err="1"/>
               <a:t>pidLevel</a:t>
             </a:r>
             <a:r>
-              <a:rPr lang="en-US" sz="1200" b="1" dirty="0" smtClean="0"/>
+              <a:rPr lang="en-US" sz="1200" b="1" dirty="0"/>
               <a:t> to </a:t>
             </a:r>
             <a:r>
-              <a:rPr lang="en-US" sz="1200" b="1" dirty="0" err="1" smtClean="0"/>
+              <a:rPr lang="en-US" sz="1200" b="1" dirty="0" err="1"/>
               <a:t>isaLevel</a:t>
             </a:r>
             <a:r>
-              <a:rPr lang="en-US" sz="1200" b="1" dirty="0" smtClean="0"/>
+              <a:rPr lang="en-US" sz="1200" b="1" dirty="0"/>
               <a:t> map:</a:t>
             </a:r>
           </a:p>
           <a:p>
             <a:r>
               <a:rPr lang="en-US" sz="1200" b="1" dirty="0"/>
-              <a:t> </a:t>
-            </a:r>
-            <a:r>
-              <a:rPr lang="en-US" sz="1200" b="1" dirty="0" smtClean="0"/>
-              <a:t>   1 : Enterprise</a:t>
+              <a:t>    1 : Enterprise</a:t>
             </a:r>
           </a:p>
           <a:p>
             <a:r>
               <a:rPr lang="en-US" sz="1200" b="1" dirty="0"/>
-              <a:t> </a:t>
-            </a:r>
-            <a:r>
-              <a:rPr lang="en-US" sz="1200" b="1" dirty="0" smtClean="0"/>
-              <a:t>   2 </a:t>
-            </a:r>
+              <a:t>    2 : Site</a:t>
+            </a:r>
+          </a:p>
+          <a:p>
             <a:r>
               <a:rPr lang="en-US" sz="1200" b="1" dirty="0"/>
-              <a:t>: </a:t>
-            </a:r>
-            <a:r>
-              <a:rPr lang="en-US" sz="1200" b="1" dirty="0" smtClean="0"/>
-              <a:t>Site</a:t>
+              <a:t>    3 : Area</a:t>
             </a:r>
           </a:p>
           <a:p>
             <a:r>
               <a:rPr lang="en-US" sz="1200" b="1" dirty="0"/>
-              <a:t> </a:t>
-            </a:r>
-            <a:r>
-              <a:rPr lang="en-US" sz="1200" b="1" dirty="0" smtClean="0"/>
-              <a:t>   3 </a:t>
-            </a:r>
-            <a:r>
-              <a:rPr lang="en-US" sz="1200" b="1" dirty="0"/>
-              <a:t>: </a:t>
-            </a:r>
-            <a:r>
-              <a:rPr lang="en-US" sz="1200" b="1" dirty="0" smtClean="0"/>
-              <a:t>Area</a:t>
-            </a:r>
-          </a:p>
-          <a:p>
-            <a:r>
-              <a:rPr lang="en-US" sz="1200" b="1" dirty="0"/>
-              <a:t> </a:t>
-            </a:r>
-            <a:r>
-              <a:rPr lang="en-US" sz="1200" b="1" dirty="0" smtClean="0"/>
-              <a:t>   4 </a:t>
-            </a:r>
-            <a:r>
-              <a:rPr lang="en-US" sz="1200" b="1" dirty="0"/>
-              <a:t>: </a:t>
-            </a:r>
-            <a:r>
-              <a:rPr lang="en-US" sz="1200" b="1" dirty="0" smtClean="0"/>
-              <a:t>Process Cell</a:t>
+              <a:t>    4 : Process Cell</a:t>
             </a:r>
           </a:p>
           <a:p>
@@ -22649,31 +27821,7 @@
                   <a:srgbClr val="00B050"/>
                 </a:solidFill>
               </a:rPr>
-              <a:t> </a:t>
-            </a:r>
-            <a:r>
-              <a:rPr lang="en-US" sz="1200" b="1" dirty="0" smtClean="0">
-                <a:solidFill>
-                  <a:srgbClr val="00B050"/>
-                </a:solidFill>
-              </a:rPr>
-              <a:t>   5 </a:t>
-            </a:r>
-            <a:r>
-              <a:rPr lang="en-US" sz="1200" b="1" dirty="0">
-                <a:solidFill>
-                  <a:srgbClr val="00B050"/>
-                </a:solidFill>
-              </a:rPr>
-              <a:t>: </a:t>
-            </a:r>
-            <a:r>
-              <a:rPr lang="en-US" sz="1200" b="1" dirty="0" smtClean="0">
-                <a:solidFill>
-                  <a:srgbClr val="00B050"/>
-                </a:solidFill>
-              </a:rPr>
-              <a:t>Unit</a:t>
+              <a:t>    5 : Unit</a:t>
             </a:r>
           </a:p>
           <a:p>
@@ -22683,45 +27831,29 @@
                   <a:srgbClr val="0000FF"/>
                 </a:solidFill>
               </a:rPr>
-              <a:t> </a:t>
-            </a:r>
-            <a:r>
-              <a:rPr lang="en-US" sz="1200" b="1" dirty="0" smtClean="0">
+              <a:t>    6 : </a:t>
+            </a:r>
+            <a:r>
+              <a:rPr lang="en-US" sz="1200" b="1" dirty="0" err="1">
                 <a:solidFill>
                   <a:srgbClr val="0000FF"/>
                 </a:solidFill>
               </a:rPr>
-              <a:t>   6 </a:t>
-            </a:r>
+              <a:t>Emodule</a:t>
+            </a:r>
+            <a:endParaRPr lang="en-US" sz="1200" b="1" dirty="0">
+              <a:solidFill>
+                <a:srgbClr val="0000FF"/>
+              </a:solidFill>
+            </a:endParaRPr>
+          </a:p>
+          <a:p>
             <a:r>
               <a:rPr lang="en-US" sz="1200" b="1" dirty="0">
                 <a:solidFill>
                   <a:srgbClr val="0000FF"/>
                 </a:solidFill>
               </a:rPr>
-              <a:t>: </a:t>
-            </a:r>
-            <a:r>
-              <a:rPr lang="en-US" sz="1200" b="1" dirty="0" err="1" smtClean="0">
-                <a:solidFill>
-                  <a:srgbClr val="0000FF"/>
-                </a:solidFill>
-              </a:rPr>
-              <a:t>Emodule</a:t>
-            </a:r>
-            <a:endParaRPr lang="en-US" sz="1200" b="1" dirty="0" smtClean="0">
-              <a:solidFill>
-                <a:srgbClr val="0000FF"/>
-              </a:solidFill>
-            </a:endParaRPr>
-          </a:p>
-          <a:p>
-            <a:r>
-              <a:rPr lang="en-US" sz="1200" b="1" dirty="0" smtClean="0">
-                <a:solidFill>
-                  <a:srgbClr val="0000FF"/>
-                </a:solidFill>
-              </a:rPr>
               <a:t>    …</a:t>
             </a:r>
           </a:p>
@@ -22732,23 +27864,7 @@
                   <a:srgbClr val="0000FF"/>
                 </a:solidFill>
               </a:rPr>
-              <a:t> </a:t>
-            </a:r>
-            <a:r>
-              <a:rPr lang="en-US" sz="1200" b="1" dirty="0" smtClean="0">
-                <a:solidFill>
-                  <a:srgbClr val="0000FF"/>
-                </a:solidFill>
-              </a:rPr>
-              <a:t>   </a:t>
-            </a:r>
-            <a:r>
-              <a:rPr lang="en-US" sz="1200" b="1" dirty="0" smtClean="0">
-                <a:solidFill>
-                  <a:srgbClr val="00B0F0"/>
-                </a:solidFill>
-              </a:rPr>
-              <a:t>n </a:t>
+              <a:t>    </a:t>
             </a:r>
             <a:r>
               <a:rPr lang="en-US" sz="1200" b="1" dirty="0">
@@ -22756,23 +27872,16 @@
                   <a:srgbClr val="00B0F0"/>
                 </a:solidFill>
               </a:rPr>
-              <a:t>: </a:t>
-            </a:r>
-            <a:r>
-              <a:rPr lang="en-US" sz="1200" b="1" dirty="0" err="1" smtClean="0">
+              <a:t>n : </a:t>
+            </a:r>
+            <a:r>
+              <a:rPr lang="en-US" sz="1200" b="1" dirty="0" err="1">
                 <a:solidFill>
                   <a:srgbClr val="00B0F0"/>
                 </a:solidFill>
               </a:rPr>
               <a:t>Cmodule</a:t>
             </a:r>
-            <a:endParaRPr lang="en-US" sz="1200" b="1" dirty="0" smtClean="0">
-              <a:solidFill>
-                <a:srgbClr val="00B0F0"/>
-              </a:solidFill>
-            </a:endParaRPr>
-          </a:p>
-          <a:p>
             <a:endParaRPr lang="en-US" sz="1200" b="1" dirty="0">
               <a:solidFill>
                 <a:srgbClr val="00B0F0"/>
@@ -22780,8 +27889,15 @@
             </a:endParaRPr>
           </a:p>
           <a:p>
-            <a:r>
-              <a:rPr lang="en-US" sz="1200" dirty="0" smtClean="0">
+            <a:endParaRPr lang="en-US" sz="1200" b="1" dirty="0">
+              <a:solidFill>
+                <a:srgbClr val="00B0F0"/>
+              </a:solidFill>
+            </a:endParaRPr>
+          </a:p>
+          <a:p>
+            <a:r>
+              <a:rPr lang="en-US" sz="1200" dirty="0">
                 <a:solidFill>
                   <a:srgbClr val="00B0F0"/>
                 </a:solidFill>
@@ -22789,7 +27905,7 @@
               <a:t>(only last level labelled as </a:t>
             </a:r>
             <a:r>
-              <a:rPr lang="en-US" sz="1200" dirty="0" err="1" smtClean="0">
+              <a:rPr lang="en-US" sz="1200" dirty="0" err="1">
                 <a:solidFill>
                   <a:srgbClr val="00B0F0"/>
                 </a:solidFill>
@@ -22797,7 +27913,7 @@
               <a:t>Cmodule</a:t>
             </a:r>
             <a:r>
-              <a:rPr lang="en-US" sz="1200" dirty="0" smtClean="0">
+              <a:rPr lang="en-US" sz="1200" dirty="0">
                 <a:solidFill>
                   <a:srgbClr val="00B0F0"/>
                 </a:solidFill>
@@ -22840,7 +27956,7 @@
           <a:p>
             <a:pPr algn="r"/>
             <a:r>
-              <a:rPr lang="en-GB" sz="4400" b="1" dirty="0" smtClean="0">
+              <a:rPr lang="en-GB" sz="4400" b="1" dirty="0">
                 <a:solidFill>
                   <a:srgbClr val="FF0000"/>
                 </a:solidFill>
